--- a/fscmodel presentation 130618.pptx
+++ b/fscmodel presentation 130618.pptx
@@ -2,7 +2,7 @@
 <file path=ppt/presentation.xml><?xml version="1.0" encoding="utf-8"?>
 <p:presentation xmlns:a="http://schemas.openxmlformats.org/drawingml/2006/main" xmlns:r="http://schemas.openxmlformats.org/officeDocument/2006/relationships" xmlns:p="http://schemas.openxmlformats.org/presentationml/2006/main" saveSubsetFonts="1">
   <p:sldMasterIdLst>
-    <p:sldMasterId id="2147483648" r:id="rId1"/>
+    <p:sldMasterId id="2147483684" r:id="rId1"/>
   </p:sldMasterIdLst>
   <p:sldIdLst>
     <p:sldId id="256" r:id="rId2"/>
@@ -141,19 +141,30 @@
         </p:nvSpPr>
         <p:spPr>
           <a:xfrm>
-            <a:off x="685800" y="2130425"/>
-            <a:ext cx="7772400" cy="1470025"/>
+            <a:off x="685800" y="1905000"/>
+            <a:ext cx="7543800" cy="2593975"/>
           </a:xfrm>
         </p:spPr>
         <p:txBody>
-          <a:bodyPr/>
-          <a:lstStyle/>
+          <a:bodyPr anchor="b"/>
+          <a:lstStyle>
+            <a:lvl1pPr>
+              <a:defRPr sz="6600">
+                <a:ln>
+                  <a:noFill/>
+                </a:ln>
+                <a:solidFill>
+                  <a:schemeClr val="tx2"/>
+                </a:solidFill>
+              </a:defRPr>
+            </a:lvl1pPr>
+          </a:lstStyle>
           <a:p>
             <a:r>
               <a:rPr lang="en-US" smtClean="0"/>
               <a:t>Click to edit Master title style</a:t>
             </a:r>
-            <a:endParaRPr lang="en-US"/>
+            <a:endParaRPr lang="en-US" dirty="0"/>
           </a:p>
         </p:txBody>
       </p:sp>
@@ -169,16 +180,18 @@
         </p:nvSpPr>
         <p:spPr>
           <a:xfrm>
-            <a:off x="1371600" y="3886200"/>
-            <a:ext cx="6400800" cy="1752600"/>
+            <a:off x="685800" y="4572000"/>
+            <a:ext cx="6461760" cy="1066800"/>
           </a:xfrm>
         </p:spPr>
         <p:txBody>
-          <a:bodyPr/>
+          <a:bodyPr anchor="t">
+            <a:normAutofit/>
+          </a:bodyPr>
           <a:lstStyle>
-            <a:lvl1pPr marL="0" indent="0" algn="ctr">
-              <a:buNone/>
-              <a:defRPr>
+            <a:lvl1pPr marL="0" indent="0" algn="l">
+              <a:buNone/>
+              <a:defRPr sz="2000">
                 <a:solidFill>
                   <a:schemeClr val="tx1">
                     <a:tint val="75000"/>
@@ -272,7 +285,7 @@
               <a:rPr lang="en-US" smtClean="0"/>
               <a:t>Click to edit Master subtitle style</a:t>
             </a:r>
-            <a:endParaRPr lang="en-US"/>
+            <a:endParaRPr lang="en-US" dirty="0"/>
           </a:p>
         </p:txBody>
       </p:sp>
@@ -548,18 +561,18 @@
         <p:spPr>
           <a:xfrm>
             <a:off x="6629400" y="274638"/>
-            <a:ext cx="2057400" cy="5851525"/>
+            <a:ext cx="1752600" cy="5851525"/>
           </a:xfrm>
         </p:spPr>
         <p:txBody>
-          <a:bodyPr vert="eaVert"/>
+          <a:bodyPr vert="eaVert" anchor="b" anchorCtr="0"/>
           <a:lstStyle/>
           <a:p>
             <a:r>
               <a:rPr lang="en-US" smtClean="0"/>
               <a:t>Click to edit Master title style</a:t>
             </a:r>
-            <a:endParaRPr lang="en-US"/>
+            <a:endParaRPr lang="en-US" dirty="0"/>
           </a:p>
         </p:txBody>
       </p:sp>
@@ -891,15 +904,15 @@
         </p:nvSpPr>
         <p:spPr>
           <a:xfrm>
-            <a:off x="722313" y="4406900"/>
-            <a:ext cx="7772400" cy="1362075"/>
+            <a:off x="722313" y="5486400"/>
+            <a:ext cx="7659687" cy="1168400"/>
           </a:xfrm>
         </p:spPr>
         <p:txBody>
           <a:bodyPr anchor="t"/>
           <a:lstStyle>
             <a:lvl1pPr algn="l">
-              <a:defRPr sz="4000" b="1" cap="all"/>
+              <a:defRPr sz="3600" b="0" cap="all"/>
             </a:lvl1pPr>
           </a:lstStyle>
           <a:p>
@@ -907,7 +920,7 @@
               <a:rPr lang="en-US" smtClean="0"/>
               <a:t>Click to edit Master title style</a:t>
             </a:r>
-            <a:endParaRPr lang="en-US"/>
+            <a:endParaRPr lang="en-US" dirty="0"/>
           </a:p>
         </p:txBody>
       </p:sp>
@@ -923,8 +936,8 @@
         </p:nvSpPr>
         <p:spPr>
           <a:xfrm>
-            <a:off x="722313" y="2906713"/>
-            <a:ext cx="7772400" cy="1500187"/>
+            <a:off x="722313" y="3852863"/>
+            <a:ext cx="6135687" cy="1633538"/>
           </a:xfrm>
         </p:spPr>
         <p:txBody>
@@ -1157,8 +1170,8 @@
         </p:nvSpPr>
         <p:spPr>
           <a:xfrm>
-            <a:off x="457200" y="1600200"/>
-            <a:ext cx="4038600" cy="4525963"/>
+            <a:off x="457200" y="1536192"/>
+            <a:ext cx="3657600" cy="4590288"/>
           </a:xfrm>
         </p:spPr>
         <p:txBody>
@@ -1226,7 +1239,7 @@
               <a:rPr lang="en-US" smtClean="0"/>
               <a:t>Fifth level</a:t>
             </a:r>
-            <a:endParaRPr lang="en-US"/>
+            <a:endParaRPr lang="en-US" dirty="0"/>
           </a:p>
         </p:txBody>
       </p:sp>
@@ -1242,8 +1255,8 @@
         </p:nvSpPr>
         <p:spPr>
           <a:xfrm>
-            <a:off x="4648200" y="1600200"/>
-            <a:ext cx="4038600" cy="4525963"/>
+            <a:off x="4419600" y="1536192"/>
+            <a:ext cx="3657600" cy="4590288"/>
           </a:xfrm>
         </p:spPr>
         <p:txBody>
@@ -1311,7 +1324,7 @@
               <a:rPr lang="en-US" smtClean="0"/>
               <a:t>Fifth level</a:t>
             </a:r>
-            <a:endParaRPr lang="en-US"/>
+            <a:endParaRPr lang="en-US" dirty="0"/>
           </a:p>
         </p:txBody>
       </p:sp>
@@ -1447,15 +1460,21 @@
         <p:spPr>
           <a:xfrm>
             <a:off x="457200" y="1535113"/>
-            <a:ext cx="4040188" cy="639762"/>
+            <a:ext cx="3657600" cy="639762"/>
           </a:xfrm>
         </p:spPr>
         <p:txBody>
-          <a:bodyPr anchor="b"/>
+          <a:bodyPr anchor="b">
+            <a:noAutofit/>
+          </a:bodyPr>
           <a:lstStyle>
-            <a:lvl1pPr marL="0" indent="0">
-              <a:buNone/>
-              <a:defRPr sz="2400" b="1"/>
+            <a:lvl1pPr marL="0" indent="0" algn="ctr">
+              <a:buNone/>
+              <a:defRPr sz="2000" b="1">
+                <a:solidFill>
+                  <a:schemeClr val="tx2"/>
+                </a:solidFill>
+              </a:defRPr>
             </a:lvl1pPr>
             <a:lvl2pPr marL="457200" indent="0">
               <a:buNone/>
@@ -1512,7 +1531,7 @@
         <p:spPr>
           <a:xfrm>
             <a:off x="457200" y="2174875"/>
-            <a:ext cx="4040188" cy="3951288"/>
+            <a:ext cx="3657600" cy="3951288"/>
           </a:xfrm>
         </p:spPr>
         <p:txBody>
@@ -1580,7 +1599,7 @@
               <a:rPr lang="en-US" smtClean="0"/>
               <a:t>Fifth level</a:t>
             </a:r>
-            <a:endParaRPr lang="en-US"/>
+            <a:endParaRPr lang="en-US" dirty="0"/>
           </a:p>
         </p:txBody>
       </p:sp>
@@ -1596,16 +1615,22 @@
         </p:nvSpPr>
         <p:spPr>
           <a:xfrm>
-            <a:off x="4645025" y="1535113"/>
-            <a:ext cx="4041775" cy="639762"/>
+            <a:off x="4419600" y="1535113"/>
+            <a:ext cx="3657600" cy="639762"/>
           </a:xfrm>
         </p:spPr>
         <p:txBody>
-          <a:bodyPr anchor="b"/>
+          <a:bodyPr anchor="b">
+            <a:noAutofit/>
+          </a:bodyPr>
           <a:lstStyle>
-            <a:lvl1pPr marL="0" indent="0">
-              <a:buNone/>
-              <a:defRPr sz="2400" b="1"/>
+            <a:lvl1pPr marL="0" indent="0" algn="ctr">
+              <a:buNone/>
+              <a:defRPr sz="2000" b="1">
+                <a:solidFill>
+                  <a:schemeClr val="tx2"/>
+                </a:solidFill>
+              </a:defRPr>
             </a:lvl1pPr>
             <a:lvl2pPr marL="457200" indent="0">
               <a:buNone/>
@@ -1661,8 +1686,8 @@
         </p:nvSpPr>
         <p:spPr>
           <a:xfrm>
-            <a:off x="4645025" y="2174875"/>
-            <a:ext cx="4041775" cy="3951288"/>
+            <a:off x="4419600" y="2174875"/>
+            <a:ext cx="3657600" cy="3951288"/>
           </a:xfrm>
         </p:spPr>
         <p:txBody>
@@ -2045,15 +2070,15 @@
         </p:nvSpPr>
         <p:spPr>
           <a:xfrm>
-            <a:off x="457200" y="273050"/>
-            <a:ext cx="3008313" cy="1162050"/>
+            <a:off x="304801" y="5495544"/>
+            <a:ext cx="7772400" cy="594360"/>
           </a:xfrm>
         </p:spPr>
         <p:txBody>
           <a:bodyPr anchor="b"/>
           <a:lstStyle>
-            <a:lvl1pPr algn="l">
-              <a:defRPr sz="2000" b="1"/>
+            <a:lvl1pPr algn="ctr">
+              <a:defRPr sz="2200" b="1"/>
             </a:lvl1pPr>
           </a:lstStyle>
           <a:p>
@@ -2061,117 +2086,34 @@
               <a:rPr lang="en-US" smtClean="0"/>
               <a:t>Click to edit Master title style</a:t>
             </a:r>
-            <a:endParaRPr lang="en-US"/>
-          </a:p>
-        </p:txBody>
-      </p:sp>
-      <p:sp>
-        <p:nvSpPr>
-          <p:cNvPr id="3" name="Content Placeholder 2"/>
-          <p:cNvSpPr>
-            <a:spLocks noGrp="1"/>
-          </p:cNvSpPr>
-          <p:nvPr>
-            <p:ph idx="1"/>
+            <a:endParaRPr lang="en-US" dirty="0"/>
+          </a:p>
+        </p:txBody>
+      </p:sp>
+      <p:sp>
+        <p:nvSpPr>
+          <p:cNvPr id="4" name="Text Placeholder 3"/>
+          <p:cNvSpPr>
+            <a:spLocks noGrp="1"/>
+          </p:cNvSpPr>
+          <p:nvPr>
+            <p:ph type="body" sz="half" idx="2"/>
           </p:nvPr>
         </p:nvSpPr>
         <p:spPr>
           <a:xfrm>
-            <a:off x="3575050" y="273050"/>
-            <a:ext cx="5111750" cy="5853113"/>
+            <a:off x="304799" y="6096000"/>
+            <a:ext cx="7772401" cy="609600"/>
           </a:xfrm>
         </p:spPr>
         <p:txBody>
-          <a:bodyPr/>
+          <a:bodyPr>
+            <a:normAutofit/>
+          </a:bodyPr>
           <a:lstStyle>
-            <a:lvl1pPr>
-              <a:defRPr sz="3200"/>
-            </a:lvl1pPr>
-            <a:lvl2pPr>
-              <a:defRPr sz="2800"/>
-            </a:lvl2pPr>
-            <a:lvl3pPr>
-              <a:defRPr sz="2400"/>
-            </a:lvl3pPr>
-            <a:lvl4pPr>
-              <a:defRPr sz="2000"/>
-            </a:lvl4pPr>
-            <a:lvl5pPr>
-              <a:defRPr sz="2000"/>
-            </a:lvl5pPr>
-            <a:lvl6pPr>
-              <a:defRPr sz="2000"/>
-            </a:lvl6pPr>
-            <a:lvl7pPr>
-              <a:defRPr sz="2000"/>
-            </a:lvl7pPr>
-            <a:lvl8pPr>
-              <a:defRPr sz="2000"/>
-            </a:lvl8pPr>
-            <a:lvl9pPr>
-              <a:defRPr sz="2000"/>
-            </a:lvl9pPr>
-          </a:lstStyle>
-          <a:p>
-            <a:pPr lvl="0"/>
-            <a:r>
-              <a:rPr lang="en-US" smtClean="0"/>
-              <a:t>Click to edit Master text styles</a:t>
-            </a:r>
-          </a:p>
-          <a:p>
-            <a:pPr lvl="1"/>
-            <a:r>
-              <a:rPr lang="en-US" smtClean="0"/>
-              <a:t>Second level</a:t>
-            </a:r>
-          </a:p>
-          <a:p>
-            <a:pPr lvl="2"/>
-            <a:r>
-              <a:rPr lang="en-US" smtClean="0"/>
-              <a:t>Third level</a:t>
-            </a:r>
-          </a:p>
-          <a:p>
-            <a:pPr lvl="3"/>
-            <a:r>
-              <a:rPr lang="en-US" smtClean="0"/>
-              <a:t>Fourth level</a:t>
-            </a:r>
-          </a:p>
-          <a:p>
-            <a:pPr lvl="4"/>
-            <a:r>
-              <a:rPr lang="en-US" smtClean="0"/>
-              <a:t>Fifth level</a:t>
-            </a:r>
-            <a:endParaRPr lang="en-US"/>
-          </a:p>
-        </p:txBody>
-      </p:sp>
-      <p:sp>
-        <p:nvSpPr>
-          <p:cNvPr id="4" name="Text Placeholder 3"/>
-          <p:cNvSpPr>
-            <a:spLocks noGrp="1"/>
-          </p:cNvSpPr>
-          <p:nvPr>
-            <p:ph type="body" sz="half" idx="2"/>
-          </p:nvPr>
-        </p:nvSpPr>
-        <p:spPr>
-          <a:xfrm>
-            <a:off x="457200" y="1435100"/>
-            <a:ext cx="3008313" cy="4691063"/>
-          </a:xfrm>
-        </p:spPr>
-        <p:txBody>
-          <a:bodyPr/>
-          <a:lstStyle>
-            <a:lvl1pPr marL="0" indent="0">
-              <a:buNone/>
-              <a:defRPr sz="1400"/>
+            <a:lvl1pPr marL="0" indent="0" algn="ctr">
+              <a:buNone/>
+              <a:defRPr sz="1600"/>
             </a:lvl1pPr>
             <a:lvl2pPr marL="457200" indent="0">
               <a:buNone/>
@@ -2278,6 +2220,63 @@
               <a:pPr/>
               <a:t>‹#›</a:t>
             </a:fld>
+            <a:endParaRPr lang="en-US"/>
+          </a:p>
+        </p:txBody>
+      </p:sp>
+      <p:sp>
+        <p:nvSpPr>
+          <p:cNvPr id="9" name="Content Placeholder 8"/>
+          <p:cNvSpPr>
+            <a:spLocks noGrp="1"/>
+          </p:cNvSpPr>
+          <p:nvPr>
+            <p:ph sz="quarter" idx="13"/>
+          </p:nvPr>
+        </p:nvSpPr>
+        <p:spPr>
+          <a:xfrm>
+            <a:off x="304800" y="381000"/>
+            <a:ext cx="7772400" cy="4942840"/>
+          </a:xfrm>
+        </p:spPr>
+        <p:txBody>
+          <a:bodyPr/>
+          <a:lstStyle/>
+          <a:p>
+            <a:pPr lvl="0"/>
+            <a:r>
+              <a:rPr lang="en-US" smtClean="0"/>
+              <a:t>Click to edit Master text styles</a:t>
+            </a:r>
+          </a:p>
+          <a:p>
+            <a:pPr lvl="1"/>
+            <a:r>
+              <a:rPr lang="en-US" smtClean="0"/>
+              <a:t>Second level</a:t>
+            </a:r>
+          </a:p>
+          <a:p>
+            <a:pPr lvl="2"/>
+            <a:r>
+              <a:rPr lang="en-US" smtClean="0"/>
+              <a:t>Third level</a:t>
+            </a:r>
+          </a:p>
+          <a:p>
+            <a:pPr lvl="3"/>
+            <a:r>
+              <a:rPr lang="en-US" smtClean="0"/>
+              <a:t>Fourth level</a:t>
+            </a:r>
+          </a:p>
+          <a:p>
+            <a:pPr lvl="4"/>
+            <a:r>
+              <a:rPr lang="en-US" smtClean="0"/>
+              <a:t>Fifth level</a:t>
+            </a:r>
             <a:endParaRPr lang="en-US"/>
           </a:p>
         </p:txBody>
@@ -2319,15 +2318,22 @@
         </p:nvSpPr>
         <p:spPr>
           <a:xfrm>
-            <a:off x="1792288" y="4800600"/>
-            <a:ext cx="5486400" cy="566738"/>
+            <a:off x="301752" y="5495278"/>
+            <a:ext cx="7772400" cy="594626"/>
           </a:xfrm>
         </p:spPr>
         <p:txBody>
           <a:bodyPr anchor="b"/>
           <a:lstStyle>
-            <a:lvl1pPr algn="l">
-              <a:defRPr sz="2000" b="1"/>
+            <a:lvl1pPr algn="ctr">
+              <a:defRPr sz="2200" b="1">
+                <a:ln>
+                  <a:noFill/>
+                </a:ln>
+                <a:solidFill>
+                  <a:schemeClr val="tx2"/>
+                </a:solidFill>
+              </a:defRPr>
             </a:lvl1pPr>
           </a:lstStyle>
           <a:p>
@@ -2335,7 +2341,7 @@
               <a:rPr lang="en-US" smtClean="0"/>
               <a:t>Click to edit Master title style</a:t>
             </a:r>
-            <a:endParaRPr lang="en-US"/>
+            <a:endParaRPr lang="en-US" dirty="0"/>
           </a:p>
         </p:txBody>
       </p:sp>
@@ -2351,8 +2357,8 @@
         </p:nvSpPr>
         <p:spPr>
           <a:xfrm>
-            <a:off x="1792288" y="612775"/>
-            <a:ext cx="5486400" cy="4114800"/>
+            <a:off x="0" y="0"/>
+            <a:ext cx="8458200" cy="5486400"/>
           </a:xfrm>
         </p:spPr>
         <p:txBody>
@@ -2396,7 +2402,11 @@
             </a:lvl9pPr>
           </a:lstStyle>
           <a:p>
-            <a:endParaRPr lang="en-US"/>
+            <a:r>
+              <a:rPr lang="en-US" smtClean="0"/>
+              <a:t>Click icon to add picture</a:t>
+            </a:r>
+            <a:endParaRPr lang="en-US" dirty="0"/>
           </a:p>
         </p:txBody>
       </p:sp>
@@ -2412,16 +2422,18 @@
         </p:nvSpPr>
         <p:spPr>
           <a:xfrm>
-            <a:off x="1792288" y="5367338"/>
-            <a:ext cx="5486400" cy="804862"/>
+            <a:off x="301752" y="6096000"/>
+            <a:ext cx="7772400" cy="612648"/>
           </a:xfrm>
         </p:spPr>
         <p:txBody>
-          <a:bodyPr/>
+          <a:bodyPr>
+            <a:normAutofit/>
+          </a:bodyPr>
           <a:lstStyle>
-            <a:lvl1pPr marL="0" indent="0">
-              <a:buNone/>
-              <a:defRPr sz="1400"/>
+            <a:lvl1pPr marL="0" indent="0" algn="ctr">
+              <a:buNone/>
+              <a:defRPr sz="1600"/>
             </a:lvl1pPr>
             <a:lvl2pPr marL="457200" indent="0">
               <a:buNone/>
@@ -2467,7 +2479,7 @@
       </p:sp>
       <p:sp>
         <p:nvSpPr>
-          <p:cNvPr id="5" name="Date Placeholder 4"/>
+          <p:cNvPr id="8" name="Date Placeholder 7"/>
           <p:cNvSpPr>
             <a:spLocks noGrp="1"/>
           </p:cNvSpPr>
@@ -2491,31 +2503,12 @@
       </p:sp>
       <p:sp>
         <p:nvSpPr>
-          <p:cNvPr id="6" name="Footer Placeholder 5"/>
-          <p:cNvSpPr>
-            <a:spLocks noGrp="1"/>
-          </p:cNvSpPr>
-          <p:nvPr>
-            <p:ph type="ftr" sz="quarter" idx="11"/>
-          </p:nvPr>
-        </p:nvSpPr>
-        <p:spPr/>
-        <p:txBody>
-          <a:bodyPr/>
-          <a:lstStyle/>
-          <a:p>
-            <a:endParaRPr lang="en-US"/>
-          </a:p>
-        </p:txBody>
-      </p:sp>
-      <p:sp>
-        <p:nvSpPr>
-          <p:cNvPr id="7" name="Slide Number Placeholder 6"/>
-          <p:cNvSpPr>
-            <a:spLocks noGrp="1"/>
-          </p:cNvSpPr>
-          <p:nvPr>
-            <p:ph type="sldNum" sz="quarter" idx="12"/>
+          <p:cNvPr id="9" name="Slide Number Placeholder 8"/>
+          <p:cNvSpPr>
+            <a:spLocks noGrp="1"/>
+          </p:cNvSpPr>
+          <p:nvPr>
+            <p:ph type="sldNum" sz="quarter" idx="11"/>
           </p:nvPr>
         </p:nvSpPr>
         <p:spPr/>
@@ -2528,6 +2521,25 @@
               <a:pPr/>
               <a:t>‹#›</a:t>
             </a:fld>
+            <a:endParaRPr lang="en-US"/>
+          </a:p>
+        </p:txBody>
+      </p:sp>
+      <p:sp>
+        <p:nvSpPr>
+          <p:cNvPr id="10" name="Footer Placeholder 9"/>
+          <p:cNvSpPr>
+            <a:spLocks noGrp="1"/>
+          </p:cNvSpPr>
+          <p:nvPr>
+            <p:ph type="ftr" sz="quarter" idx="12"/>
+          </p:nvPr>
+        </p:nvSpPr>
+        <p:spPr/>
+        <p:txBody>
+          <a:bodyPr/>
+          <a:lstStyle/>
+          <a:p>
             <a:endParaRPr lang="en-US"/>
           </a:p>
         </p:txBody>
@@ -2544,7 +2556,7 @@
 <p:sldMaster xmlns:a="http://schemas.openxmlformats.org/drawingml/2006/main" xmlns:r="http://schemas.openxmlformats.org/officeDocument/2006/relationships" xmlns:p="http://schemas.openxmlformats.org/presentationml/2006/main">
   <p:cSld>
     <p:bg>
-      <p:bgRef idx="1001">
+      <p:bgRef idx="1002">
         <a:schemeClr val="bg1"/>
       </p:bgRef>
     </p:bg>
@@ -2575,7 +2587,7 @@
         <p:spPr>
           <a:xfrm>
             <a:off x="457200" y="274638"/>
-            <a:ext cx="8229600" cy="1143000"/>
+            <a:ext cx="7620000" cy="1143000"/>
           </a:xfrm>
           <a:prstGeom prst="rect">
             <a:avLst/>
@@ -2583,7 +2595,7 @@
         </p:spPr>
         <p:txBody>
           <a:bodyPr vert="horz" lIns="91440" tIns="45720" rIns="91440" bIns="45720" rtlCol="0" anchor="ctr">
-            <a:normAutofit/>
+            <a:noAutofit/>
           </a:bodyPr>
           <a:lstStyle/>
           <a:p>
@@ -2591,7 +2603,7 @@
               <a:rPr lang="en-US" smtClean="0"/>
               <a:t>Click to edit Master title style</a:t>
             </a:r>
-            <a:endParaRPr lang="en-US"/>
+            <a:endParaRPr lang="en-US" dirty="0"/>
           </a:p>
         </p:txBody>
       </p:sp>
@@ -2608,7 +2620,7 @@
         <p:spPr>
           <a:xfrm>
             <a:off x="457200" y="1600200"/>
-            <a:ext cx="8229600" cy="4525963"/>
+            <a:ext cx="7620000" cy="4800600"/>
           </a:xfrm>
           <a:prstGeom prst="rect">
             <a:avLst/>
@@ -2653,24 +2665,163 @@
               <a:rPr lang="en-US" smtClean="0"/>
               <a:t>Fifth level</a:t>
             </a:r>
-            <a:endParaRPr lang="en-US"/>
-          </a:p>
-        </p:txBody>
-      </p:sp>
-      <p:sp>
-        <p:nvSpPr>
-          <p:cNvPr id="4" name="Date Placeholder 3"/>
-          <p:cNvSpPr>
-            <a:spLocks noGrp="1"/>
-          </p:cNvSpPr>
-          <p:nvPr>
-            <p:ph type="dt" sz="half" idx="2"/>
-          </p:nvPr>
+            <a:endParaRPr lang="en-US" dirty="0"/>
+          </a:p>
+        </p:txBody>
+      </p:sp>
+      <p:sp>
+        <p:nvSpPr>
+          <p:cNvPr id="7" name="Rectangle 6"/>
+          <p:cNvSpPr/>
+          <p:nvPr/>
         </p:nvSpPr>
         <p:spPr>
           <a:xfrm>
-            <a:off x="457200" y="6356350"/>
-            <a:ext cx="2133600" cy="365125"/>
+            <a:off x="8458200" y="0"/>
+            <a:ext cx="685800" cy="6858000"/>
+          </a:xfrm>
+          <a:prstGeom prst="rect">
+            <a:avLst/>
+          </a:prstGeom>
+          <a:solidFill>
+            <a:schemeClr val="tx2"/>
+          </a:solidFill>
+          <a:ln>
+            <a:noFill/>
+          </a:ln>
+        </p:spPr>
+        <p:style>
+          <a:lnRef idx="2">
+            <a:schemeClr val="accent1">
+              <a:shade val="50000"/>
+            </a:schemeClr>
+          </a:lnRef>
+          <a:fillRef idx="1">
+            <a:schemeClr val="accent1"/>
+          </a:fillRef>
+          <a:effectRef idx="0">
+            <a:schemeClr val="accent1"/>
+          </a:effectRef>
+          <a:fontRef idx="minor">
+            <a:schemeClr val="lt1"/>
+          </a:fontRef>
+        </p:style>
+        <p:txBody>
+          <a:bodyPr rtlCol="0" anchor="ctr"/>
+          <a:lstStyle/>
+          <a:p>
+            <a:pPr algn="ctr"/>
+            <a:endParaRPr lang="en-US"/>
+          </a:p>
+        </p:txBody>
+      </p:sp>
+      <p:sp>
+        <p:nvSpPr>
+          <p:cNvPr id="8" name="Rectangle 7"/>
+          <p:cNvSpPr/>
+          <p:nvPr/>
+        </p:nvSpPr>
+        <p:spPr>
+          <a:xfrm>
+            <a:off x="8458200" y="5486400"/>
+            <a:ext cx="685800" cy="685800"/>
+          </a:xfrm>
+          <a:prstGeom prst="rect">
+            <a:avLst/>
+          </a:prstGeom>
+          <a:solidFill>
+            <a:schemeClr val="accent1"/>
+          </a:solidFill>
+          <a:ln>
+            <a:noFill/>
+          </a:ln>
+        </p:spPr>
+        <p:style>
+          <a:lnRef idx="2">
+            <a:schemeClr val="accent1">
+              <a:shade val="50000"/>
+            </a:schemeClr>
+          </a:lnRef>
+          <a:fillRef idx="1">
+            <a:schemeClr val="accent1"/>
+          </a:fillRef>
+          <a:effectRef idx="0">
+            <a:schemeClr val="accent1"/>
+          </a:effectRef>
+          <a:fontRef idx="minor">
+            <a:schemeClr val="lt1"/>
+          </a:fontRef>
+        </p:style>
+        <p:txBody>
+          <a:bodyPr rtlCol="0" anchor="ctr"/>
+          <a:lstStyle/>
+          <a:p>
+            <a:pPr algn="ctr"/>
+            <a:endParaRPr lang="en-US"/>
+          </a:p>
+        </p:txBody>
+      </p:sp>
+      <p:sp>
+        <p:nvSpPr>
+          <p:cNvPr id="6" name="Slide Number Placeholder 5"/>
+          <p:cNvSpPr>
+            <a:spLocks noGrp="1"/>
+          </p:cNvSpPr>
+          <p:nvPr>
+            <p:ph type="sldNum" sz="quarter" idx="4"/>
+          </p:nvPr>
+        </p:nvSpPr>
+        <p:spPr>
+          <a:xfrm>
+            <a:off x="8531788" y="5648960"/>
+            <a:ext cx="548640" cy="396240"/>
+          </a:xfrm>
+          <a:prstGeom prst="bracketPair">
+            <a:avLst>
+              <a:gd name="adj" fmla="val 17949"/>
+            </a:avLst>
+          </a:prstGeom>
+          <a:ln w="19050">
+            <a:solidFill>
+              <a:srgbClr val="FFFFFF"/>
+            </a:solidFill>
+          </a:ln>
+        </p:spPr>
+        <p:txBody>
+          <a:bodyPr vert="horz" lIns="0" tIns="0" rIns="0" bIns="0" rtlCol="0" anchor="ctr"/>
+          <a:lstStyle>
+            <a:lvl1pPr algn="ctr">
+              <a:defRPr sz="1800">
+                <a:solidFill>
+                  <a:srgbClr val="FFFFFF"/>
+                </a:solidFill>
+              </a:defRPr>
+            </a:lvl1pPr>
+          </a:lstStyle>
+          <a:p>
+            <a:fld id="{B6F15528-21DE-4FAA-801E-634DDDAF4B2B}" type="slidenum">
+              <a:rPr lang="en-US" smtClean="0"/>
+              <a:pPr/>
+              <a:t>‹#›</a:t>
+            </a:fld>
+            <a:endParaRPr lang="en-US"/>
+          </a:p>
+        </p:txBody>
+      </p:sp>
+      <p:sp>
+        <p:nvSpPr>
+          <p:cNvPr id="5" name="Footer Placeholder 4"/>
+          <p:cNvSpPr>
+            <a:spLocks noGrp="1"/>
+          </p:cNvSpPr>
+          <p:nvPr>
+            <p:ph type="ftr" sz="quarter" idx="3"/>
+          </p:nvPr>
+        </p:nvSpPr>
+        <p:spPr>
+          <a:xfrm rot="16200000">
+            <a:off x="7586910" y="4048760"/>
+            <a:ext cx="2367281" cy="365760"/>
           </a:xfrm>
           <a:prstGeom prst="rect">
             <a:avLst/>
@@ -2679,40 +2830,33 @@
         <p:txBody>
           <a:bodyPr vert="horz" lIns="91440" tIns="45720" rIns="91440" bIns="45720" rtlCol="0" anchor="ctr"/>
           <a:lstStyle>
-            <a:lvl1pPr algn="l">
+            <a:lvl1pPr algn="r">
               <a:defRPr sz="1200">
                 <a:solidFill>
-                  <a:schemeClr val="tx1">
-                    <a:tint val="75000"/>
-                  </a:schemeClr>
+                  <a:schemeClr val="bg2"/>
                 </a:solidFill>
               </a:defRPr>
             </a:lvl1pPr>
           </a:lstStyle>
           <a:p>
-            <a:fld id="{1D8BD707-D9CF-40AE-B4C6-C98DA3205C09}" type="datetimeFigureOut">
-              <a:rPr lang="en-US" smtClean="0"/>
-              <a:pPr/>
-              <a:t>6/13/2018</a:t>
-            </a:fld>
-            <a:endParaRPr lang="en-US"/>
-          </a:p>
-        </p:txBody>
-      </p:sp>
-      <p:sp>
-        <p:nvSpPr>
-          <p:cNvPr id="5" name="Footer Placeholder 4"/>
-          <p:cNvSpPr>
-            <a:spLocks noGrp="1"/>
-          </p:cNvSpPr>
-          <p:nvPr>
-            <p:ph type="ftr" sz="quarter" idx="3"/>
+            <a:endParaRPr lang="en-US"/>
+          </a:p>
+        </p:txBody>
+      </p:sp>
+      <p:sp>
+        <p:nvSpPr>
+          <p:cNvPr id="4" name="Date Placeholder 3"/>
+          <p:cNvSpPr>
+            <a:spLocks noGrp="1"/>
+          </p:cNvSpPr>
+          <p:nvPr>
+            <p:ph type="dt" sz="half" idx="2"/>
           </p:nvPr>
         </p:nvSpPr>
         <p:spPr>
-          <a:xfrm>
-            <a:off x="3124200" y="6356350"/>
-            <a:ext cx="2895600" cy="365125"/>
+          <a:xfrm rot="16200000">
+            <a:off x="7551351" y="1645920"/>
+            <a:ext cx="2438399" cy="365760"/>
           </a:xfrm>
           <a:prstGeom prst="rect">
             <a:avLst/>
@@ -2721,58 +2865,19 @@
         <p:txBody>
           <a:bodyPr vert="horz" lIns="91440" tIns="45720" rIns="91440" bIns="45720" rtlCol="0" anchor="ctr"/>
           <a:lstStyle>
-            <a:lvl1pPr algn="ctr">
+            <a:lvl1pPr algn="l">
               <a:defRPr sz="1200">
                 <a:solidFill>
-                  <a:schemeClr val="tx1">
-                    <a:tint val="75000"/>
-                  </a:schemeClr>
+                  <a:schemeClr val="bg2"/>
                 </a:solidFill>
               </a:defRPr>
             </a:lvl1pPr>
           </a:lstStyle>
           <a:p>
-            <a:endParaRPr lang="en-US"/>
-          </a:p>
-        </p:txBody>
-      </p:sp>
-      <p:sp>
-        <p:nvSpPr>
-          <p:cNvPr id="6" name="Slide Number Placeholder 5"/>
-          <p:cNvSpPr>
-            <a:spLocks noGrp="1"/>
-          </p:cNvSpPr>
-          <p:nvPr>
-            <p:ph type="sldNum" sz="quarter" idx="4"/>
-          </p:nvPr>
-        </p:nvSpPr>
-        <p:spPr>
-          <a:xfrm>
-            <a:off x="6553200" y="6356350"/>
-            <a:ext cx="2133600" cy="365125"/>
-          </a:xfrm>
-          <a:prstGeom prst="rect">
-            <a:avLst/>
-          </a:prstGeom>
-        </p:spPr>
-        <p:txBody>
-          <a:bodyPr vert="horz" lIns="91440" tIns="45720" rIns="91440" bIns="45720" rtlCol="0" anchor="ctr"/>
-          <a:lstStyle>
-            <a:lvl1pPr algn="r">
-              <a:defRPr sz="1200">
-                <a:solidFill>
-                  <a:schemeClr val="tx1">
-                    <a:tint val="75000"/>
-                  </a:schemeClr>
-                </a:solidFill>
-              </a:defRPr>
-            </a:lvl1pPr>
-          </a:lstStyle>
-          <a:p>
-            <a:fld id="{B6F15528-21DE-4FAA-801E-634DDDAF4B2B}" type="slidenum">
+            <a:fld id="{1D8BD707-D9CF-40AE-B4C6-C98DA3205C09}" type="datetimeFigureOut">
               <a:rPr lang="en-US" smtClean="0"/>
               <a:pPr/>
-              <a:t>‹#›</a:t>
+              <a:t>6/13/2018</a:t>
             </a:fld>
             <a:endParaRPr lang="en-US"/>
           </a:p>
@@ -2782,29 +2887,33 @@
   </p:cSld>
   <p:clrMap bg1="lt1" tx1="dk1" bg2="lt2" tx2="dk2" accent1="accent1" accent2="accent2" accent3="accent3" accent4="accent4" accent5="accent5" accent6="accent6" hlink="hlink" folHlink="folHlink"/>
   <p:sldLayoutIdLst>
-    <p:sldLayoutId id="2147483649" r:id="rId1"/>
-    <p:sldLayoutId id="2147483650" r:id="rId2"/>
-    <p:sldLayoutId id="2147483651" r:id="rId3"/>
-    <p:sldLayoutId id="2147483652" r:id="rId4"/>
-    <p:sldLayoutId id="2147483653" r:id="rId5"/>
-    <p:sldLayoutId id="2147483654" r:id="rId6"/>
-    <p:sldLayoutId id="2147483655" r:id="rId7"/>
-    <p:sldLayoutId id="2147483656" r:id="rId8"/>
-    <p:sldLayoutId id="2147483657" r:id="rId9"/>
-    <p:sldLayoutId id="2147483658" r:id="rId10"/>
-    <p:sldLayoutId id="2147483659" r:id="rId11"/>
+    <p:sldLayoutId id="2147483685" r:id="rId1"/>
+    <p:sldLayoutId id="2147483686" r:id="rId2"/>
+    <p:sldLayoutId id="2147483687" r:id="rId3"/>
+    <p:sldLayoutId id="2147483688" r:id="rId4"/>
+    <p:sldLayoutId id="2147483689" r:id="rId5"/>
+    <p:sldLayoutId id="2147483690" r:id="rId6"/>
+    <p:sldLayoutId id="2147483691" r:id="rId7"/>
+    <p:sldLayoutId id="2147483692" r:id="rId8"/>
+    <p:sldLayoutId id="2147483693" r:id="rId9"/>
+    <p:sldLayoutId id="2147483694" r:id="rId10"/>
+    <p:sldLayoutId id="2147483695" r:id="rId11"/>
   </p:sldLayoutIdLst>
   <p:txStyles>
     <p:titleStyle>
-      <a:lvl1pPr algn="ctr" defTabSz="914400" rtl="0" eaLnBrk="1" latinLnBrk="0" hangingPunct="1">
+      <a:lvl1pPr algn="l" defTabSz="914400" rtl="0" eaLnBrk="1" latinLnBrk="0" hangingPunct="1">
         <a:spcBef>
           <a:spcPct val="0"/>
         </a:spcBef>
         <a:buNone/>
-        <a:defRPr sz="4400" kern="1200">
+        <a:defRPr sz="4600" kern="1200" cap="none" spc="-100" baseline="0">
+          <a:ln>
+            <a:noFill/>
+          </a:ln>
           <a:solidFill>
-            <a:schemeClr val="tx1"/>
+            <a:schemeClr val="tx2"/>
           </a:solidFill>
+          <a:effectLst/>
           <a:latin typeface="+mj-lt"/>
           <a:ea typeface="+mj-ea"/>
           <a:cs typeface="+mj-cs"/>
@@ -2812,13 +2921,16 @@
       </a:lvl1pPr>
     </p:titleStyle>
     <p:bodyStyle>
-      <a:lvl1pPr marL="342900" indent="-342900" algn="l" defTabSz="914400" rtl="0" eaLnBrk="1" latinLnBrk="0" hangingPunct="1">
+      <a:lvl1pPr marL="342900" indent="-228600" algn="l" defTabSz="914400" rtl="0" eaLnBrk="1" latinLnBrk="0" hangingPunct="1">
         <a:spcBef>
           <a:spcPct val="20000"/>
         </a:spcBef>
+        <a:buClr>
+          <a:schemeClr val="accent1"/>
+        </a:buClr>
         <a:buFont typeface="Arial" pitchFamily="34" charset="0"/>
         <a:buChar char="•"/>
-        <a:defRPr sz="3200" kern="1200">
+        <a:defRPr sz="2200" kern="1200">
           <a:solidFill>
             <a:schemeClr val="tx1"/>
           </a:solidFill>
@@ -2827,70 +2939,13 @@
           <a:cs typeface="+mn-cs"/>
         </a:defRPr>
       </a:lvl1pPr>
-      <a:lvl2pPr marL="742950" indent="-285750" algn="l" defTabSz="914400" rtl="0" eaLnBrk="1" latinLnBrk="0" hangingPunct="1">
+      <a:lvl2pPr marL="640080" indent="-228600" algn="l" defTabSz="914400" rtl="0" eaLnBrk="1" latinLnBrk="0" hangingPunct="1">
         <a:spcBef>
           <a:spcPct val="20000"/>
         </a:spcBef>
-        <a:buFont typeface="Arial" pitchFamily="34" charset="0"/>
-        <a:buChar char="–"/>
-        <a:defRPr sz="2800" kern="1200">
-          <a:solidFill>
-            <a:schemeClr val="tx1"/>
-          </a:solidFill>
-          <a:latin typeface="+mn-lt"/>
-          <a:ea typeface="+mn-ea"/>
-          <a:cs typeface="+mn-cs"/>
-        </a:defRPr>
-      </a:lvl2pPr>
-      <a:lvl3pPr marL="1143000" indent="-228600" algn="l" defTabSz="914400" rtl="0" eaLnBrk="1" latinLnBrk="0" hangingPunct="1">
-        <a:spcBef>
-          <a:spcPct val="20000"/>
-        </a:spcBef>
-        <a:buFont typeface="Arial" pitchFamily="34" charset="0"/>
-        <a:buChar char="•"/>
-        <a:defRPr sz="2400" kern="1200">
-          <a:solidFill>
-            <a:schemeClr val="tx1"/>
-          </a:solidFill>
-          <a:latin typeface="+mn-lt"/>
-          <a:ea typeface="+mn-ea"/>
-          <a:cs typeface="+mn-cs"/>
-        </a:defRPr>
-      </a:lvl3pPr>
-      <a:lvl4pPr marL="1600200" indent="-228600" algn="l" defTabSz="914400" rtl="0" eaLnBrk="1" latinLnBrk="0" hangingPunct="1">
-        <a:spcBef>
-          <a:spcPct val="20000"/>
-        </a:spcBef>
-        <a:buFont typeface="Arial" pitchFamily="34" charset="0"/>
-        <a:buChar char="–"/>
-        <a:defRPr sz="2000" kern="1200">
-          <a:solidFill>
-            <a:schemeClr val="tx1"/>
-          </a:solidFill>
-          <a:latin typeface="+mn-lt"/>
-          <a:ea typeface="+mn-ea"/>
-          <a:cs typeface="+mn-cs"/>
-        </a:defRPr>
-      </a:lvl4pPr>
-      <a:lvl5pPr marL="2057400" indent="-228600" algn="l" defTabSz="914400" rtl="0" eaLnBrk="1" latinLnBrk="0" hangingPunct="1">
-        <a:spcBef>
-          <a:spcPct val="20000"/>
-        </a:spcBef>
-        <a:buFont typeface="Arial" pitchFamily="34" charset="0"/>
-        <a:buChar char="»"/>
-        <a:defRPr sz="2000" kern="1200">
-          <a:solidFill>
-            <a:schemeClr val="tx1"/>
-          </a:solidFill>
-          <a:latin typeface="+mn-lt"/>
-          <a:ea typeface="+mn-ea"/>
-          <a:cs typeface="+mn-cs"/>
-        </a:defRPr>
-      </a:lvl5pPr>
-      <a:lvl6pPr marL="2514600" indent="-228600" algn="l" defTabSz="914400" rtl="0" eaLnBrk="1" latinLnBrk="0" hangingPunct="1">
-        <a:spcBef>
-          <a:spcPct val="20000"/>
-        </a:spcBef>
+        <a:buClr>
+          <a:schemeClr val="accent2"/>
+        </a:buClr>
         <a:buFont typeface="Arial" pitchFamily="34" charset="0"/>
         <a:buChar char="•"/>
         <a:defRPr sz="2000" kern="1200">
@@ -2901,14 +2956,89 @@
           <a:ea typeface="+mn-ea"/>
           <a:cs typeface="+mn-cs"/>
         </a:defRPr>
-      </a:lvl6pPr>
-      <a:lvl7pPr marL="2971800" indent="-228600" algn="l" defTabSz="914400" rtl="0" eaLnBrk="1" latinLnBrk="0" hangingPunct="1">
+      </a:lvl2pPr>
+      <a:lvl3pPr marL="1005840" indent="-228600" algn="l" defTabSz="914400" rtl="0" eaLnBrk="1" latinLnBrk="0" hangingPunct="1">
         <a:spcBef>
           <a:spcPct val="20000"/>
         </a:spcBef>
+        <a:buClr>
+          <a:schemeClr val="accent3"/>
+        </a:buClr>
         <a:buFont typeface="Arial" pitchFamily="34" charset="0"/>
         <a:buChar char="•"/>
-        <a:defRPr sz="2000" kern="1200">
+        <a:defRPr sz="1800" kern="1200">
+          <a:solidFill>
+            <a:schemeClr val="tx1"/>
+          </a:solidFill>
+          <a:latin typeface="+mn-lt"/>
+          <a:ea typeface="+mn-ea"/>
+          <a:cs typeface="+mn-cs"/>
+        </a:defRPr>
+      </a:lvl3pPr>
+      <a:lvl4pPr marL="1280160" indent="-228600" algn="l" defTabSz="914400" rtl="0" eaLnBrk="1" latinLnBrk="0" hangingPunct="1">
+        <a:spcBef>
+          <a:spcPct val="20000"/>
+        </a:spcBef>
+        <a:buClr>
+          <a:schemeClr val="accent4"/>
+        </a:buClr>
+        <a:buFont typeface="Arial" pitchFamily="34" charset="0"/>
+        <a:buChar char="•"/>
+        <a:defRPr sz="1600" kern="1200">
+          <a:solidFill>
+            <a:schemeClr val="tx1"/>
+          </a:solidFill>
+          <a:latin typeface="+mn-lt"/>
+          <a:ea typeface="+mn-ea"/>
+          <a:cs typeface="+mn-cs"/>
+        </a:defRPr>
+      </a:lvl4pPr>
+      <a:lvl5pPr marL="1554480" indent="-228600" algn="l" defTabSz="914400" rtl="0" eaLnBrk="1" latinLnBrk="0" hangingPunct="1">
+        <a:spcBef>
+          <a:spcPct val="20000"/>
+        </a:spcBef>
+        <a:buClr>
+          <a:schemeClr val="accent5"/>
+        </a:buClr>
+        <a:buFont typeface="Arial" pitchFamily="34" charset="0"/>
+        <a:buChar char="•"/>
+        <a:defRPr sz="1400" kern="1200" baseline="0">
+          <a:solidFill>
+            <a:schemeClr val="tx1"/>
+          </a:solidFill>
+          <a:latin typeface="+mn-lt"/>
+          <a:ea typeface="+mn-ea"/>
+          <a:cs typeface="+mn-cs"/>
+        </a:defRPr>
+      </a:lvl5pPr>
+      <a:lvl6pPr marL="1737360" indent="-182880" algn="l" defTabSz="914400" rtl="0" eaLnBrk="1" latinLnBrk="0" hangingPunct="1">
+        <a:spcBef>
+          <a:spcPct val="20000"/>
+        </a:spcBef>
+        <a:buClr>
+          <a:schemeClr val="accent1"/>
+        </a:buClr>
+        <a:buFont typeface="Arial" pitchFamily="34" charset="0"/>
+        <a:buChar char="•"/>
+        <a:defRPr sz="1400" kern="1200" baseline="0">
+          <a:solidFill>
+            <a:schemeClr val="tx1"/>
+          </a:solidFill>
+          <a:latin typeface="+mn-lt"/>
+          <a:ea typeface="+mn-ea"/>
+          <a:cs typeface="+mn-cs"/>
+        </a:defRPr>
+      </a:lvl6pPr>
+      <a:lvl7pPr marL="1920240" indent="-182880" algn="l" defTabSz="914400" rtl="0" eaLnBrk="1" latinLnBrk="0" hangingPunct="1">
+        <a:spcBef>
+          <a:spcPct val="20000"/>
+        </a:spcBef>
+        <a:buClr>
+          <a:schemeClr val="accent2"/>
+        </a:buClr>
+        <a:buFont typeface="Arial" pitchFamily="34" charset="0"/>
+        <a:buChar char="•"/>
+        <a:defRPr sz="1400" kern="1200">
           <a:solidFill>
             <a:schemeClr val="tx1"/>
           </a:solidFill>
@@ -2917,13 +3047,16 @@
           <a:cs typeface="+mn-cs"/>
         </a:defRPr>
       </a:lvl7pPr>
-      <a:lvl8pPr marL="3429000" indent="-228600" algn="l" defTabSz="914400" rtl="0" eaLnBrk="1" latinLnBrk="0" hangingPunct="1">
+      <a:lvl8pPr marL="2103120" indent="-182880" algn="l" defTabSz="914400" rtl="0" eaLnBrk="1" latinLnBrk="0" hangingPunct="1">
         <a:spcBef>
           <a:spcPct val="20000"/>
         </a:spcBef>
+        <a:buClr>
+          <a:schemeClr val="accent3"/>
+        </a:buClr>
         <a:buFont typeface="Arial" pitchFamily="34" charset="0"/>
         <a:buChar char="•"/>
-        <a:defRPr sz="2000" kern="1200">
+        <a:defRPr sz="1400" kern="1200">
           <a:solidFill>
             <a:schemeClr val="tx1"/>
           </a:solidFill>
@@ -2932,13 +3065,16 @@
           <a:cs typeface="+mn-cs"/>
         </a:defRPr>
       </a:lvl8pPr>
-      <a:lvl9pPr marL="3886200" indent="-228600" algn="l" defTabSz="914400" rtl="0" eaLnBrk="1" latinLnBrk="0" hangingPunct="1">
+      <a:lvl9pPr marL="2286000" indent="-182880" algn="l" defTabSz="914400" rtl="0" eaLnBrk="1" latinLnBrk="0" hangingPunct="1">
         <a:spcBef>
           <a:spcPct val="20000"/>
         </a:spcBef>
+        <a:buClr>
+          <a:schemeClr val="accent4"/>
+        </a:buClr>
         <a:buFont typeface="Arial" pitchFamily="34" charset="0"/>
         <a:buChar char="•"/>
-        <a:defRPr sz="2000" kern="1200">
+        <a:defRPr sz="1400" kern="1200">
           <a:solidFill>
             <a:schemeClr val="tx1"/>
           </a:solidFill>
@@ -3396,7 +3532,7 @@
         <p:spPr/>
         <p:txBody>
           <a:bodyPr>
-            <a:normAutofit lnSpcReduction="10000"/>
+            <a:normAutofit/>
           </a:bodyPr>
           <a:lstStyle/>
           <a:p>
@@ -3604,15 +3740,22 @@
           <a:p>
             <a:r>
               <a:rPr lang="en-US" dirty="0" smtClean="0"/>
-              <a:t>Cost by fuel and CO2 by fuel are not currently implemented, but could be in </a:t>
-            </a:r>
-            <a:r>
-              <a:rPr lang="en-US" smtClean="0"/>
-              <a:t>the future</a:t>
-            </a:r>
-          </a:p>
-          <a:p>
-            <a:endParaRPr lang="en-US"/>
+              <a:t>Cost by fuel and CO2 by fuel are not currently implemented, but could be in the </a:t>
+            </a:r>
+            <a:r>
+              <a:rPr lang="en-US" dirty="0" smtClean="0"/>
+              <a:t>future</a:t>
+            </a:r>
+          </a:p>
+          <a:p>
+            <a:r>
+              <a:rPr lang="en-US" dirty="0" smtClean="0"/>
+              <a:t>Google Sheets</a:t>
+            </a:r>
+            <a:endParaRPr lang="en-US" dirty="0" smtClean="0"/>
+          </a:p>
+          <a:p>
+            <a:endParaRPr lang="en-US" dirty="0"/>
           </a:p>
         </p:txBody>
       </p:sp>
@@ -3630,52 +3773,52 @@
 </file>
 
 <file path=ppt/theme/theme1.xml><?xml version="1.0" encoding="utf-8"?>
-<a:theme xmlns:a="http://schemas.openxmlformats.org/drawingml/2006/main" name="Office Theme">
+<a:theme xmlns:a="http://schemas.openxmlformats.org/drawingml/2006/main" name="Adjacency">
   <a:themeElements>
-    <a:clrScheme name="Office">
+    <a:clrScheme name="Adjacency">
       <a:dk1>
-        <a:sysClr val="windowText" lastClr="000000"/>
+        <a:srgbClr val="2F2B20"/>
       </a:dk1>
       <a:lt1>
-        <a:sysClr val="window" lastClr="FFFFFF"/>
+        <a:srgbClr val="FFFFFF"/>
       </a:lt1>
       <a:dk2>
-        <a:srgbClr val="1F497D"/>
+        <a:srgbClr val="675E47"/>
       </a:dk2>
       <a:lt2>
-        <a:srgbClr val="EEECE1"/>
+        <a:srgbClr val="DFDCB7"/>
       </a:lt2>
       <a:accent1>
-        <a:srgbClr val="4F81BD"/>
+        <a:srgbClr val="A9A57C"/>
       </a:accent1>
       <a:accent2>
-        <a:srgbClr val="C0504D"/>
+        <a:srgbClr val="9CBEBD"/>
       </a:accent2>
       <a:accent3>
-        <a:srgbClr val="9BBB59"/>
+        <a:srgbClr val="D2CB6C"/>
       </a:accent3>
       <a:accent4>
-        <a:srgbClr val="8064A2"/>
+        <a:srgbClr val="95A39D"/>
       </a:accent4>
       <a:accent5>
-        <a:srgbClr val="4BACC6"/>
+        <a:srgbClr val="C89F5D"/>
       </a:accent5>
       <a:accent6>
-        <a:srgbClr val="F79646"/>
+        <a:srgbClr val="B1A089"/>
       </a:accent6>
       <a:hlink>
-        <a:srgbClr val="0000FF"/>
+        <a:srgbClr val="D25814"/>
       </a:hlink>
       <a:folHlink>
-        <a:srgbClr val="800080"/>
+        <a:srgbClr val="849A0A"/>
       </a:folHlink>
     </a:clrScheme>
     <a:fontScheme name="Office">
       <a:majorFont>
-        <a:latin typeface="Calibri"/>
+        <a:latin typeface="Cambria"/>
         <a:ea typeface=""/>
         <a:cs typeface=""/>
-        <a:font script="Jpan" typeface="ＭＳ Ｐゴシック"/>
+        <a:font script="Jpan" typeface="ＭＳ ゴシック"/>
         <a:font script="Hang" typeface="맑은 고딕"/>
         <a:font script="Hans" typeface="宋体"/>
         <a:font script="Hant" typeface="新細明體"/>
@@ -3704,12 +3847,13 @@
         <a:font script="Mong" typeface="Mongolian Baiti"/>
         <a:font script="Viet" typeface="Times New Roman"/>
         <a:font script="Uigh" typeface="Microsoft Uighur"/>
+        <a:font script="Geor" typeface="Sylfaen"/>
       </a:majorFont>
       <a:minorFont>
         <a:latin typeface="Calibri"/>
         <a:ea typeface=""/>
         <a:cs typeface=""/>
-        <a:font script="Jpan" typeface="ＭＳ Ｐゴシック"/>
+        <a:font script="Jpan" typeface="ＭＳ 明朝"/>
         <a:font script="Hang" typeface="맑은 고딕"/>
         <a:font script="Hans" typeface="宋体"/>
         <a:font script="Hant" typeface="新細明體"/>
@@ -3738,62 +3882,25 @@
         <a:font script="Mong" typeface="Mongolian Baiti"/>
         <a:font script="Viet" typeface="Arial"/>
         <a:font script="Uigh" typeface="Microsoft Uighur"/>
+        <a:font script="Geor" typeface="Sylfaen"/>
       </a:minorFont>
     </a:fontScheme>
-    <a:fmtScheme name="Office">
+    <a:fmtScheme name="Adjacency">
       <a:fillStyleLst>
         <a:solidFill>
           <a:schemeClr val="phClr"/>
         </a:solidFill>
-        <a:gradFill rotWithShape="1">
-          <a:gsLst>
-            <a:gs pos="0">
-              <a:schemeClr val="phClr">
-                <a:tint val="50000"/>
-                <a:satMod val="300000"/>
-              </a:schemeClr>
-            </a:gs>
-            <a:gs pos="35000">
-              <a:schemeClr val="phClr">
-                <a:tint val="37000"/>
-                <a:satMod val="300000"/>
-              </a:schemeClr>
-            </a:gs>
-            <a:gs pos="100000">
-              <a:schemeClr val="phClr">
-                <a:tint val="15000"/>
-                <a:satMod val="350000"/>
-              </a:schemeClr>
-            </a:gs>
-          </a:gsLst>
-          <a:lin ang="16200000" scaled="1"/>
-        </a:gradFill>
-        <a:gradFill rotWithShape="1">
-          <a:gsLst>
-            <a:gs pos="0">
-              <a:schemeClr val="phClr">
-                <a:shade val="51000"/>
-                <a:satMod val="130000"/>
-              </a:schemeClr>
-            </a:gs>
-            <a:gs pos="80000">
-              <a:schemeClr val="phClr">
-                <a:shade val="93000"/>
-                <a:satMod val="130000"/>
-              </a:schemeClr>
-            </a:gs>
-            <a:gs pos="100000">
-              <a:schemeClr val="phClr">
-                <a:shade val="94000"/>
-                <a:satMod val="135000"/>
-              </a:schemeClr>
-            </a:gs>
-          </a:gsLst>
-          <a:lin ang="16200000" scaled="0"/>
-        </a:gradFill>
+        <a:solidFill>
+          <a:schemeClr val="phClr">
+            <a:tint val="55000"/>
+          </a:schemeClr>
+        </a:solidFill>
+        <a:solidFill>
+          <a:schemeClr val="phClr"/>
+        </a:solidFill>
       </a:fillStyleLst>
       <a:lnStyleLst>
-        <a:ln w="9525" cap="flat" cmpd="sng" algn="ctr">
+        <a:ln w="12700" cap="flat" cmpd="sng" algn="ctr">
           <a:solidFill>
             <a:schemeClr val="phClr">
               <a:shade val="95000"/>
@@ -3817,41 +3924,35 @@
       </a:lnStyleLst>
       <a:effectStyleLst>
         <a:effectStyle>
+          <a:effectLst/>
+        </a:effectStyle>
+        <a:effectStyle>
           <a:effectLst>
-            <a:outerShdw blurRad="40000" dist="20000" dir="5400000" rotWithShape="0">
+            <a:outerShdw blurRad="50800" dist="25400" algn="bl" rotWithShape="0">
               <a:srgbClr val="000000">
-                <a:alpha val="38000"/>
+                <a:alpha val="60000"/>
               </a:srgbClr>
             </a:outerShdw>
           </a:effectLst>
         </a:effectStyle>
         <a:effectStyle>
-          <a:effectLst>
-            <a:outerShdw blurRad="40000" dist="23000" dir="5400000" rotWithShape="0">
-              <a:srgbClr val="000000">
-                <a:alpha val="35000"/>
-              </a:srgbClr>
-            </a:outerShdw>
-          </a:effectLst>
-        </a:effectStyle>
-        <a:effectStyle>
-          <a:effectLst>
-            <a:outerShdw blurRad="40000" dist="23000" dir="5400000" rotWithShape="0">
-              <a:srgbClr val="000000">
-                <a:alpha val="35000"/>
-              </a:srgbClr>
-            </a:outerShdw>
-          </a:effectLst>
+          <a:effectLst/>
           <a:scene3d>
             <a:camera prst="orthographicFront">
               <a:rot lat="0" lon="0" rev="0"/>
             </a:camera>
-            <a:lightRig rig="threePt" dir="t">
-              <a:rot lat="0" lon="0" rev="1200000"/>
+            <a:lightRig rig="brightRoom" dir="tl">
+              <a:rot lat="0" lon="0" rev="1800000"/>
             </a:lightRig>
           </a:scene3d>
-          <a:sp3d>
-            <a:bevelT w="63500" h="25400"/>
+          <a:sp3d contourW="10160" prstMaterial="dkEdge">
+            <a:bevelT w="38100" h="50800" prst="angle"/>
+            <a:contourClr>
+              <a:schemeClr val="phClr">
+                <a:shade val="40000"/>
+                <a:satMod val="150000"/>
+              </a:schemeClr>
+            </a:contourClr>
           </a:sp3d>
         </a:effectStyle>
       </a:effectStyleLst>
@@ -3863,47 +3964,39 @@
           <a:gsLst>
             <a:gs pos="0">
               <a:schemeClr val="phClr">
-                <a:tint val="40000"/>
-                <a:satMod val="350000"/>
+                <a:tint val="90000"/>
               </a:schemeClr>
             </a:gs>
-            <a:gs pos="40000">
+            <a:gs pos="75000">
               <a:schemeClr val="phClr">
-                <a:tint val="45000"/>
-                <a:shade val="99000"/>
-                <a:satMod val="350000"/>
+                <a:shade val="100000"/>
+                <a:satMod val="115000"/>
               </a:schemeClr>
             </a:gs>
             <a:gs pos="100000">
               <a:schemeClr val="phClr">
-                <a:shade val="20000"/>
-                <a:satMod val="255000"/>
+                <a:shade val="70000"/>
+                <a:satMod val="130000"/>
               </a:schemeClr>
             </a:gs>
           </a:gsLst>
           <a:path path="circle">
-            <a:fillToRect l="50000" t="-80000" r="50000" b="180000"/>
+            <a:fillToRect l="20000" t="50000" r="100000" b="50000"/>
           </a:path>
         </a:gradFill>
-        <a:gradFill rotWithShape="1">
-          <a:gsLst>
-            <a:gs pos="0">
+        <a:blipFill rotWithShape="1">
+          <a:blip xmlns:r="http://schemas.openxmlformats.org/officeDocument/2006/relationships" r:embed="rId1">
+            <a:duotone>
               <a:schemeClr val="phClr">
-                <a:tint val="80000"/>
-                <a:satMod val="300000"/>
+                <a:tint val="97000"/>
               </a:schemeClr>
-            </a:gs>
-            <a:gs pos="100000">
               <a:schemeClr val="phClr">
-                <a:shade val="30000"/>
-                <a:satMod val="200000"/>
+                <a:shade val="96000"/>
               </a:schemeClr>
-            </a:gs>
-          </a:gsLst>
-          <a:path path="circle">
-            <a:fillToRect l="50000" t="50000" r="50000" b="50000"/>
-          </a:path>
-        </a:gradFill>
+            </a:duotone>
+          </a:blip>
+          <a:tile tx="0" ty="0" sx="32000" sy="32000" flip="none" algn="tl"/>
+        </a:blipFill>
       </a:bgFillStyleLst>
     </a:fmtScheme>
   </a:themeElements>

--- a/fscmodel presentation 130618.pptx
+++ b/fscmodel presentation 130618.pptx
@@ -110,6 +110,3108 @@
     </a:lvl9pPr>
   </p:defaultTextStyle>
 </p:presentation>
+</file>
+
+<file path=ppt/diagrams/colors1.xml><?xml version="1.0" encoding="utf-8"?>
+<dgm:colorsDef xmlns:dgm="http://schemas.openxmlformats.org/drawingml/2006/diagram" xmlns:a="http://schemas.openxmlformats.org/drawingml/2006/main" uniqueId="urn:microsoft.com/office/officeart/2005/8/colors/colorful2">
+  <dgm:title val=""/>
+  <dgm:desc val=""/>
+  <dgm:catLst>
+    <dgm:cat type="colorful" pri="10200"/>
+  </dgm:catLst>
+  <dgm:styleLbl name="node0">
+    <dgm:fillClrLst meth="repeat">
+      <a:schemeClr val="accent1"/>
+    </dgm:fillClrLst>
+    <dgm:linClrLst meth="repeat">
+      <a:schemeClr val="lt1"/>
+    </dgm:linClrLst>
+    <dgm:effectClrLst/>
+    <dgm:txLinClrLst/>
+    <dgm:txFillClrLst/>
+    <dgm:txEffectClrLst/>
+  </dgm:styleLbl>
+  <dgm:styleLbl name="node1">
+    <dgm:fillClrLst>
+      <a:schemeClr val="accent2"/>
+      <a:schemeClr val="accent3"/>
+    </dgm:fillClrLst>
+    <dgm:linClrLst meth="repeat">
+      <a:schemeClr val="lt1"/>
+    </dgm:linClrLst>
+    <dgm:effectClrLst/>
+    <dgm:txLinClrLst/>
+    <dgm:txFillClrLst/>
+    <dgm:txEffectClrLst/>
+  </dgm:styleLbl>
+  <dgm:styleLbl name="alignNode1">
+    <dgm:fillClrLst>
+      <a:schemeClr val="accent2"/>
+      <a:schemeClr val="accent3"/>
+    </dgm:fillClrLst>
+    <dgm:linClrLst>
+      <a:schemeClr val="accent2"/>
+      <a:schemeClr val="accent3"/>
+    </dgm:linClrLst>
+    <dgm:effectClrLst/>
+    <dgm:txLinClrLst/>
+    <dgm:txFillClrLst/>
+    <dgm:txEffectClrLst/>
+  </dgm:styleLbl>
+  <dgm:styleLbl name="lnNode1">
+    <dgm:fillClrLst>
+      <a:schemeClr val="accent2"/>
+      <a:schemeClr val="accent3"/>
+    </dgm:fillClrLst>
+    <dgm:linClrLst meth="repeat">
+      <a:schemeClr val="lt1"/>
+    </dgm:linClrLst>
+    <dgm:effectClrLst/>
+    <dgm:txLinClrLst/>
+    <dgm:txFillClrLst/>
+    <dgm:txEffectClrLst/>
+  </dgm:styleLbl>
+  <dgm:styleLbl name="vennNode1">
+    <dgm:fillClrLst>
+      <a:schemeClr val="accent2">
+        <a:alpha val="50000"/>
+      </a:schemeClr>
+      <a:schemeClr val="accent3">
+        <a:alpha val="50000"/>
+      </a:schemeClr>
+    </dgm:fillClrLst>
+    <dgm:linClrLst meth="repeat">
+      <a:schemeClr val="lt1"/>
+    </dgm:linClrLst>
+    <dgm:effectClrLst/>
+    <dgm:txLinClrLst/>
+    <dgm:txFillClrLst/>
+    <dgm:txEffectClrLst/>
+  </dgm:styleLbl>
+  <dgm:styleLbl name="node2">
+    <dgm:fillClrLst>
+      <a:schemeClr val="accent3"/>
+    </dgm:fillClrLst>
+    <dgm:linClrLst meth="repeat">
+      <a:schemeClr val="lt1"/>
+    </dgm:linClrLst>
+    <dgm:effectClrLst/>
+    <dgm:txLinClrLst/>
+    <dgm:txFillClrLst/>
+    <dgm:txEffectClrLst/>
+  </dgm:styleLbl>
+  <dgm:styleLbl name="node3">
+    <dgm:fillClrLst>
+      <a:schemeClr val="accent4"/>
+    </dgm:fillClrLst>
+    <dgm:linClrLst meth="repeat">
+      <a:schemeClr val="lt1"/>
+    </dgm:linClrLst>
+    <dgm:effectClrLst/>
+    <dgm:txLinClrLst/>
+    <dgm:txFillClrLst/>
+    <dgm:txEffectClrLst/>
+  </dgm:styleLbl>
+  <dgm:styleLbl name="node4">
+    <dgm:fillClrLst>
+      <a:schemeClr val="accent5"/>
+    </dgm:fillClrLst>
+    <dgm:linClrLst meth="repeat">
+      <a:schemeClr val="lt1"/>
+    </dgm:linClrLst>
+    <dgm:effectClrLst/>
+    <dgm:txLinClrLst/>
+    <dgm:txFillClrLst/>
+    <dgm:txEffectClrLst/>
+  </dgm:styleLbl>
+  <dgm:styleLbl name="fgImgPlace1">
+    <dgm:fillClrLst>
+      <a:schemeClr val="accent2">
+        <a:tint val="50000"/>
+      </a:schemeClr>
+      <a:schemeClr val="accent3">
+        <a:tint val="50000"/>
+      </a:schemeClr>
+    </dgm:fillClrLst>
+    <dgm:linClrLst meth="repeat">
+      <a:schemeClr val="lt1"/>
+    </dgm:linClrLst>
+    <dgm:effectClrLst/>
+    <dgm:txLinClrLst/>
+    <dgm:txFillClrLst meth="repeat">
+      <a:schemeClr val="lt1"/>
+    </dgm:txFillClrLst>
+    <dgm:txEffectClrLst/>
+  </dgm:styleLbl>
+  <dgm:styleLbl name="alignImgPlace1">
+    <dgm:fillClrLst>
+      <a:schemeClr val="accent2">
+        <a:tint val="50000"/>
+      </a:schemeClr>
+      <a:schemeClr val="accent3">
+        <a:tint val="20000"/>
+      </a:schemeClr>
+    </dgm:fillClrLst>
+    <dgm:linClrLst meth="repeat">
+      <a:schemeClr val="lt1"/>
+    </dgm:linClrLst>
+    <dgm:effectClrLst/>
+    <dgm:txLinClrLst/>
+    <dgm:txFillClrLst meth="repeat">
+      <a:schemeClr val="lt1"/>
+    </dgm:txFillClrLst>
+    <dgm:txEffectClrLst/>
+  </dgm:styleLbl>
+  <dgm:styleLbl name="bgImgPlace1">
+    <dgm:fillClrLst>
+      <a:schemeClr val="accent2">
+        <a:tint val="50000"/>
+      </a:schemeClr>
+      <a:schemeClr val="accent3">
+        <a:tint val="20000"/>
+      </a:schemeClr>
+    </dgm:fillClrLst>
+    <dgm:linClrLst meth="repeat">
+      <a:schemeClr val="lt1"/>
+    </dgm:linClrLst>
+    <dgm:effectClrLst/>
+    <dgm:txLinClrLst/>
+    <dgm:txFillClrLst meth="repeat">
+      <a:schemeClr val="lt1"/>
+    </dgm:txFillClrLst>
+    <dgm:txEffectClrLst/>
+  </dgm:styleLbl>
+  <dgm:styleLbl name="sibTrans2D1">
+    <dgm:fillClrLst>
+      <a:schemeClr val="accent2"/>
+      <a:schemeClr val="accent3"/>
+    </dgm:fillClrLst>
+    <dgm:linClrLst meth="repeat">
+      <a:schemeClr val="lt1"/>
+    </dgm:linClrLst>
+    <dgm:effectClrLst/>
+    <dgm:txLinClrLst/>
+    <dgm:txFillClrLst/>
+    <dgm:txEffectClrLst/>
+  </dgm:styleLbl>
+  <dgm:styleLbl name="fgSibTrans2D1">
+    <dgm:fillClrLst>
+      <a:schemeClr val="accent2"/>
+      <a:schemeClr val="accent3"/>
+    </dgm:fillClrLst>
+    <dgm:linClrLst meth="repeat">
+      <a:schemeClr val="lt1"/>
+    </dgm:linClrLst>
+    <dgm:effectClrLst/>
+    <dgm:txLinClrLst/>
+    <dgm:txFillClrLst meth="repeat">
+      <a:schemeClr val="lt1"/>
+    </dgm:txFillClrLst>
+    <dgm:txEffectClrLst/>
+  </dgm:styleLbl>
+  <dgm:styleLbl name="bgSibTrans2D1">
+    <dgm:fillClrLst>
+      <a:schemeClr val="accent2"/>
+      <a:schemeClr val="accent3"/>
+    </dgm:fillClrLst>
+    <dgm:linClrLst meth="repeat">
+      <a:schemeClr val="lt1"/>
+    </dgm:linClrLst>
+    <dgm:effectClrLst/>
+    <dgm:txLinClrLst/>
+    <dgm:txFillClrLst meth="repeat">
+      <a:schemeClr val="lt1"/>
+    </dgm:txFillClrLst>
+    <dgm:txEffectClrLst/>
+  </dgm:styleLbl>
+  <dgm:styleLbl name="sibTrans1D1">
+    <dgm:fillClrLst/>
+    <dgm:linClrLst>
+      <a:schemeClr val="accent2"/>
+      <a:schemeClr val="accent3"/>
+    </dgm:linClrLst>
+    <dgm:effectClrLst/>
+    <dgm:txLinClrLst/>
+    <dgm:txFillClrLst meth="repeat">
+      <a:schemeClr val="tx1"/>
+    </dgm:txFillClrLst>
+    <dgm:txEffectClrLst/>
+  </dgm:styleLbl>
+  <dgm:styleLbl name="callout">
+    <dgm:fillClrLst meth="repeat">
+      <a:schemeClr val="accent2"/>
+    </dgm:fillClrLst>
+    <dgm:linClrLst meth="repeat">
+      <a:schemeClr val="accent2">
+        <a:tint val="50000"/>
+      </a:schemeClr>
+    </dgm:linClrLst>
+    <dgm:effectClrLst/>
+    <dgm:txLinClrLst/>
+    <dgm:txFillClrLst meth="repeat">
+      <a:schemeClr val="tx1"/>
+    </dgm:txFillClrLst>
+    <dgm:txEffectClrLst/>
+  </dgm:styleLbl>
+  <dgm:styleLbl name="asst0">
+    <dgm:fillClrLst meth="repeat">
+      <a:schemeClr val="accent2"/>
+    </dgm:fillClrLst>
+    <dgm:linClrLst meth="repeat">
+      <a:schemeClr val="lt1">
+        <a:shade val="80000"/>
+      </a:schemeClr>
+    </dgm:linClrLst>
+    <dgm:effectClrLst/>
+    <dgm:txLinClrLst/>
+    <dgm:txFillClrLst/>
+    <dgm:txEffectClrLst/>
+  </dgm:styleLbl>
+  <dgm:styleLbl name="asst1">
+    <dgm:fillClrLst meth="repeat">
+      <a:schemeClr val="accent3"/>
+    </dgm:fillClrLst>
+    <dgm:linClrLst meth="repeat">
+      <a:schemeClr val="lt1">
+        <a:shade val="80000"/>
+      </a:schemeClr>
+    </dgm:linClrLst>
+    <dgm:effectClrLst/>
+    <dgm:txLinClrLst/>
+    <dgm:txFillClrLst/>
+    <dgm:txEffectClrLst/>
+  </dgm:styleLbl>
+  <dgm:styleLbl name="asst2">
+    <dgm:fillClrLst>
+      <a:schemeClr val="accent4"/>
+    </dgm:fillClrLst>
+    <dgm:linClrLst meth="repeat">
+      <a:schemeClr val="lt1"/>
+    </dgm:linClrLst>
+    <dgm:effectClrLst/>
+    <dgm:txLinClrLst/>
+    <dgm:txFillClrLst/>
+    <dgm:txEffectClrLst/>
+  </dgm:styleLbl>
+  <dgm:styleLbl name="asst3">
+    <dgm:fillClrLst>
+      <a:schemeClr val="accent5"/>
+    </dgm:fillClrLst>
+    <dgm:linClrLst meth="repeat">
+      <a:schemeClr val="lt1"/>
+    </dgm:linClrLst>
+    <dgm:effectClrLst/>
+    <dgm:txLinClrLst/>
+    <dgm:txFillClrLst/>
+    <dgm:txEffectClrLst/>
+  </dgm:styleLbl>
+  <dgm:styleLbl name="asst4">
+    <dgm:fillClrLst>
+      <a:schemeClr val="accent6"/>
+    </dgm:fillClrLst>
+    <dgm:linClrLst meth="repeat">
+      <a:schemeClr val="lt1"/>
+    </dgm:linClrLst>
+    <dgm:effectClrLst/>
+    <dgm:txLinClrLst/>
+    <dgm:txFillClrLst/>
+    <dgm:txEffectClrLst/>
+  </dgm:styleLbl>
+  <dgm:styleLbl name="parChTrans2D1">
+    <dgm:fillClrLst meth="repeat">
+      <a:schemeClr val="accent2"/>
+    </dgm:fillClrLst>
+    <dgm:linClrLst meth="repeat">
+      <a:schemeClr val="lt1"/>
+    </dgm:linClrLst>
+    <dgm:effectClrLst/>
+    <dgm:txLinClrLst/>
+    <dgm:txFillClrLst meth="repeat">
+      <a:schemeClr val="lt1"/>
+    </dgm:txFillClrLst>
+    <dgm:txEffectClrLst/>
+  </dgm:styleLbl>
+  <dgm:styleLbl name="parChTrans2D2">
+    <dgm:fillClrLst meth="repeat">
+      <a:schemeClr val="accent3"/>
+    </dgm:fillClrLst>
+    <dgm:linClrLst meth="repeat">
+      <a:schemeClr val="lt1"/>
+    </dgm:linClrLst>
+    <dgm:effectClrLst/>
+    <dgm:txLinClrLst/>
+    <dgm:txFillClrLst/>
+    <dgm:txEffectClrLst/>
+  </dgm:styleLbl>
+  <dgm:styleLbl name="parChTrans2D3">
+    <dgm:fillClrLst meth="repeat">
+      <a:schemeClr val="accent4"/>
+    </dgm:fillClrLst>
+    <dgm:linClrLst meth="repeat">
+      <a:schemeClr val="lt1"/>
+    </dgm:linClrLst>
+    <dgm:effectClrLst/>
+    <dgm:txLinClrLst/>
+    <dgm:txFillClrLst/>
+    <dgm:txEffectClrLst/>
+  </dgm:styleLbl>
+  <dgm:styleLbl name="parChTrans2D4">
+    <dgm:fillClrLst meth="repeat">
+      <a:schemeClr val="accent5"/>
+    </dgm:fillClrLst>
+    <dgm:linClrLst meth="repeat">
+      <a:schemeClr val="lt1"/>
+    </dgm:linClrLst>
+    <dgm:effectClrLst/>
+    <dgm:txLinClrLst/>
+    <dgm:txFillClrLst meth="repeat">
+      <a:schemeClr val="lt1"/>
+    </dgm:txFillClrLst>
+    <dgm:txEffectClrLst/>
+  </dgm:styleLbl>
+  <dgm:styleLbl name="parChTrans1D1">
+    <dgm:fillClrLst meth="repeat">
+      <a:schemeClr val="accent2"/>
+    </dgm:fillClrLst>
+    <dgm:linClrLst meth="repeat">
+      <a:schemeClr val="accent2"/>
+    </dgm:linClrLst>
+    <dgm:effectClrLst/>
+    <dgm:txLinClrLst/>
+    <dgm:txFillClrLst meth="repeat">
+      <a:schemeClr val="tx1"/>
+    </dgm:txFillClrLst>
+    <dgm:txEffectClrLst/>
+  </dgm:styleLbl>
+  <dgm:styleLbl name="parChTrans1D2">
+    <dgm:fillClrLst meth="repeat">
+      <a:schemeClr val="accent2">
+        <a:tint val="90000"/>
+      </a:schemeClr>
+    </dgm:fillClrLst>
+    <dgm:linClrLst meth="repeat">
+      <a:schemeClr val="accent3"/>
+    </dgm:linClrLst>
+    <dgm:effectClrLst/>
+    <dgm:txLinClrLst/>
+    <dgm:txFillClrLst meth="repeat">
+      <a:schemeClr val="tx1"/>
+    </dgm:txFillClrLst>
+    <dgm:txEffectClrLst/>
+  </dgm:styleLbl>
+  <dgm:styleLbl name="parChTrans1D3">
+    <dgm:fillClrLst meth="repeat">
+      <a:schemeClr val="accent2">
+        <a:tint val="70000"/>
+      </a:schemeClr>
+    </dgm:fillClrLst>
+    <dgm:linClrLst meth="repeat">
+      <a:schemeClr val="accent4"/>
+    </dgm:linClrLst>
+    <dgm:effectClrLst/>
+    <dgm:txLinClrLst/>
+    <dgm:txFillClrLst meth="repeat">
+      <a:schemeClr val="tx1"/>
+    </dgm:txFillClrLst>
+    <dgm:txEffectClrLst/>
+  </dgm:styleLbl>
+  <dgm:styleLbl name="parChTrans1D4">
+    <dgm:fillClrLst meth="repeat">
+      <a:schemeClr val="accent2">
+        <a:tint val="50000"/>
+      </a:schemeClr>
+    </dgm:fillClrLst>
+    <dgm:linClrLst meth="repeat">
+      <a:schemeClr val="accent5"/>
+    </dgm:linClrLst>
+    <dgm:effectClrLst/>
+    <dgm:txLinClrLst/>
+    <dgm:txFillClrLst meth="repeat">
+      <a:schemeClr val="tx1"/>
+    </dgm:txFillClrLst>
+    <dgm:txEffectClrLst/>
+  </dgm:styleLbl>
+  <dgm:styleLbl name="fgAcc1">
+    <dgm:fillClrLst meth="repeat">
+      <a:schemeClr val="lt1">
+        <a:alpha val="90000"/>
+      </a:schemeClr>
+    </dgm:fillClrLst>
+    <dgm:linClrLst>
+      <a:schemeClr val="accent2"/>
+      <a:schemeClr val="accent3"/>
+    </dgm:linClrLst>
+    <dgm:effectClrLst/>
+    <dgm:txLinClrLst/>
+    <dgm:txFillClrLst meth="repeat">
+      <a:schemeClr val="dk1"/>
+    </dgm:txFillClrLst>
+    <dgm:txEffectClrLst/>
+  </dgm:styleLbl>
+  <dgm:styleLbl name="conFgAcc1">
+    <dgm:fillClrLst meth="repeat">
+      <a:schemeClr val="lt1">
+        <a:alpha val="90000"/>
+      </a:schemeClr>
+    </dgm:fillClrLst>
+    <dgm:linClrLst>
+      <a:schemeClr val="accent2"/>
+      <a:schemeClr val="accent3"/>
+    </dgm:linClrLst>
+    <dgm:effectClrLst/>
+    <dgm:txLinClrLst/>
+    <dgm:txFillClrLst meth="repeat">
+      <a:schemeClr val="dk1"/>
+    </dgm:txFillClrLst>
+    <dgm:txEffectClrLst/>
+  </dgm:styleLbl>
+  <dgm:styleLbl name="alignAcc1">
+    <dgm:fillClrLst meth="repeat">
+      <a:schemeClr val="lt1">
+        <a:alpha val="90000"/>
+      </a:schemeClr>
+    </dgm:fillClrLst>
+    <dgm:linClrLst>
+      <a:schemeClr val="accent2"/>
+      <a:schemeClr val="accent3"/>
+    </dgm:linClrLst>
+    <dgm:effectClrLst/>
+    <dgm:txLinClrLst/>
+    <dgm:txFillClrLst meth="repeat">
+      <a:schemeClr val="dk1"/>
+    </dgm:txFillClrLst>
+    <dgm:txEffectClrLst/>
+  </dgm:styleLbl>
+  <dgm:styleLbl name="trAlignAcc1">
+    <dgm:fillClrLst meth="repeat">
+      <a:schemeClr val="lt1">
+        <a:alpha val="40000"/>
+      </a:schemeClr>
+    </dgm:fillClrLst>
+    <dgm:linClrLst meth="repeat">
+      <a:schemeClr val="accent2"/>
+    </dgm:linClrLst>
+    <dgm:effectClrLst/>
+    <dgm:txLinClrLst/>
+    <dgm:txFillClrLst meth="repeat">
+      <a:schemeClr val="dk1"/>
+    </dgm:txFillClrLst>
+    <dgm:txEffectClrLst/>
+  </dgm:styleLbl>
+  <dgm:styleLbl name="bgAcc1">
+    <dgm:fillClrLst meth="repeat">
+      <a:schemeClr val="lt1">
+        <a:alpha val="90000"/>
+      </a:schemeClr>
+    </dgm:fillClrLst>
+    <dgm:linClrLst>
+      <a:schemeClr val="accent2"/>
+      <a:schemeClr val="accent3"/>
+    </dgm:linClrLst>
+    <dgm:effectClrLst/>
+    <dgm:txLinClrLst/>
+    <dgm:txFillClrLst meth="repeat">
+      <a:schemeClr val="dk1"/>
+    </dgm:txFillClrLst>
+    <dgm:txEffectClrLst/>
+  </dgm:styleLbl>
+  <dgm:styleLbl name="solidFgAcc1">
+    <dgm:fillClrLst meth="repeat">
+      <a:schemeClr val="lt1"/>
+    </dgm:fillClrLst>
+    <dgm:linClrLst>
+      <a:schemeClr val="accent2"/>
+      <a:schemeClr val="accent3"/>
+    </dgm:linClrLst>
+    <dgm:effectClrLst/>
+    <dgm:txLinClrLst/>
+    <dgm:txFillClrLst meth="repeat">
+      <a:schemeClr val="dk1"/>
+    </dgm:txFillClrLst>
+    <dgm:txEffectClrLst/>
+  </dgm:styleLbl>
+  <dgm:styleLbl name="solidAlignAcc1">
+    <dgm:fillClrLst meth="repeat">
+      <a:schemeClr val="lt1"/>
+    </dgm:fillClrLst>
+    <dgm:linClrLst>
+      <a:schemeClr val="accent2"/>
+      <a:schemeClr val="accent3"/>
+    </dgm:linClrLst>
+    <dgm:effectClrLst/>
+    <dgm:txLinClrLst/>
+    <dgm:txFillClrLst meth="repeat">
+      <a:schemeClr val="dk1"/>
+    </dgm:txFillClrLst>
+    <dgm:txEffectClrLst/>
+  </dgm:styleLbl>
+  <dgm:styleLbl name="solidBgAcc1">
+    <dgm:fillClrLst meth="repeat">
+      <a:schemeClr val="lt1"/>
+    </dgm:fillClrLst>
+    <dgm:linClrLst>
+      <a:schemeClr val="accent2"/>
+      <a:schemeClr val="accent3"/>
+    </dgm:linClrLst>
+    <dgm:effectClrLst/>
+    <dgm:txLinClrLst/>
+    <dgm:txFillClrLst meth="repeat">
+      <a:schemeClr val="dk1"/>
+    </dgm:txFillClrLst>
+    <dgm:txEffectClrLst/>
+  </dgm:styleLbl>
+  <dgm:styleLbl name="fgAccFollowNode1">
+    <dgm:fillClrLst>
+      <a:schemeClr val="accent2">
+        <a:tint val="40000"/>
+        <a:alpha val="90000"/>
+      </a:schemeClr>
+      <a:schemeClr val="accent3">
+        <a:tint val="40000"/>
+        <a:alpha val="90000"/>
+      </a:schemeClr>
+    </dgm:fillClrLst>
+    <dgm:linClrLst>
+      <a:schemeClr val="accent2">
+        <a:tint val="40000"/>
+        <a:alpha val="90000"/>
+      </a:schemeClr>
+      <a:schemeClr val="accent3">
+        <a:tint val="40000"/>
+        <a:alpha val="90000"/>
+      </a:schemeClr>
+    </dgm:linClrLst>
+    <dgm:effectClrLst/>
+    <dgm:txLinClrLst/>
+    <dgm:txFillClrLst meth="repeat">
+      <a:schemeClr val="dk1"/>
+    </dgm:txFillClrLst>
+    <dgm:txEffectClrLst/>
+  </dgm:styleLbl>
+  <dgm:styleLbl name="alignAccFollowNode1">
+    <dgm:fillClrLst>
+      <a:schemeClr val="accent2">
+        <a:tint val="40000"/>
+        <a:alpha val="90000"/>
+      </a:schemeClr>
+      <a:schemeClr val="accent3">
+        <a:tint val="40000"/>
+        <a:alpha val="90000"/>
+      </a:schemeClr>
+    </dgm:fillClrLst>
+    <dgm:linClrLst>
+      <a:schemeClr val="accent2">
+        <a:tint val="40000"/>
+        <a:alpha val="90000"/>
+      </a:schemeClr>
+      <a:schemeClr val="accent3">
+        <a:tint val="40000"/>
+        <a:alpha val="90000"/>
+      </a:schemeClr>
+    </dgm:linClrLst>
+    <dgm:effectClrLst/>
+    <dgm:txLinClrLst/>
+    <dgm:txFillClrLst meth="repeat">
+      <a:schemeClr val="dk1"/>
+    </dgm:txFillClrLst>
+    <dgm:txEffectClrLst/>
+  </dgm:styleLbl>
+  <dgm:styleLbl name="bgAccFollowNode1">
+    <dgm:fillClrLst>
+      <a:schemeClr val="accent2">
+        <a:tint val="40000"/>
+        <a:alpha val="90000"/>
+      </a:schemeClr>
+      <a:schemeClr val="accent3">
+        <a:tint val="40000"/>
+        <a:alpha val="90000"/>
+      </a:schemeClr>
+    </dgm:fillClrLst>
+    <dgm:linClrLst>
+      <a:schemeClr val="accent2">
+        <a:tint val="40000"/>
+        <a:alpha val="90000"/>
+      </a:schemeClr>
+      <a:schemeClr val="accent3">
+        <a:tint val="40000"/>
+        <a:alpha val="90000"/>
+      </a:schemeClr>
+    </dgm:linClrLst>
+    <dgm:effectClrLst/>
+    <dgm:txLinClrLst/>
+    <dgm:txFillClrLst meth="repeat">
+      <a:schemeClr val="dk1"/>
+    </dgm:txFillClrLst>
+    <dgm:txEffectClrLst/>
+  </dgm:styleLbl>
+  <dgm:styleLbl name="fgAcc0">
+    <dgm:fillClrLst meth="repeat">
+      <a:schemeClr val="lt1">
+        <a:alpha val="90000"/>
+      </a:schemeClr>
+    </dgm:fillClrLst>
+    <dgm:linClrLst>
+      <a:schemeClr val="accent1"/>
+    </dgm:linClrLst>
+    <dgm:effectClrLst/>
+    <dgm:txLinClrLst/>
+    <dgm:txFillClrLst meth="repeat">
+      <a:schemeClr val="dk1"/>
+    </dgm:txFillClrLst>
+    <dgm:txEffectClrLst/>
+  </dgm:styleLbl>
+  <dgm:styleLbl name="fgAcc2">
+    <dgm:fillClrLst meth="repeat">
+      <a:schemeClr val="lt1">
+        <a:alpha val="90000"/>
+      </a:schemeClr>
+    </dgm:fillClrLst>
+    <dgm:linClrLst>
+      <a:schemeClr val="accent3"/>
+    </dgm:linClrLst>
+    <dgm:effectClrLst/>
+    <dgm:txLinClrLst/>
+    <dgm:txFillClrLst meth="repeat">
+      <a:schemeClr val="dk1"/>
+    </dgm:txFillClrLst>
+    <dgm:txEffectClrLst/>
+  </dgm:styleLbl>
+  <dgm:styleLbl name="fgAcc3">
+    <dgm:fillClrLst meth="repeat">
+      <a:schemeClr val="lt1">
+        <a:alpha val="90000"/>
+      </a:schemeClr>
+    </dgm:fillClrLst>
+    <dgm:linClrLst>
+      <a:schemeClr val="accent4"/>
+    </dgm:linClrLst>
+    <dgm:effectClrLst/>
+    <dgm:txLinClrLst/>
+    <dgm:txFillClrLst meth="repeat">
+      <a:schemeClr val="dk1"/>
+    </dgm:txFillClrLst>
+    <dgm:txEffectClrLst/>
+  </dgm:styleLbl>
+  <dgm:styleLbl name="fgAcc4">
+    <dgm:fillClrLst meth="repeat">
+      <a:schemeClr val="lt1">
+        <a:alpha val="90000"/>
+      </a:schemeClr>
+    </dgm:fillClrLst>
+    <dgm:linClrLst>
+      <a:schemeClr val="accent5"/>
+    </dgm:linClrLst>
+    <dgm:effectClrLst/>
+    <dgm:txLinClrLst/>
+    <dgm:txFillClrLst meth="repeat">
+      <a:schemeClr val="dk1"/>
+    </dgm:txFillClrLst>
+    <dgm:txEffectClrLst/>
+  </dgm:styleLbl>
+  <dgm:styleLbl name="bgShp">
+    <dgm:fillClrLst meth="repeat">
+      <a:schemeClr val="accent2">
+        <a:tint val="40000"/>
+      </a:schemeClr>
+    </dgm:fillClrLst>
+    <dgm:linClrLst meth="repeat">
+      <a:schemeClr val="dk1"/>
+    </dgm:linClrLst>
+    <dgm:effectClrLst/>
+    <dgm:txLinClrLst/>
+    <dgm:txFillClrLst meth="repeat">
+      <a:schemeClr val="dk1"/>
+    </dgm:txFillClrLst>
+    <dgm:txEffectClrLst/>
+  </dgm:styleLbl>
+  <dgm:styleLbl name="dkBgShp">
+    <dgm:fillClrLst meth="repeat">
+      <a:schemeClr val="accent2">
+        <a:shade val="90000"/>
+      </a:schemeClr>
+    </dgm:fillClrLst>
+    <dgm:linClrLst meth="repeat">
+      <a:schemeClr val="dk1"/>
+    </dgm:linClrLst>
+    <dgm:effectClrLst/>
+    <dgm:txLinClrLst/>
+    <dgm:txFillClrLst meth="repeat">
+      <a:schemeClr val="lt1"/>
+    </dgm:txFillClrLst>
+    <dgm:txEffectClrLst/>
+  </dgm:styleLbl>
+  <dgm:styleLbl name="trBgShp">
+    <dgm:fillClrLst meth="repeat">
+      <a:schemeClr val="accent2">
+        <a:tint val="50000"/>
+        <a:alpha val="40000"/>
+      </a:schemeClr>
+    </dgm:fillClrLst>
+    <dgm:linClrLst meth="repeat">
+      <a:schemeClr val="accent2"/>
+    </dgm:linClrLst>
+    <dgm:effectClrLst/>
+    <dgm:txLinClrLst/>
+    <dgm:txFillClrLst meth="repeat">
+      <a:schemeClr val="lt1"/>
+    </dgm:txFillClrLst>
+    <dgm:txEffectClrLst/>
+  </dgm:styleLbl>
+  <dgm:styleLbl name="fgShp">
+    <dgm:fillClrLst meth="repeat">
+      <a:schemeClr val="accent2">
+        <a:tint val="40000"/>
+      </a:schemeClr>
+    </dgm:fillClrLst>
+    <dgm:linClrLst meth="repeat">
+      <a:schemeClr val="lt1"/>
+    </dgm:linClrLst>
+    <dgm:effectClrLst/>
+    <dgm:txLinClrLst/>
+    <dgm:txFillClrLst meth="repeat">
+      <a:schemeClr val="dk1"/>
+    </dgm:txFillClrLst>
+    <dgm:txEffectClrLst/>
+  </dgm:styleLbl>
+  <dgm:styleLbl name="revTx">
+    <dgm:fillClrLst meth="repeat">
+      <a:schemeClr val="lt1">
+        <a:alpha val="0"/>
+      </a:schemeClr>
+    </dgm:fillClrLst>
+    <dgm:linClrLst meth="repeat">
+      <a:schemeClr val="dk1">
+        <a:alpha val="0"/>
+      </a:schemeClr>
+    </dgm:linClrLst>
+    <dgm:effectClrLst/>
+    <dgm:txLinClrLst/>
+    <dgm:txFillClrLst meth="repeat">
+      <a:schemeClr val="tx1"/>
+    </dgm:txFillClrLst>
+    <dgm:txEffectClrLst/>
+  </dgm:styleLbl>
+</dgm:colorsDef>
+</file>
+
+<file path=ppt/diagrams/data1.xml><?xml version="1.0" encoding="utf-8"?>
+<dgm:dataModel xmlns:dgm="http://schemas.openxmlformats.org/drawingml/2006/diagram" xmlns:a="http://schemas.openxmlformats.org/drawingml/2006/main">
+  <dgm:ptLst>
+    <dgm:pt modelId="{D8972D83-7534-487F-90F1-38F4CF38F914}" type="doc">
+      <dgm:prSet loTypeId="urn:microsoft.com/office/officeart/2005/8/layout/process4" loCatId="process" qsTypeId="urn:microsoft.com/office/officeart/2005/8/quickstyle/simple1" qsCatId="simple" csTypeId="urn:microsoft.com/office/officeart/2005/8/colors/colorful2" csCatId="colorful" phldr="1"/>
+      <dgm:spPr/>
+      <dgm:t>
+        <a:bodyPr/>
+        <a:lstStyle/>
+        <a:p>
+          <a:endParaRPr lang="en-US"/>
+        </a:p>
+      </dgm:t>
+    </dgm:pt>
+    <dgm:pt modelId="{E07438AE-C096-4201-AF72-953A2A9A8421}">
+      <dgm:prSet phldrT="[Text]"/>
+      <dgm:spPr/>
+      <dgm:t>
+        <a:bodyPr/>
+        <a:lstStyle/>
+        <a:p>
+          <a:r>
+            <a:rPr lang="en-US" b="1" dirty="0" smtClean="0"/>
+            <a:t>Input</a:t>
+          </a:r>
+          <a:endParaRPr lang="en-US" b="1" dirty="0"/>
+        </a:p>
+      </dgm:t>
+    </dgm:pt>
+    <dgm:pt modelId="{1EB9BEDC-CBAE-4DFA-8A9D-B52F726D2478}" type="parTrans" cxnId="{F290C630-7761-4107-A801-7A1DD01965F6}">
+      <dgm:prSet/>
+      <dgm:spPr/>
+      <dgm:t>
+        <a:bodyPr/>
+        <a:lstStyle/>
+        <a:p>
+          <a:endParaRPr lang="en-US"/>
+        </a:p>
+      </dgm:t>
+    </dgm:pt>
+    <dgm:pt modelId="{9C6B2A1E-8C15-4849-AB20-65DE419B31BF}" type="sibTrans" cxnId="{F290C630-7761-4107-A801-7A1DD01965F6}">
+      <dgm:prSet/>
+      <dgm:spPr/>
+      <dgm:t>
+        <a:bodyPr/>
+        <a:lstStyle/>
+        <a:p>
+          <a:endParaRPr lang="en-US"/>
+        </a:p>
+      </dgm:t>
+    </dgm:pt>
+    <dgm:pt modelId="{F9B90765-ECA5-4C4F-95CC-5591CB553B64}">
+      <dgm:prSet phldrT="[Text]"/>
+      <dgm:spPr/>
+      <dgm:t>
+        <a:bodyPr/>
+        <a:lstStyle/>
+        <a:p>
+          <a:r>
+            <a:rPr lang="en-US" dirty="0" smtClean="0"/>
+            <a:t>Input is read from a 5-sheet Excel workbook</a:t>
+          </a:r>
+          <a:endParaRPr lang="en-US" dirty="0"/>
+        </a:p>
+      </dgm:t>
+    </dgm:pt>
+    <dgm:pt modelId="{65F12596-5269-46D9-AC39-9670CB98047C}" type="parTrans" cxnId="{E0A27333-660C-446C-BB19-E42095094C1B}">
+      <dgm:prSet/>
+      <dgm:spPr/>
+      <dgm:t>
+        <a:bodyPr/>
+        <a:lstStyle/>
+        <a:p>
+          <a:endParaRPr lang="en-US"/>
+        </a:p>
+      </dgm:t>
+    </dgm:pt>
+    <dgm:pt modelId="{CBEC418A-67DB-4DA3-9900-AF13EBB70DBB}" type="sibTrans" cxnId="{E0A27333-660C-446C-BB19-E42095094C1B}">
+      <dgm:prSet/>
+      <dgm:spPr/>
+      <dgm:t>
+        <a:bodyPr/>
+        <a:lstStyle/>
+        <a:p>
+          <a:endParaRPr lang="en-US"/>
+        </a:p>
+      </dgm:t>
+    </dgm:pt>
+    <dgm:pt modelId="{9823583F-E0A0-4E88-A13E-0C5982E3D495}">
+      <dgm:prSet phldrT="[Text]"/>
+      <dgm:spPr/>
+      <dgm:t>
+        <a:bodyPr/>
+        <a:lstStyle/>
+        <a:p>
+          <a:r>
+            <a:rPr lang="en-US" b="1" dirty="0" smtClean="0"/>
+            <a:t>Modeling</a:t>
+          </a:r>
+          <a:endParaRPr lang="en-US" b="1" dirty="0"/>
+        </a:p>
+      </dgm:t>
+    </dgm:pt>
+    <dgm:pt modelId="{152A7BAD-AFEF-4358-9552-DC8948E53A0B}" type="parTrans" cxnId="{EAF627BC-3AAA-4997-9BE4-F56B1CA54298}">
+      <dgm:prSet/>
+      <dgm:spPr/>
+      <dgm:t>
+        <a:bodyPr/>
+        <a:lstStyle/>
+        <a:p>
+          <a:endParaRPr lang="en-US"/>
+        </a:p>
+      </dgm:t>
+    </dgm:pt>
+    <dgm:pt modelId="{10C62146-6F25-4791-BD69-B8A8CAACA361}" type="sibTrans" cxnId="{EAF627BC-3AAA-4997-9BE4-F56B1CA54298}">
+      <dgm:prSet/>
+      <dgm:spPr/>
+      <dgm:t>
+        <a:bodyPr/>
+        <a:lstStyle/>
+        <a:p>
+          <a:endParaRPr lang="en-US"/>
+        </a:p>
+      </dgm:t>
+    </dgm:pt>
+    <dgm:pt modelId="{21ECD0AF-7CF9-4D1B-BC49-5EF135039634}">
+      <dgm:prSet phldrT="[Text]"/>
+      <dgm:spPr/>
+      <dgm:t>
+        <a:bodyPr/>
+        <a:lstStyle/>
+        <a:p>
+          <a:r>
+            <a:rPr lang="en-US" dirty="0" smtClean="0"/>
+            <a:t>The python code uses </a:t>
+          </a:r>
+          <a:r>
+            <a:rPr lang="en-US" dirty="0" err="1" smtClean="0"/>
+            <a:t>Pyomo</a:t>
+          </a:r>
+          <a:r>
+            <a:rPr lang="en-US" dirty="0" smtClean="0"/>
+            <a:t> for model construction and </a:t>
+          </a:r>
+          <a:r>
+            <a:rPr lang="en-US" dirty="0" err="1" smtClean="0"/>
+            <a:t>Gurobi</a:t>
+          </a:r>
+          <a:r>
+            <a:rPr lang="en-US" dirty="0" smtClean="0"/>
+            <a:t> for solving.</a:t>
+          </a:r>
+          <a:endParaRPr lang="en-US" dirty="0"/>
+        </a:p>
+      </dgm:t>
+    </dgm:pt>
+    <dgm:pt modelId="{BF574295-2333-4D42-8982-DD44F46D0ED0}" type="parTrans" cxnId="{0D2F29ED-538D-40D9-A856-D87413D9ACDF}">
+      <dgm:prSet/>
+      <dgm:spPr/>
+      <dgm:t>
+        <a:bodyPr/>
+        <a:lstStyle/>
+        <a:p>
+          <a:endParaRPr lang="en-US"/>
+        </a:p>
+      </dgm:t>
+    </dgm:pt>
+    <dgm:pt modelId="{018392B4-D6A1-4213-AD0D-C6DBAC58F852}" type="sibTrans" cxnId="{0D2F29ED-538D-40D9-A856-D87413D9ACDF}">
+      <dgm:prSet/>
+      <dgm:spPr/>
+      <dgm:t>
+        <a:bodyPr/>
+        <a:lstStyle/>
+        <a:p>
+          <a:endParaRPr lang="en-US"/>
+        </a:p>
+      </dgm:t>
+    </dgm:pt>
+    <dgm:pt modelId="{647250F8-7F9B-4740-9275-27AB3CC6E499}">
+      <dgm:prSet phldrT="[Text]"/>
+      <dgm:spPr/>
+      <dgm:t>
+        <a:bodyPr/>
+        <a:lstStyle/>
+        <a:p>
+          <a:r>
+            <a:rPr lang="en-US" b="1" dirty="0" smtClean="0"/>
+            <a:t>Output</a:t>
+          </a:r>
+          <a:endParaRPr lang="en-US" b="1" dirty="0"/>
+        </a:p>
+      </dgm:t>
+    </dgm:pt>
+    <dgm:pt modelId="{86AEB9EA-7EC4-4E8D-92B2-1F32DBEB9FF9}" type="parTrans" cxnId="{B9A145D4-3D2C-4AB0-BA47-8725485A90B0}">
+      <dgm:prSet/>
+      <dgm:spPr/>
+      <dgm:t>
+        <a:bodyPr/>
+        <a:lstStyle/>
+        <a:p>
+          <a:endParaRPr lang="en-US"/>
+        </a:p>
+      </dgm:t>
+    </dgm:pt>
+    <dgm:pt modelId="{92790AC8-2917-41E9-A07B-D769665FB81E}" type="sibTrans" cxnId="{B9A145D4-3D2C-4AB0-BA47-8725485A90B0}">
+      <dgm:prSet/>
+      <dgm:spPr/>
+      <dgm:t>
+        <a:bodyPr/>
+        <a:lstStyle/>
+        <a:p>
+          <a:endParaRPr lang="en-US"/>
+        </a:p>
+      </dgm:t>
+    </dgm:pt>
+    <dgm:pt modelId="{A80A0390-61C8-42F0-A7CF-2C5E97D4FFC7}">
+      <dgm:prSet phldrT="[Text]"/>
+      <dgm:spPr/>
+      <dgm:t>
+        <a:bodyPr/>
+        <a:lstStyle/>
+        <a:p>
+          <a:r>
+            <a:rPr lang="en-US" dirty="0" smtClean="0"/>
+            <a:t>Output is saved in a formatted Excel spreadsheet</a:t>
+          </a:r>
+          <a:endParaRPr lang="en-US" dirty="0"/>
+        </a:p>
+      </dgm:t>
+    </dgm:pt>
+    <dgm:pt modelId="{C69ABC8C-60B3-44C7-95F2-CBE68FB52F7F}" type="parTrans" cxnId="{F7F96108-8307-4F6B-9B92-D4A627E58705}">
+      <dgm:prSet/>
+      <dgm:spPr/>
+      <dgm:t>
+        <a:bodyPr/>
+        <a:lstStyle/>
+        <a:p>
+          <a:endParaRPr lang="en-US"/>
+        </a:p>
+      </dgm:t>
+    </dgm:pt>
+    <dgm:pt modelId="{8E0F6FE4-7BBC-46EA-95F6-FA21F5B41AB8}" type="sibTrans" cxnId="{F7F96108-8307-4F6B-9B92-D4A627E58705}">
+      <dgm:prSet/>
+      <dgm:spPr/>
+      <dgm:t>
+        <a:bodyPr/>
+        <a:lstStyle/>
+        <a:p>
+          <a:endParaRPr lang="en-US"/>
+        </a:p>
+      </dgm:t>
+    </dgm:pt>
+    <dgm:pt modelId="{2C954C16-FA7F-42D1-9595-C42350C6846F}" type="pres">
+      <dgm:prSet presAssocID="{D8972D83-7534-487F-90F1-38F4CF38F914}" presName="Name0" presStyleCnt="0">
+        <dgm:presLayoutVars>
+          <dgm:dir/>
+          <dgm:animLvl val="lvl"/>
+          <dgm:resizeHandles val="exact"/>
+        </dgm:presLayoutVars>
+      </dgm:prSet>
+      <dgm:spPr/>
+    </dgm:pt>
+    <dgm:pt modelId="{BAAFC947-1A75-48A6-BDC0-46C3F1514A27}" type="pres">
+      <dgm:prSet presAssocID="{647250F8-7F9B-4740-9275-27AB3CC6E499}" presName="boxAndChildren" presStyleCnt="0"/>
+      <dgm:spPr/>
+    </dgm:pt>
+    <dgm:pt modelId="{4945D051-362B-494E-874E-841D294FA261}" type="pres">
+      <dgm:prSet presAssocID="{647250F8-7F9B-4740-9275-27AB3CC6E499}" presName="parentTextBox" presStyleLbl="node1" presStyleIdx="0" presStyleCnt="3"/>
+      <dgm:spPr/>
+    </dgm:pt>
+    <dgm:pt modelId="{73DB2240-4B46-474B-8865-097799547DD1}" type="pres">
+      <dgm:prSet presAssocID="{647250F8-7F9B-4740-9275-27AB3CC6E499}" presName="entireBox" presStyleLbl="node1" presStyleIdx="0" presStyleCnt="3"/>
+      <dgm:spPr/>
+    </dgm:pt>
+    <dgm:pt modelId="{9E8DD14C-126C-43F1-84F9-F83CEE3CB1E6}" type="pres">
+      <dgm:prSet presAssocID="{647250F8-7F9B-4740-9275-27AB3CC6E499}" presName="descendantBox" presStyleCnt="0"/>
+      <dgm:spPr/>
+    </dgm:pt>
+    <dgm:pt modelId="{C876CBB2-E766-4FE3-B12F-49ACCE41D7C6}" type="pres">
+      <dgm:prSet presAssocID="{A80A0390-61C8-42F0-A7CF-2C5E97D4FFC7}" presName="childTextBox" presStyleLbl="fgAccFollowNode1" presStyleIdx="0" presStyleCnt="3">
+        <dgm:presLayoutVars>
+          <dgm:bulletEnabled val="1"/>
+        </dgm:presLayoutVars>
+      </dgm:prSet>
+      <dgm:spPr/>
+      <dgm:t>
+        <a:bodyPr/>
+        <a:lstStyle/>
+        <a:p>
+          <a:endParaRPr lang="en-US"/>
+        </a:p>
+      </dgm:t>
+    </dgm:pt>
+    <dgm:pt modelId="{82190D9F-B961-44E6-9CA3-9F81428375B5}" type="pres">
+      <dgm:prSet presAssocID="{10C62146-6F25-4791-BD69-B8A8CAACA361}" presName="sp" presStyleCnt="0"/>
+      <dgm:spPr/>
+    </dgm:pt>
+    <dgm:pt modelId="{6602C829-6DBE-4318-9DAC-A20935ECA6CC}" type="pres">
+      <dgm:prSet presAssocID="{9823583F-E0A0-4E88-A13E-0C5982E3D495}" presName="arrowAndChildren" presStyleCnt="0"/>
+      <dgm:spPr/>
+    </dgm:pt>
+    <dgm:pt modelId="{EDCDDB6E-BDCC-401B-8426-EC30F75D841C}" type="pres">
+      <dgm:prSet presAssocID="{9823583F-E0A0-4E88-A13E-0C5982E3D495}" presName="parentTextArrow" presStyleLbl="node1" presStyleIdx="0" presStyleCnt="3"/>
+      <dgm:spPr/>
+      <dgm:t>
+        <a:bodyPr/>
+        <a:lstStyle/>
+        <a:p>
+          <a:endParaRPr lang="en-US"/>
+        </a:p>
+      </dgm:t>
+    </dgm:pt>
+    <dgm:pt modelId="{4551906C-F5BC-46EE-8AD4-9C2270498897}" type="pres">
+      <dgm:prSet presAssocID="{9823583F-E0A0-4E88-A13E-0C5982E3D495}" presName="arrow" presStyleLbl="node1" presStyleIdx="1" presStyleCnt="3"/>
+      <dgm:spPr/>
+      <dgm:t>
+        <a:bodyPr/>
+        <a:lstStyle/>
+        <a:p>
+          <a:endParaRPr lang="en-US"/>
+        </a:p>
+      </dgm:t>
+    </dgm:pt>
+    <dgm:pt modelId="{7799FA8C-C79F-4DFE-BEE5-B8C1FA2B6D4F}" type="pres">
+      <dgm:prSet presAssocID="{9823583F-E0A0-4E88-A13E-0C5982E3D495}" presName="descendantArrow" presStyleCnt="0"/>
+      <dgm:spPr/>
+    </dgm:pt>
+    <dgm:pt modelId="{10C86234-54DD-439E-83C2-B670A086214C}" type="pres">
+      <dgm:prSet presAssocID="{21ECD0AF-7CF9-4D1B-BC49-5EF135039634}" presName="childTextArrow" presStyleLbl="fgAccFollowNode1" presStyleIdx="1" presStyleCnt="3">
+        <dgm:presLayoutVars>
+          <dgm:bulletEnabled val="1"/>
+        </dgm:presLayoutVars>
+      </dgm:prSet>
+      <dgm:spPr/>
+      <dgm:t>
+        <a:bodyPr/>
+        <a:lstStyle/>
+        <a:p>
+          <a:endParaRPr lang="en-US"/>
+        </a:p>
+      </dgm:t>
+    </dgm:pt>
+    <dgm:pt modelId="{919F559B-D1A5-46F7-A117-381AF0D3CE07}" type="pres">
+      <dgm:prSet presAssocID="{9C6B2A1E-8C15-4849-AB20-65DE419B31BF}" presName="sp" presStyleCnt="0"/>
+      <dgm:spPr/>
+    </dgm:pt>
+    <dgm:pt modelId="{BCA7EE16-1C33-423B-B2B1-649C9EFFDA04}" type="pres">
+      <dgm:prSet presAssocID="{E07438AE-C096-4201-AF72-953A2A9A8421}" presName="arrowAndChildren" presStyleCnt="0"/>
+      <dgm:spPr/>
+    </dgm:pt>
+    <dgm:pt modelId="{CC1FEBF8-32FA-4E1F-96D3-C79F4E9C112B}" type="pres">
+      <dgm:prSet presAssocID="{E07438AE-C096-4201-AF72-953A2A9A8421}" presName="parentTextArrow" presStyleLbl="node1" presStyleIdx="1" presStyleCnt="3"/>
+      <dgm:spPr/>
+      <dgm:t>
+        <a:bodyPr/>
+        <a:lstStyle/>
+        <a:p>
+          <a:endParaRPr lang="en-US"/>
+        </a:p>
+      </dgm:t>
+    </dgm:pt>
+    <dgm:pt modelId="{928F6B9F-8134-4240-9783-CF653994FA86}" type="pres">
+      <dgm:prSet presAssocID="{E07438AE-C096-4201-AF72-953A2A9A8421}" presName="arrow" presStyleLbl="node1" presStyleIdx="2" presStyleCnt="3" custLinFactNeighborY="-1691"/>
+      <dgm:spPr/>
+      <dgm:t>
+        <a:bodyPr/>
+        <a:lstStyle/>
+        <a:p>
+          <a:endParaRPr lang="en-US"/>
+        </a:p>
+      </dgm:t>
+    </dgm:pt>
+    <dgm:pt modelId="{FEDD477B-882F-4947-9BF2-BE5F3B0820B6}" type="pres">
+      <dgm:prSet presAssocID="{E07438AE-C096-4201-AF72-953A2A9A8421}" presName="descendantArrow" presStyleCnt="0"/>
+      <dgm:spPr/>
+    </dgm:pt>
+    <dgm:pt modelId="{B2C51123-E39A-4E63-BF49-195128C17793}" type="pres">
+      <dgm:prSet presAssocID="{F9B90765-ECA5-4C4F-95CC-5591CB553B64}" presName="childTextArrow" presStyleLbl="fgAccFollowNode1" presStyleIdx="2" presStyleCnt="3">
+        <dgm:presLayoutVars>
+          <dgm:bulletEnabled val="1"/>
+        </dgm:presLayoutVars>
+      </dgm:prSet>
+      <dgm:spPr/>
+      <dgm:t>
+        <a:bodyPr/>
+        <a:lstStyle/>
+        <a:p>
+          <a:endParaRPr lang="en-US"/>
+        </a:p>
+      </dgm:t>
+    </dgm:pt>
+  </dgm:ptLst>
+  <dgm:cxnLst>
+    <dgm:cxn modelId="{E0A27333-660C-446C-BB19-E42095094C1B}" srcId="{E07438AE-C096-4201-AF72-953A2A9A8421}" destId="{F9B90765-ECA5-4C4F-95CC-5591CB553B64}" srcOrd="0" destOrd="0" parTransId="{65F12596-5269-46D9-AC39-9670CB98047C}" sibTransId="{CBEC418A-67DB-4DA3-9900-AF13EBB70DBB}"/>
+    <dgm:cxn modelId="{EAF627BC-3AAA-4997-9BE4-F56B1CA54298}" srcId="{D8972D83-7534-487F-90F1-38F4CF38F914}" destId="{9823583F-E0A0-4E88-A13E-0C5982E3D495}" srcOrd="1" destOrd="0" parTransId="{152A7BAD-AFEF-4358-9552-DC8948E53A0B}" sibTransId="{10C62146-6F25-4791-BD69-B8A8CAACA361}"/>
+    <dgm:cxn modelId="{43EDADC4-178B-42DF-BFAD-914BCC588AB2}" type="presOf" srcId="{647250F8-7F9B-4740-9275-27AB3CC6E499}" destId="{73DB2240-4B46-474B-8865-097799547DD1}" srcOrd="1" destOrd="0" presId="urn:microsoft.com/office/officeart/2005/8/layout/process4"/>
+    <dgm:cxn modelId="{0D2F29ED-538D-40D9-A856-D87413D9ACDF}" srcId="{9823583F-E0A0-4E88-A13E-0C5982E3D495}" destId="{21ECD0AF-7CF9-4D1B-BC49-5EF135039634}" srcOrd="0" destOrd="0" parTransId="{BF574295-2333-4D42-8982-DD44F46D0ED0}" sibTransId="{018392B4-D6A1-4213-AD0D-C6DBAC58F852}"/>
+    <dgm:cxn modelId="{3E1DBA7B-13EA-4932-B3F1-3E3921BACD08}" type="presOf" srcId="{9823583F-E0A0-4E88-A13E-0C5982E3D495}" destId="{4551906C-F5BC-46EE-8AD4-9C2270498897}" srcOrd="1" destOrd="0" presId="urn:microsoft.com/office/officeart/2005/8/layout/process4"/>
+    <dgm:cxn modelId="{B9A145D4-3D2C-4AB0-BA47-8725485A90B0}" srcId="{D8972D83-7534-487F-90F1-38F4CF38F914}" destId="{647250F8-7F9B-4740-9275-27AB3CC6E499}" srcOrd="2" destOrd="0" parTransId="{86AEB9EA-7EC4-4E8D-92B2-1F32DBEB9FF9}" sibTransId="{92790AC8-2917-41E9-A07B-D769665FB81E}"/>
+    <dgm:cxn modelId="{F560CDA1-0B21-41A5-9110-88ABC38C3DBE}" type="presOf" srcId="{9823583F-E0A0-4E88-A13E-0C5982E3D495}" destId="{EDCDDB6E-BDCC-401B-8426-EC30F75D841C}" srcOrd="0" destOrd="0" presId="urn:microsoft.com/office/officeart/2005/8/layout/process4"/>
+    <dgm:cxn modelId="{217F762E-9D96-4403-BB6A-DA9E031AC359}" type="presOf" srcId="{E07438AE-C096-4201-AF72-953A2A9A8421}" destId="{CC1FEBF8-32FA-4E1F-96D3-C79F4E9C112B}" srcOrd="0" destOrd="0" presId="urn:microsoft.com/office/officeart/2005/8/layout/process4"/>
+    <dgm:cxn modelId="{3FFF0501-DD57-41BE-9BBE-8B4A3AE9D7F1}" type="presOf" srcId="{21ECD0AF-7CF9-4D1B-BC49-5EF135039634}" destId="{10C86234-54DD-439E-83C2-B670A086214C}" srcOrd="0" destOrd="0" presId="urn:microsoft.com/office/officeart/2005/8/layout/process4"/>
+    <dgm:cxn modelId="{F7F96108-8307-4F6B-9B92-D4A627E58705}" srcId="{647250F8-7F9B-4740-9275-27AB3CC6E499}" destId="{A80A0390-61C8-42F0-A7CF-2C5E97D4FFC7}" srcOrd="0" destOrd="0" parTransId="{C69ABC8C-60B3-44C7-95F2-CBE68FB52F7F}" sibTransId="{8E0F6FE4-7BBC-46EA-95F6-FA21F5B41AB8}"/>
+    <dgm:cxn modelId="{F290C630-7761-4107-A801-7A1DD01965F6}" srcId="{D8972D83-7534-487F-90F1-38F4CF38F914}" destId="{E07438AE-C096-4201-AF72-953A2A9A8421}" srcOrd="0" destOrd="0" parTransId="{1EB9BEDC-CBAE-4DFA-8A9D-B52F726D2478}" sibTransId="{9C6B2A1E-8C15-4849-AB20-65DE419B31BF}"/>
+    <dgm:cxn modelId="{0CAA70C0-4032-4BF6-A5FB-5C1ACB986EB6}" type="presOf" srcId="{E07438AE-C096-4201-AF72-953A2A9A8421}" destId="{928F6B9F-8134-4240-9783-CF653994FA86}" srcOrd="1" destOrd="0" presId="urn:microsoft.com/office/officeart/2005/8/layout/process4"/>
+    <dgm:cxn modelId="{A983D6F1-F992-4433-ACA0-55F04D63120D}" type="presOf" srcId="{F9B90765-ECA5-4C4F-95CC-5591CB553B64}" destId="{B2C51123-E39A-4E63-BF49-195128C17793}" srcOrd="0" destOrd="0" presId="urn:microsoft.com/office/officeart/2005/8/layout/process4"/>
+    <dgm:cxn modelId="{AC0B591D-AE52-457C-8D6B-34D088EBCE47}" type="presOf" srcId="{647250F8-7F9B-4740-9275-27AB3CC6E499}" destId="{4945D051-362B-494E-874E-841D294FA261}" srcOrd="0" destOrd="0" presId="urn:microsoft.com/office/officeart/2005/8/layout/process4"/>
+    <dgm:cxn modelId="{2EAC3FD2-3374-4789-ADF6-878B7D882AEB}" type="presOf" srcId="{D8972D83-7534-487F-90F1-38F4CF38F914}" destId="{2C954C16-FA7F-42D1-9595-C42350C6846F}" srcOrd="0" destOrd="0" presId="urn:microsoft.com/office/officeart/2005/8/layout/process4"/>
+    <dgm:cxn modelId="{90EA3EE4-2AAD-4B20-A550-97EEDDB1BA42}" type="presOf" srcId="{A80A0390-61C8-42F0-A7CF-2C5E97D4FFC7}" destId="{C876CBB2-E766-4FE3-B12F-49ACCE41D7C6}" srcOrd="0" destOrd="0" presId="urn:microsoft.com/office/officeart/2005/8/layout/process4"/>
+    <dgm:cxn modelId="{6C9DC4EC-85CF-4087-94B7-8472E9FB024F}" type="presParOf" srcId="{2C954C16-FA7F-42D1-9595-C42350C6846F}" destId="{BAAFC947-1A75-48A6-BDC0-46C3F1514A27}" srcOrd="0" destOrd="0" presId="urn:microsoft.com/office/officeart/2005/8/layout/process4"/>
+    <dgm:cxn modelId="{7BF80E65-C125-44E5-B7EF-D0E61270FC02}" type="presParOf" srcId="{BAAFC947-1A75-48A6-BDC0-46C3F1514A27}" destId="{4945D051-362B-494E-874E-841D294FA261}" srcOrd="0" destOrd="0" presId="urn:microsoft.com/office/officeart/2005/8/layout/process4"/>
+    <dgm:cxn modelId="{3E448BB4-34D9-46BA-80B0-3C586C9A0F10}" type="presParOf" srcId="{BAAFC947-1A75-48A6-BDC0-46C3F1514A27}" destId="{73DB2240-4B46-474B-8865-097799547DD1}" srcOrd="1" destOrd="0" presId="urn:microsoft.com/office/officeart/2005/8/layout/process4"/>
+    <dgm:cxn modelId="{41C658AD-3185-4826-AE63-D0C287091122}" type="presParOf" srcId="{BAAFC947-1A75-48A6-BDC0-46C3F1514A27}" destId="{9E8DD14C-126C-43F1-84F9-F83CEE3CB1E6}" srcOrd="2" destOrd="0" presId="urn:microsoft.com/office/officeart/2005/8/layout/process4"/>
+    <dgm:cxn modelId="{F3A4309C-2AD2-49F9-9860-944C91EF13AA}" type="presParOf" srcId="{9E8DD14C-126C-43F1-84F9-F83CEE3CB1E6}" destId="{C876CBB2-E766-4FE3-B12F-49ACCE41D7C6}" srcOrd="0" destOrd="0" presId="urn:microsoft.com/office/officeart/2005/8/layout/process4"/>
+    <dgm:cxn modelId="{9A6E08B8-4A13-4B61-AD73-14461613DE91}" type="presParOf" srcId="{2C954C16-FA7F-42D1-9595-C42350C6846F}" destId="{82190D9F-B961-44E6-9CA3-9F81428375B5}" srcOrd="1" destOrd="0" presId="urn:microsoft.com/office/officeart/2005/8/layout/process4"/>
+    <dgm:cxn modelId="{FEAA37A5-B836-4A0A-A9F1-1AF08798FF49}" type="presParOf" srcId="{2C954C16-FA7F-42D1-9595-C42350C6846F}" destId="{6602C829-6DBE-4318-9DAC-A20935ECA6CC}" srcOrd="2" destOrd="0" presId="urn:microsoft.com/office/officeart/2005/8/layout/process4"/>
+    <dgm:cxn modelId="{A43D7E2F-FF7F-48DF-9AE7-F82D3ABE91A1}" type="presParOf" srcId="{6602C829-6DBE-4318-9DAC-A20935ECA6CC}" destId="{EDCDDB6E-BDCC-401B-8426-EC30F75D841C}" srcOrd="0" destOrd="0" presId="urn:microsoft.com/office/officeart/2005/8/layout/process4"/>
+    <dgm:cxn modelId="{E509094D-8B82-49FC-8D83-E79A4C1033AB}" type="presParOf" srcId="{6602C829-6DBE-4318-9DAC-A20935ECA6CC}" destId="{4551906C-F5BC-46EE-8AD4-9C2270498897}" srcOrd="1" destOrd="0" presId="urn:microsoft.com/office/officeart/2005/8/layout/process4"/>
+    <dgm:cxn modelId="{A6C43F74-8622-41F9-8E00-D86E5953D2F2}" type="presParOf" srcId="{6602C829-6DBE-4318-9DAC-A20935ECA6CC}" destId="{7799FA8C-C79F-4DFE-BEE5-B8C1FA2B6D4F}" srcOrd="2" destOrd="0" presId="urn:microsoft.com/office/officeart/2005/8/layout/process4"/>
+    <dgm:cxn modelId="{8EB43939-BFBA-4CCF-9686-AAB3F5F6F839}" type="presParOf" srcId="{7799FA8C-C79F-4DFE-BEE5-B8C1FA2B6D4F}" destId="{10C86234-54DD-439E-83C2-B670A086214C}" srcOrd="0" destOrd="0" presId="urn:microsoft.com/office/officeart/2005/8/layout/process4"/>
+    <dgm:cxn modelId="{AF0A6D69-4FFA-493B-9AAE-8A175CBDBF53}" type="presParOf" srcId="{2C954C16-FA7F-42D1-9595-C42350C6846F}" destId="{919F559B-D1A5-46F7-A117-381AF0D3CE07}" srcOrd="3" destOrd="0" presId="urn:microsoft.com/office/officeart/2005/8/layout/process4"/>
+    <dgm:cxn modelId="{EA42A9AF-3424-48BD-8607-9581407CAB7C}" type="presParOf" srcId="{2C954C16-FA7F-42D1-9595-C42350C6846F}" destId="{BCA7EE16-1C33-423B-B2B1-649C9EFFDA04}" srcOrd="4" destOrd="0" presId="urn:microsoft.com/office/officeart/2005/8/layout/process4"/>
+    <dgm:cxn modelId="{8D17B988-D21F-4D2E-A285-B483F3334E75}" type="presParOf" srcId="{BCA7EE16-1C33-423B-B2B1-649C9EFFDA04}" destId="{CC1FEBF8-32FA-4E1F-96D3-C79F4E9C112B}" srcOrd="0" destOrd="0" presId="urn:microsoft.com/office/officeart/2005/8/layout/process4"/>
+    <dgm:cxn modelId="{83B078D0-E2B9-42E3-AFB2-CD05C412DD95}" type="presParOf" srcId="{BCA7EE16-1C33-423B-B2B1-649C9EFFDA04}" destId="{928F6B9F-8134-4240-9783-CF653994FA86}" srcOrd="1" destOrd="0" presId="urn:microsoft.com/office/officeart/2005/8/layout/process4"/>
+    <dgm:cxn modelId="{D6AD2B6B-994E-4510-B4A5-87DBAB7358C1}" type="presParOf" srcId="{BCA7EE16-1C33-423B-B2B1-649C9EFFDA04}" destId="{FEDD477B-882F-4947-9BF2-BE5F3B0820B6}" srcOrd="2" destOrd="0" presId="urn:microsoft.com/office/officeart/2005/8/layout/process4"/>
+    <dgm:cxn modelId="{9E70A5DC-C4B7-4AB6-B3EA-013C6AFCE4C3}" type="presParOf" srcId="{FEDD477B-882F-4947-9BF2-BE5F3B0820B6}" destId="{B2C51123-E39A-4E63-BF49-195128C17793}" srcOrd="0" destOrd="0" presId="urn:microsoft.com/office/officeart/2005/8/layout/process4"/>
+  </dgm:cxnLst>
+  <dgm:bg/>
+  <dgm:whole/>
+  <dgm:extLst>
+    <a:ext uri="http://schemas.microsoft.com/office/drawing/2008/diagram">
+      <dsp:dataModelExt xmlns:dsp="http://schemas.microsoft.com/office/drawing/2008/diagram" relId="rId6" minVer="http://schemas.openxmlformats.org/drawingml/2006/diagram"/>
+    </a:ext>
+  </dgm:extLst>
+</dgm:dataModel>
+</file>
+
+<file path=ppt/diagrams/drawing1.xml><?xml version="1.0" encoding="utf-8"?>
+<dsp:drawing xmlns:dgm="http://schemas.openxmlformats.org/drawingml/2006/diagram" xmlns:dsp="http://schemas.microsoft.com/office/drawing/2008/diagram" xmlns:a="http://schemas.openxmlformats.org/drawingml/2006/main">
+  <dsp:spTree>
+    <dsp:nvGrpSpPr>
+      <dsp:cNvPr id="0" name=""/>
+      <dsp:cNvGrpSpPr/>
+    </dsp:nvGrpSpPr>
+    <dsp:grpSpPr/>
+    <dsp:sp modelId="{73DB2240-4B46-474B-8865-097799547DD1}">
+      <dsp:nvSpPr>
+        <dsp:cNvPr id="0" name=""/>
+        <dsp:cNvSpPr/>
+      </dsp:nvSpPr>
+      <dsp:spPr>
+        <a:xfrm>
+          <a:off x="0" y="3919584"/>
+          <a:ext cx="6705600" cy="1286495"/>
+        </a:xfrm>
+        <a:prstGeom prst="rect">
+          <a:avLst/>
+        </a:prstGeom>
+        <a:solidFill>
+          <a:schemeClr val="accent2">
+            <a:hueOff val="0"/>
+            <a:satOff val="0"/>
+            <a:lumOff val="0"/>
+            <a:alphaOff val="0"/>
+          </a:schemeClr>
+        </a:solidFill>
+        <a:ln w="25400" cap="flat" cmpd="sng" algn="ctr">
+          <a:solidFill>
+            <a:schemeClr val="lt1">
+              <a:hueOff val="0"/>
+              <a:satOff val="0"/>
+              <a:lumOff val="0"/>
+              <a:alphaOff val="0"/>
+            </a:schemeClr>
+          </a:solidFill>
+          <a:prstDash val="solid"/>
+        </a:ln>
+        <a:effectLst/>
+      </dsp:spPr>
+      <dsp:style>
+        <a:lnRef idx="2">
+          <a:scrgbClr r="0" g="0" b="0"/>
+        </a:lnRef>
+        <a:fillRef idx="1">
+          <a:scrgbClr r="0" g="0" b="0"/>
+        </a:fillRef>
+        <a:effectRef idx="0">
+          <a:scrgbClr r="0" g="0" b="0"/>
+        </a:effectRef>
+        <a:fontRef idx="minor">
+          <a:schemeClr val="lt1"/>
+        </a:fontRef>
+      </dsp:style>
+      <dsp:txBody>
+        <a:bodyPr spcFirstLastPara="0" vert="horz" wrap="square" lIns="170688" tIns="170688" rIns="170688" bIns="170688" numCol="1" spcCol="1270" anchor="ctr" anchorCtr="0">
+          <a:noAutofit/>
+        </a:bodyPr>
+        <a:lstStyle/>
+        <a:p>
+          <a:pPr lvl="0" algn="ctr" defTabSz="1066800">
+            <a:lnSpc>
+              <a:spcPct val="90000"/>
+            </a:lnSpc>
+            <a:spcBef>
+              <a:spcPct val="0"/>
+            </a:spcBef>
+            <a:spcAft>
+              <a:spcPct val="35000"/>
+            </a:spcAft>
+          </a:pPr>
+          <a:r>
+            <a:rPr lang="en-US" sz="2400" b="1" kern="1200" dirty="0" smtClean="0"/>
+            <a:t>Output</a:t>
+          </a:r>
+          <a:endParaRPr lang="en-US" sz="2400" b="1" kern="1200" dirty="0"/>
+        </a:p>
+      </dsp:txBody>
+      <dsp:txXfrm>
+        <a:off x="0" y="3919584"/>
+        <a:ext cx="6705600" cy="694707"/>
+      </dsp:txXfrm>
+    </dsp:sp>
+    <dsp:sp modelId="{C876CBB2-E766-4FE3-B12F-49ACCE41D7C6}">
+      <dsp:nvSpPr>
+        <dsp:cNvPr id="0" name=""/>
+        <dsp:cNvSpPr/>
+      </dsp:nvSpPr>
+      <dsp:spPr>
+        <a:xfrm>
+          <a:off x="0" y="4588561"/>
+          <a:ext cx="6705600" cy="591787"/>
+        </a:xfrm>
+        <a:prstGeom prst="rect">
+          <a:avLst/>
+        </a:prstGeom>
+        <a:solidFill>
+          <a:schemeClr val="accent2">
+            <a:tint val="40000"/>
+            <a:alpha val="90000"/>
+            <a:hueOff val="0"/>
+            <a:satOff val="0"/>
+            <a:lumOff val="0"/>
+            <a:alphaOff val="0"/>
+          </a:schemeClr>
+        </a:solidFill>
+        <a:ln w="25400" cap="flat" cmpd="sng" algn="ctr">
+          <a:solidFill>
+            <a:schemeClr val="accent2">
+              <a:tint val="40000"/>
+              <a:alpha val="90000"/>
+              <a:hueOff val="0"/>
+              <a:satOff val="0"/>
+              <a:lumOff val="0"/>
+              <a:alphaOff val="0"/>
+            </a:schemeClr>
+          </a:solidFill>
+          <a:prstDash val="solid"/>
+        </a:ln>
+        <a:effectLst/>
+      </dsp:spPr>
+      <dsp:style>
+        <a:lnRef idx="2">
+          <a:scrgbClr r="0" g="0" b="0"/>
+        </a:lnRef>
+        <a:fillRef idx="1">
+          <a:scrgbClr r="0" g="0" b="0"/>
+        </a:fillRef>
+        <a:effectRef idx="0">
+          <a:scrgbClr r="0" g="0" b="0"/>
+        </a:effectRef>
+        <a:fontRef idx="minor"/>
+      </dsp:style>
+      <dsp:txBody>
+        <a:bodyPr spcFirstLastPara="0" vert="horz" wrap="square" lIns="135128" tIns="24130" rIns="135128" bIns="24130" numCol="1" spcCol="1270" anchor="ctr" anchorCtr="0">
+          <a:noAutofit/>
+        </a:bodyPr>
+        <a:lstStyle/>
+        <a:p>
+          <a:pPr lvl="0" algn="ctr" defTabSz="844550">
+            <a:lnSpc>
+              <a:spcPct val="90000"/>
+            </a:lnSpc>
+            <a:spcBef>
+              <a:spcPct val="0"/>
+            </a:spcBef>
+            <a:spcAft>
+              <a:spcPct val="35000"/>
+            </a:spcAft>
+          </a:pPr>
+          <a:r>
+            <a:rPr lang="en-US" sz="1900" kern="1200" dirty="0" smtClean="0"/>
+            <a:t>Output is saved in a formatted Excel spreadsheet</a:t>
+          </a:r>
+          <a:endParaRPr lang="en-US" sz="1900" kern="1200" dirty="0"/>
+        </a:p>
+      </dsp:txBody>
+      <dsp:txXfrm>
+        <a:off x="0" y="4588561"/>
+        <a:ext cx="6705600" cy="591787"/>
+      </dsp:txXfrm>
+    </dsp:sp>
+    <dsp:sp modelId="{4551906C-F5BC-46EE-8AD4-9C2270498897}">
+      <dsp:nvSpPr>
+        <dsp:cNvPr id="0" name=""/>
+        <dsp:cNvSpPr/>
+      </dsp:nvSpPr>
+      <dsp:spPr>
+        <a:xfrm rot="10800000">
+          <a:off x="0" y="1960252"/>
+          <a:ext cx="6705600" cy="1978629"/>
+        </a:xfrm>
+        <a:prstGeom prst="upArrowCallout">
+          <a:avLst/>
+        </a:prstGeom>
+        <a:solidFill>
+          <a:schemeClr val="accent2">
+            <a:hueOff val="-3670562"/>
+            <a:satOff val="16196"/>
+            <a:lumOff val="-2745"/>
+            <a:alphaOff val="0"/>
+          </a:schemeClr>
+        </a:solidFill>
+        <a:ln w="25400" cap="flat" cmpd="sng" algn="ctr">
+          <a:solidFill>
+            <a:schemeClr val="lt1">
+              <a:hueOff val="0"/>
+              <a:satOff val="0"/>
+              <a:lumOff val="0"/>
+              <a:alphaOff val="0"/>
+            </a:schemeClr>
+          </a:solidFill>
+          <a:prstDash val="solid"/>
+        </a:ln>
+        <a:effectLst/>
+      </dsp:spPr>
+      <dsp:style>
+        <a:lnRef idx="2">
+          <a:scrgbClr r="0" g="0" b="0"/>
+        </a:lnRef>
+        <a:fillRef idx="1">
+          <a:scrgbClr r="0" g="0" b="0"/>
+        </a:fillRef>
+        <a:effectRef idx="0">
+          <a:scrgbClr r="0" g="0" b="0"/>
+        </a:effectRef>
+        <a:fontRef idx="minor">
+          <a:schemeClr val="lt1"/>
+        </a:fontRef>
+      </dsp:style>
+      <dsp:txBody>
+        <a:bodyPr spcFirstLastPara="0" vert="horz" wrap="square" lIns="170688" tIns="170688" rIns="170688" bIns="170688" numCol="1" spcCol="1270" anchor="ctr" anchorCtr="0">
+          <a:noAutofit/>
+        </a:bodyPr>
+        <a:lstStyle/>
+        <a:p>
+          <a:pPr lvl="0" algn="ctr" defTabSz="1066800">
+            <a:lnSpc>
+              <a:spcPct val="90000"/>
+            </a:lnSpc>
+            <a:spcBef>
+              <a:spcPct val="0"/>
+            </a:spcBef>
+            <a:spcAft>
+              <a:spcPct val="35000"/>
+            </a:spcAft>
+          </a:pPr>
+          <a:r>
+            <a:rPr lang="en-US" sz="2400" b="1" kern="1200" dirty="0" smtClean="0"/>
+            <a:t>Modeling</a:t>
+          </a:r>
+          <a:endParaRPr lang="en-US" sz="2400" b="1" kern="1200" dirty="0"/>
+        </a:p>
+      </dsp:txBody>
+      <dsp:txXfrm rot="-10800000">
+        <a:off x="0" y="1960252"/>
+        <a:ext cx="6705600" cy="694498"/>
+      </dsp:txXfrm>
+    </dsp:sp>
+    <dsp:sp modelId="{10C86234-54DD-439E-83C2-B670A086214C}">
+      <dsp:nvSpPr>
+        <dsp:cNvPr id="0" name=""/>
+        <dsp:cNvSpPr/>
+      </dsp:nvSpPr>
+      <dsp:spPr>
+        <a:xfrm>
+          <a:off x="0" y="2654751"/>
+          <a:ext cx="6705600" cy="591610"/>
+        </a:xfrm>
+        <a:prstGeom prst="rect">
+          <a:avLst/>
+        </a:prstGeom>
+        <a:solidFill>
+          <a:schemeClr val="accent2">
+            <a:tint val="40000"/>
+            <a:alpha val="90000"/>
+            <a:hueOff val="-3702706"/>
+            <a:satOff val="13424"/>
+            <a:lumOff val="-357"/>
+            <a:alphaOff val="0"/>
+          </a:schemeClr>
+        </a:solidFill>
+        <a:ln w="25400" cap="flat" cmpd="sng" algn="ctr">
+          <a:solidFill>
+            <a:schemeClr val="accent2">
+              <a:tint val="40000"/>
+              <a:alpha val="90000"/>
+              <a:hueOff val="-3702706"/>
+              <a:satOff val="13424"/>
+              <a:lumOff val="-357"/>
+              <a:alphaOff val="0"/>
+            </a:schemeClr>
+          </a:solidFill>
+          <a:prstDash val="solid"/>
+        </a:ln>
+        <a:effectLst/>
+      </dsp:spPr>
+      <dsp:style>
+        <a:lnRef idx="2">
+          <a:scrgbClr r="0" g="0" b="0"/>
+        </a:lnRef>
+        <a:fillRef idx="1">
+          <a:scrgbClr r="0" g="0" b="0"/>
+        </a:fillRef>
+        <a:effectRef idx="0">
+          <a:scrgbClr r="0" g="0" b="0"/>
+        </a:effectRef>
+        <a:fontRef idx="minor"/>
+      </dsp:style>
+      <dsp:txBody>
+        <a:bodyPr spcFirstLastPara="0" vert="horz" wrap="square" lIns="135128" tIns="24130" rIns="135128" bIns="24130" numCol="1" spcCol="1270" anchor="ctr" anchorCtr="0">
+          <a:noAutofit/>
+        </a:bodyPr>
+        <a:lstStyle/>
+        <a:p>
+          <a:pPr lvl="0" algn="ctr" defTabSz="844550">
+            <a:lnSpc>
+              <a:spcPct val="90000"/>
+            </a:lnSpc>
+            <a:spcBef>
+              <a:spcPct val="0"/>
+            </a:spcBef>
+            <a:spcAft>
+              <a:spcPct val="35000"/>
+            </a:spcAft>
+          </a:pPr>
+          <a:r>
+            <a:rPr lang="en-US" sz="1900" kern="1200" dirty="0" smtClean="0"/>
+            <a:t>The python code uses </a:t>
+          </a:r>
+          <a:r>
+            <a:rPr lang="en-US" sz="1900" kern="1200" dirty="0" err="1" smtClean="0"/>
+            <a:t>Pyomo</a:t>
+          </a:r>
+          <a:r>
+            <a:rPr lang="en-US" sz="1900" kern="1200" dirty="0" smtClean="0"/>
+            <a:t> for model construction and </a:t>
+          </a:r>
+          <a:r>
+            <a:rPr lang="en-US" sz="1900" kern="1200" dirty="0" err="1" smtClean="0"/>
+            <a:t>Gurobi</a:t>
+          </a:r>
+          <a:r>
+            <a:rPr lang="en-US" sz="1900" kern="1200" dirty="0" smtClean="0"/>
+            <a:t> for solving.</a:t>
+          </a:r>
+          <a:endParaRPr lang="en-US" sz="1900" kern="1200" dirty="0"/>
+        </a:p>
+      </dsp:txBody>
+      <dsp:txXfrm>
+        <a:off x="0" y="2654751"/>
+        <a:ext cx="6705600" cy="591610"/>
+      </dsp:txXfrm>
+    </dsp:sp>
+    <dsp:sp modelId="{928F6B9F-8134-4240-9783-CF653994FA86}">
+      <dsp:nvSpPr>
+        <dsp:cNvPr id="0" name=""/>
+        <dsp:cNvSpPr/>
+      </dsp:nvSpPr>
+      <dsp:spPr>
+        <a:xfrm rot="10800000">
+          <a:off x="0" y="0"/>
+          <a:ext cx="6705600" cy="1978629"/>
+        </a:xfrm>
+        <a:prstGeom prst="upArrowCallout">
+          <a:avLst/>
+        </a:prstGeom>
+        <a:solidFill>
+          <a:schemeClr val="accent2">
+            <a:hueOff val="-7341125"/>
+            <a:satOff val="32393"/>
+            <a:lumOff val="-5490"/>
+            <a:alphaOff val="0"/>
+          </a:schemeClr>
+        </a:solidFill>
+        <a:ln w="25400" cap="flat" cmpd="sng" algn="ctr">
+          <a:solidFill>
+            <a:schemeClr val="lt1">
+              <a:hueOff val="0"/>
+              <a:satOff val="0"/>
+              <a:lumOff val="0"/>
+              <a:alphaOff val="0"/>
+            </a:schemeClr>
+          </a:solidFill>
+          <a:prstDash val="solid"/>
+        </a:ln>
+        <a:effectLst/>
+      </dsp:spPr>
+      <dsp:style>
+        <a:lnRef idx="2">
+          <a:scrgbClr r="0" g="0" b="0"/>
+        </a:lnRef>
+        <a:fillRef idx="1">
+          <a:scrgbClr r="0" g="0" b="0"/>
+        </a:fillRef>
+        <a:effectRef idx="0">
+          <a:scrgbClr r="0" g="0" b="0"/>
+        </a:effectRef>
+        <a:fontRef idx="minor">
+          <a:schemeClr val="lt1"/>
+        </a:fontRef>
+      </dsp:style>
+      <dsp:txBody>
+        <a:bodyPr spcFirstLastPara="0" vert="horz" wrap="square" lIns="170688" tIns="170688" rIns="170688" bIns="170688" numCol="1" spcCol="1270" anchor="ctr" anchorCtr="0">
+          <a:noAutofit/>
+        </a:bodyPr>
+        <a:lstStyle/>
+        <a:p>
+          <a:pPr lvl="0" algn="ctr" defTabSz="1066800">
+            <a:lnSpc>
+              <a:spcPct val="90000"/>
+            </a:lnSpc>
+            <a:spcBef>
+              <a:spcPct val="0"/>
+            </a:spcBef>
+            <a:spcAft>
+              <a:spcPct val="35000"/>
+            </a:spcAft>
+          </a:pPr>
+          <a:r>
+            <a:rPr lang="en-US" sz="2400" b="1" kern="1200" dirty="0" smtClean="0"/>
+            <a:t>Input</a:t>
+          </a:r>
+          <a:endParaRPr lang="en-US" sz="2400" b="1" kern="1200" dirty="0"/>
+        </a:p>
+      </dsp:txBody>
+      <dsp:txXfrm rot="-10800000">
+        <a:off x="0" y="0"/>
+        <a:ext cx="6705600" cy="694498"/>
+      </dsp:txXfrm>
+    </dsp:sp>
+    <dsp:sp modelId="{B2C51123-E39A-4E63-BF49-195128C17793}">
+      <dsp:nvSpPr>
+        <dsp:cNvPr id="0" name=""/>
+        <dsp:cNvSpPr/>
+      </dsp:nvSpPr>
+      <dsp:spPr>
+        <a:xfrm>
+          <a:off x="0" y="695419"/>
+          <a:ext cx="6705600" cy="591610"/>
+        </a:xfrm>
+        <a:prstGeom prst="rect">
+          <a:avLst/>
+        </a:prstGeom>
+        <a:solidFill>
+          <a:schemeClr val="accent2">
+            <a:tint val="40000"/>
+            <a:alpha val="90000"/>
+            <a:hueOff val="-7405413"/>
+            <a:satOff val="26847"/>
+            <a:lumOff val="-714"/>
+            <a:alphaOff val="0"/>
+          </a:schemeClr>
+        </a:solidFill>
+        <a:ln w="25400" cap="flat" cmpd="sng" algn="ctr">
+          <a:solidFill>
+            <a:schemeClr val="accent2">
+              <a:tint val="40000"/>
+              <a:alpha val="90000"/>
+              <a:hueOff val="-7405413"/>
+              <a:satOff val="26847"/>
+              <a:lumOff val="-714"/>
+              <a:alphaOff val="0"/>
+            </a:schemeClr>
+          </a:solidFill>
+          <a:prstDash val="solid"/>
+        </a:ln>
+        <a:effectLst/>
+      </dsp:spPr>
+      <dsp:style>
+        <a:lnRef idx="2">
+          <a:scrgbClr r="0" g="0" b="0"/>
+        </a:lnRef>
+        <a:fillRef idx="1">
+          <a:scrgbClr r="0" g="0" b="0"/>
+        </a:fillRef>
+        <a:effectRef idx="0">
+          <a:scrgbClr r="0" g="0" b="0"/>
+        </a:effectRef>
+        <a:fontRef idx="minor"/>
+      </dsp:style>
+      <dsp:txBody>
+        <a:bodyPr spcFirstLastPara="0" vert="horz" wrap="square" lIns="135128" tIns="24130" rIns="135128" bIns="24130" numCol="1" spcCol="1270" anchor="ctr" anchorCtr="0">
+          <a:noAutofit/>
+        </a:bodyPr>
+        <a:lstStyle/>
+        <a:p>
+          <a:pPr lvl="0" algn="ctr" defTabSz="844550">
+            <a:lnSpc>
+              <a:spcPct val="90000"/>
+            </a:lnSpc>
+            <a:spcBef>
+              <a:spcPct val="0"/>
+            </a:spcBef>
+            <a:spcAft>
+              <a:spcPct val="35000"/>
+            </a:spcAft>
+          </a:pPr>
+          <a:r>
+            <a:rPr lang="en-US" sz="1900" kern="1200" dirty="0" smtClean="0"/>
+            <a:t>Input is read from a 5-sheet Excel workbook</a:t>
+          </a:r>
+          <a:endParaRPr lang="en-US" sz="1900" kern="1200" dirty="0"/>
+        </a:p>
+      </dsp:txBody>
+      <dsp:txXfrm>
+        <a:off x="0" y="695419"/>
+        <a:ext cx="6705600" cy="591610"/>
+      </dsp:txXfrm>
+    </dsp:sp>
+  </dsp:spTree>
+</dsp:drawing>
+</file>
+
+<file path=ppt/diagrams/layout1.xml><?xml version="1.0" encoding="utf-8"?>
+<dgm:layoutDef xmlns:dgm="http://schemas.openxmlformats.org/drawingml/2006/diagram" xmlns:a="http://schemas.openxmlformats.org/drawingml/2006/main" uniqueId="urn:microsoft.com/office/officeart/2005/8/layout/process4">
+  <dgm:title val=""/>
+  <dgm:desc val=""/>
+  <dgm:catLst>
+    <dgm:cat type="process" pri="16000"/>
+    <dgm:cat type="list" pri="20000"/>
+  </dgm:catLst>
+  <dgm:sampData>
+    <dgm:dataModel>
+      <dgm:ptLst>
+        <dgm:pt modelId="0" type="doc"/>
+        <dgm:pt modelId="1">
+          <dgm:prSet phldr="1"/>
+        </dgm:pt>
+        <dgm:pt modelId="11">
+          <dgm:prSet phldr="1"/>
+        </dgm:pt>
+        <dgm:pt modelId="12">
+          <dgm:prSet phldr="1"/>
+        </dgm:pt>
+        <dgm:pt modelId="2">
+          <dgm:prSet phldr="1"/>
+        </dgm:pt>
+        <dgm:pt modelId="21">
+          <dgm:prSet phldr="1"/>
+        </dgm:pt>
+        <dgm:pt modelId="22">
+          <dgm:prSet phldr="1"/>
+        </dgm:pt>
+        <dgm:pt modelId="3">
+          <dgm:prSet phldr="1"/>
+        </dgm:pt>
+        <dgm:pt modelId="31">
+          <dgm:prSet phldr="1"/>
+        </dgm:pt>
+        <dgm:pt modelId="32">
+          <dgm:prSet phldr="1"/>
+        </dgm:pt>
+      </dgm:ptLst>
+      <dgm:cxnLst>
+        <dgm:cxn modelId="4" srcId="0" destId="1" srcOrd="0" destOrd="0"/>
+        <dgm:cxn modelId="5" srcId="0" destId="2" srcOrd="1" destOrd="0"/>
+        <dgm:cxn modelId="6" srcId="0" destId="3" srcOrd="2" destOrd="0"/>
+        <dgm:cxn modelId="13" srcId="1" destId="11" srcOrd="0" destOrd="0"/>
+        <dgm:cxn modelId="14" srcId="1" destId="12" srcOrd="1" destOrd="0"/>
+        <dgm:cxn modelId="23" srcId="2" destId="21" srcOrd="0" destOrd="0"/>
+        <dgm:cxn modelId="24" srcId="2" destId="22" srcOrd="1" destOrd="0"/>
+        <dgm:cxn modelId="33" srcId="3" destId="31" srcOrd="0" destOrd="0"/>
+        <dgm:cxn modelId="34" srcId="3" destId="32" srcOrd="1" destOrd="0"/>
+      </dgm:cxnLst>
+      <dgm:bg/>
+      <dgm:whole/>
+    </dgm:dataModel>
+  </dgm:sampData>
+  <dgm:styleData>
+    <dgm:dataModel>
+      <dgm:ptLst>
+        <dgm:pt modelId="0" type="doc"/>
+        <dgm:pt modelId="1"/>
+        <dgm:pt modelId="11"/>
+        <dgm:pt modelId="2"/>
+        <dgm:pt modelId="21"/>
+      </dgm:ptLst>
+      <dgm:cxnLst>
+        <dgm:cxn modelId="4" srcId="0" destId="1" srcOrd="0" destOrd="0"/>
+        <dgm:cxn modelId="5" srcId="0" destId="2" srcOrd="1" destOrd="0"/>
+        <dgm:cxn modelId="13" srcId="1" destId="11" srcOrd="0" destOrd="0"/>
+        <dgm:cxn modelId="23" srcId="2" destId="21" srcOrd="0" destOrd="0"/>
+      </dgm:cxnLst>
+      <dgm:bg/>
+      <dgm:whole/>
+    </dgm:dataModel>
+  </dgm:styleData>
+  <dgm:clrData>
+    <dgm:dataModel>
+      <dgm:ptLst>
+        <dgm:pt modelId="0" type="doc"/>
+        <dgm:pt modelId="1"/>
+        <dgm:pt modelId="11"/>
+        <dgm:pt modelId="2"/>
+        <dgm:pt modelId="21"/>
+        <dgm:pt modelId="3"/>
+        <dgm:pt modelId="31"/>
+        <dgm:pt modelId="4"/>
+        <dgm:pt modelId="41"/>
+      </dgm:ptLst>
+      <dgm:cxnLst>
+        <dgm:cxn modelId="5" srcId="0" destId="1" srcOrd="0" destOrd="0"/>
+        <dgm:cxn modelId="6" srcId="0" destId="2" srcOrd="1" destOrd="0"/>
+        <dgm:cxn modelId="7" srcId="0" destId="3" srcOrd="2" destOrd="0"/>
+        <dgm:cxn modelId="8" srcId="0" destId="4" srcOrd="3" destOrd="0"/>
+        <dgm:cxn modelId="13" srcId="1" destId="11" srcOrd="0" destOrd="0"/>
+        <dgm:cxn modelId="23" srcId="2" destId="21" srcOrd="0" destOrd="0"/>
+        <dgm:cxn modelId="33" srcId="3" destId="31" srcOrd="0" destOrd="0"/>
+        <dgm:cxn modelId="43" srcId="4" destId="41" srcOrd="0" destOrd="0"/>
+      </dgm:cxnLst>
+      <dgm:bg/>
+      <dgm:whole/>
+    </dgm:dataModel>
+  </dgm:clrData>
+  <dgm:layoutNode name="Name0">
+    <dgm:varLst>
+      <dgm:dir/>
+      <dgm:animLvl val="lvl"/>
+      <dgm:resizeHandles val="exact"/>
+    </dgm:varLst>
+    <dgm:alg type="lin">
+      <dgm:param type="linDir" val="fromB"/>
+    </dgm:alg>
+    <dgm:shape xmlns:r="http://schemas.openxmlformats.org/officeDocument/2006/relationships" r:blip="">
+      <dgm:adjLst/>
+    </dgm:shape>
+    <dgm:presOf/>
+    <dgm:constrLst>
+      <dgm:constr type="h" for="ch" forName="boxAndChildren" refType="h"/>
+      <dgm:constr type="h" for="ch" forName="arrowAndChildren" refType="h" refFor="ch" refForName="boxAndChildren" op="equ" fact="1.538"/>
+      <dgm:constr type="w" for="ch" forName="arrowAndChildren" refType="w"/>
+      <dgm:constr type="w" for="ch" forName="boxAndChildren" refType="w"/>
+      <dgm:constr type="h" for="ch" forName="sp" refType="h" fact="-0.015"/>
+      <dgm:constr type="primFontSz" for="des" forName="parentTextBox" val="65"/>
+      <dgm:constr type="primFontSz" for="des" forName="parentTextArrow" refType="primFontSz" refFor="des" refForName="parentTextBox" op="equ"/>
+      <dgm:constr type="primFontSz" for="des" forName="childTextArrow" val="65"/>
+      <dgm:constr type="primFontSz" for="des" forName="childTextBox" refType="primFontSz" refFor="des" refForName="childTextArrow" op="equ"/>
+    </dgm:constrLst>
+    <dgm:ruleLst/>
+    <dgm:forEach name="Name1" axis="ch" ptType="node" st="-1" step="-1">
+      <dgm:choose name="Name2">
+        <dgm:if name="Name3" axis="self" ptType="node" func="revPos" op="equ" val="1">
+          <dgm:layoutNode name="boxAndChildren">
+            <dgm:alg type="composite"/>
+            <dgm:shape xmlns:r="http://schemas.openxmlformats.org/officeDocument/2006/relationships" r:blip="">
+              <dgm:adjLst/>
+            </dgm:shape>
+            <dgm:presOf/>
+            <dgm:choose name="Name4">
+              <dgm:if name="Name5" axis="ch" ptType="node" func="cnt" op="gte" val="1">
+                <dgm:constrLst>
+                  <dgm:constr type="w" for="ch" forName="parentTextBox" refType="w"/>
+                  <dgm:constr type="h" for="ch" forName="parentTextBox" refType="h" fact="0.54"/>
+                  <dgm:constr type="t" for="ch" forName="parentTextBox"/>
+                  <dgm:constr type="w" for="ch" forName="entireBox" refType="w"/>
+                  <dgm:constr type="h" for="ch" forName="entireBox" refType="h"/>
+                  <dgm:constr type="w" for="ch" forName="descendantBox" refType="w"/>
+                  <dgm:constr type="b" for="ch" forName="descendantBox" refType="h" fact="0.98"/>
+                  <dgm:constr type="h" for="ch" forName="descendantBox" refType="h" fact="0.46"/>
+                </dgm:constrLst>
+              </dgm:if>
+              <dgm:else name="Name6">
+                <dgm:constrLst>
+                  <dgm:constr type="w" for="ch" forName="parentTextBox" refType="w"/>
+                  <dgm:constr type="h" for="ch" forName="parentTextBox" refType="h"/>
+                </dgm:constrLst>
+              </dgm:else>
+            </dgm:choose>
+            <dgm:ruleLst/>
+            <dgm:layoutNode name="parentTextBox">
+              <dgm:alg type="tx"/>
+              <dgm:choose name="Name7">
+                <dgm:if name="Name8" axis="ch" ptType="node" func="cnt" op="gte" val="1">
+                  <dgm:shape xmlns:r="http://schemas.openxmlformats.org/officeDocument/2006/relationships" type="rect" r:blip="" zOrderOff="1" hideGeom="1">
+                    <dgm:adjLst/>
+                  </dgm:shape>
+                </dgm:if>
+                <dgm:else name="Name9">
+                  <dgm:shape xmlns:r="http://schemas.openxmlformats.org/officeDocument/2006/relationships" type="rect" r:blip="">
+                    <dgm:adjLst/>
+                  </dgm:shape>
+                </dgm:else>
+              </dgm:choose>
+              <dgm:presOf axis="self"/>
+              <dgm:constrLst/>
+              <dgm:ruleLst>
+                <dgm:rule type="primFontSz" val="5" fact="NaN" max="NaN"/>
+              </dgm:ruleLst>
+            </dgm:layoutNode>
+            <dgm:choose name="Name10">
+              <dgm:if name="Name11" axis="ch" ptType="node" func="cnt" op="gte" val="1">
+                <dgm:layoutNode name="entireBox">
+                  <dgm:alg type="sp"/>
+                  <dgm:shape xmlns:r="http://schemas.openxmlformats.org/officeDocument/2006/relationships" type="rect" r:blip="">
+                    <dgm:adjLst/>
+                  </dgm:shape>
+                  <dgm:presOf axis="self"/>
+                  <dgm:constrLst/>
+                  <dgm:ruleLst/>
+                </dgm:layoutNode>
+                <dgm:layoutNode name="descendantBox" styleLbl="fgAccFollowNode1">
+                  <dgm:choose name="Name12">
+                    <dgm:if name="Name13" func="var" arg="dir" op="equ" val="norm">
+                      <dgm:alg type="lin"/>
+                    </dgm:if>
+                    <dgm:else name="Name14">
+                      <dgm:alg type="lin">
+                        <dgm:param type="linDir" val="fromR"/>
+                      </dgm:alg>
+                    </dgm:else>
+                  </dgm:choose>
+                  <dgm:shape xmlns:r="http://schemas.openxmlformats.org/officeDocument/2006/relationships" r:blip="">
+                    <dgm:adjLst/>
+                  </dgm:shape>
+                  <dgm:presOf/>
+                  <dgm:constrLst>
+                    <dgm:constr type="w" for="ch" forName="childTextBox" refType="w"/>
+                    <dgm:constr type="h" for="ch" forName="childTextBox" refType="h"/>
+                  </dgm:constrLst>
+                  <dgm:ruleLst/>
+                  <dgm:forEach name="Name15" axis="ch" ptType="node">
+                    <dgm:layoutNode name="childTextBox" styleLbl="fgAccFollowNode1">
+                      <dgm:varLst>
+                        <dgm:bulletEnabled val="1"/>
+                      </dgm:varLst>
+                      <dgm:alg type="tx"/>
+                      <dgm:shape xmlns:r="http://schemas.openxmlformats.org/officeDocument/2006/relationships" type="rect" r:blip="">
+                        <dgm:adjLst/>
+                      </dgm:shape>
+                      <dgm:presOf axis="desOrSelf" ptType="node"/>
+                      <dgm:constrLst>
+                        <dgm:constr type="tMarg" refType="primFontSz" fact="0.1"/>
+                        <dgm:constr type="bMarg" refType="primFontSz" fact="0.1"/>
+                      </dgm:constrLst>
+                      <dgm:ruleLst>
+                        <dgm:rule type="primFontSz" val="5" fact="NaN" max="NaN"/>
+                      </dgm:ruleLst>
+                    </dgm:layoutNode>
+                  </dgm:forEach>
+                </dgm:layoutNode>
+              </dgm:if>
+              <dgm:else name="Name16"/>
+            </dgm:choose>
+          </dgm:layoutNode>
+        </dgm:if>
+        <dgm:else name="Name17">
+          <dgm:layoutNode name="arrowAndChildren">
+            <dgm:alg type="composite"/>
+            <dgm:shape xmlns:r="http://schemas.openxmlformats.org/officeDocument/2006/relationships" r:blip="">
+              <dgm:adjLst/>
+            </dgm:shape>
+            <dgm:presOf/>
+            <dgm:choose name="Name18">
+              <dgm:if name="Name19" axis="ch" ptType="node" func="cnt" op="gte" val="1">
+                <dgm:constrLst>
+                  <dgm:constr type="w" for="ch" forName="parentTextArrow" refType="w"/>
+                  <dgm:constr type="t" for="ch" forName="parentTextArrow"/>
+                  <dgm:constr type="h" for="ch" forName="parentTextArrow" refType="h" fact="0.351"/>
+                  <dgm:constr type="w" for="ch" forName="arrow" refType="w"/>
+                  <dgm:constr type="h" for="ch" forName="arrow" refType="h"/>
+                  <dgm:constr type="w" for="ch" forName="descendantArrow" refType="w"/>
+                  <dgm:constr type="b" for="ch" forName="descendantArrow" refType="h" fact="0.65"/>
+                  <dgm:constr type="h" for="ch" forName="descendantArrow" refType="h" fact="0.299"/>
+                </dgm:constrLst>
+              </dgm:if>
+              <dgm:else name="Name20">
+                <dgm:constrLst>
+                  <dgm:constr type="w" for="ch" forName="parentTextArrow" refType="w"/>
+                  <dgm:constr type="h" for="ch" forName="parentTextArrow" refType="h"/>
+                </dgm:constrLst>
+              </dgm:else>
+            </dgm:choose>
+            <dgm:ruleLst/>
+            <dgm:layoutNode name="parentTextArrow">
+              <dgm:alg type="tx"/>
+              <dgm:choose name="Name21">
+                <dgm:if name="Name22" axis="ch" ptType="node" func="cnt" op="gte" val="1">
+                  <dgm:shape xmlns:r="http://schemas.openxmlformats.org/officeDocument/2006/relationships" type="rect" r:blip="" zOrderOff="1" hideGeom="1">
+                    <dgm:adjLst/>
+                  </dgm:shape>
+                </dgm:if>
+                <dgm:else name="Name23">
+                  <dgm:shape xmlns:r="http://schemas.openxmlformats.org/officeDocument/2006/relationships" rot="180" type="upArrowCallout" r:blip="">
+                    <dgm:adjLst/>
+                  </dgm:shape>
+                </dgm:else>
+              </dgm:choose>
+              <dgm:presOf axis="self"/>
+              <dgm:constrLst/>
+              <dgm:ruleLst>
+                <dgm:rule type="primFontSz" val="5" fact="NaN" max="NaN"/>
+              </dgm:ruleLst>
+            </dgm:layoutNode>
+            <dgm:choose name="Name24">
+              <dgm:if name="Name25" axis="ch" ptType="node" func="cnt" op="gte" val="1">
+                <dgm:layoutNode name="arrow">
+                  <dgm:alg type="sp"/>
+                  <dgm:shape xmlns:r="http://schemas.openxmlformats.org/officeDocument/2006/relationships" rot="180" type="upArrowCallout" r:blip="">
+                    <dgm:adjLst/>
+                  </dgm:shape>
+                  <dgm:presOf axis="self"/>
+                  <dgm:constrLst/>
+                  <dgm:ruleLst/>
+                </dgm:layoutNode>
+                <dgm:layoutNode name="descendantArrow">
+                  <dgm:choose name="Name26">
+                    <dgm:if name="Name27" func="var" arg="dir" op="equ" val="norm">
+                      <dgm:alg type="lin"/>
+                    </dgm:if>
+                    <dgm:else name="Name28">
+                      <dgm:alg type="lin">
+                        <dgm:param type="linDir" val="fromR"/>
+                      </dgm:alg>
+                    </dgm:else>
+                  </dgm:choose>
+                  <dgm:shape xmlns:r="http://schemas.openxmlformats.org/officeDocument/2006/relationships" r:blip="">
+                    <dgm:adjLst/>
+                  </dgm:shape>
+                  <dgm:presOf/>
+                  <dgm:constrLst>
+                    <dgm:constr type="w" for="ch" forName="childTextArrow" refType="w"/>
+                    <dgm:constr type="h" for="ch" forName="childTextArrow" refType="h"/>
+                  </dgm:constrLst>
+                  <dgm:ruleLst/>
+                  <dgm:forEach name="Name29" axis="ch" ptType="node">
+                    <dgm:layoutNode name="childTextArrow" styleLbl="fgAccFollowNode1">
+                      <dgm:varLst>
+                        <dgm:bulletEnabled val="1"/>
+                      </dgm:varLst>
+                      <dgm:alg type="tx"/>
+                      <dgm:shape xmlns:r="http://schemas.openxmlformats.org/officeDocument/2006/relationships" type="rect" r:blip="">
+                        <dgm:adjLst/>
+                      </dgm:shape>
+                      <dgm:presOf axis="desOrSelf" ptType="node"/>
+                      <dgm:constrLst>
+                        <dgm:constr type="tMarg" refType="primFontSz" fact="0.1"/>
+                        <dgm:constr type="bMarg" refType="primFontSz" fact="0.1"/>
+                      </dgm:constrLst>
+                      <dgm:ruleLst>
+                        <dgm:rule type="primFontSz" val="5" fact="NaN" max="NaN"/>
+                      </dgm:ruleLst>
+                    </dgm:layoutNode>
+                  </dgm:forEach>
+                </dgm:layoutNode>
+              </dgm:if>
+              <dgm:else name="Name30"/>
+            </dgm:choose>
+          </dgm:layoutNode>
+        </dgm:else>
+      </dgm:choose>
+      <dgm:forEach name="Name31" axis="precedSib" ptType="sibTrans" st="-1" cnt="1">
+        <dgm:layoutNode name="sp">
+          <dgm:alg type="sp"/>
+          <dgm:shape xmlns:r="http://schemas.openxmlformats.org/officeDocument/2006/relationships" r:blip="">
+            <dgm:adjLst/>
+          </dgm:shape>
+          <dgm:presOf axis="self"/>
+          <dgm:constrLst/>
+          <dgm:ruleLst/>
+        </dgm:layoutNode>
+      </dgm:forEach>
+    </dgm:forEach>
+  </dgm:layoutNode>
+</dgm:layoutDef>
+</file>
+
+<file path=ppt/diagrams/quickStyle1.xml><?xml version="1.0" encoding="utf-8"?>
+<dgm:styleDef xmlns:dgm="http://schemas.openxmlformats.org/drawingml/2006/diagram" xmlns:a="http://schemas.openxmlformats.org/drawingml/2006/main" uniqueId="urn:microsoft.com/office/officeart/2005/8/quickstyle/simple1">
+  <dgm:title val=""/>
+  <dgm:desc val=""/>
+  <dgm:catLst>
+    <dgm:cat type="simple" pri="10100"/>
+  </dgm:catLst>
+  <dgm:scene3d>
+    <a:camera prst="orthographicFront"/>
+    <a:lightRig rig="threePt" dir="t"/>
+  </dgm:scene3d>
+  <dgm:styleLbl name="node0">
+    <dgm:scene3d>
+      <a:camera prst="orthographicFront"/>
+      <a:lightRig rig="threePt" dir="t"/>
+    </dgm:scene3d>
+    <dgm:sp3d/>
+    <dgm:txPr/>
+    <dgm:style>
+      <a:lnRef idx="2">
+        <a:scrgbClr r="0" g="0" b="0"/>
+      </a:lnRef>
+      <a:fillRef idx="1">
+        <a:scrgbClr r="0" g="0" b="0"/>
+      </a:fillRef>
+      <a:effectRef idx="0">
+        <a:scrgbClr r="0" g="0" b="0"/>
+      </a:effectRef>
+      <a:fontRef idx="minor">
+        <a:schemeClr val="lt1"/>
+      </a:fontRef>
+    </dgm:style>
+  </dgm:styleLbl>
+  <dgm:styleLbl name="lnNode1">
+    <dgm:scene3d>
+      <a:camera prst="orthographicFront"/>
+      <a:lightRig rig="threePt" dir="t"/>
+    </dgm:scene3d>
+    <dgm:sp3d/>
+    <dgm:txPr/>
+    <dgm:style>
+      <a:lnRef idx="2">
+        <a:scrgbClr r="0" g="0" b="0"/>
+      </a:lnRef>
+      <a:fillRef idx="1">
+        <a:scrgbClr r="0" g="0" b="0"/>
+      </a:fillRef>
+      <a:effectRef idx="0">
+        <a:scrgbClr r="0" g="0" b="0"/>
+      </a:effectRef>
+      <a:fontRef idx="minor">
+        <a:schemeClr val="lt1"/>
+      </a:fontRef>
+    </dgm:style>
+  </dgm:styleLbl>
+  <dgm:styleLbl name="vennNode1">
+    <dgm:scene3d>
+      <a:camera prst="orthographicFront"/>
+      <a:lightRig rig="threePt" dir="t"/>
+    </dgm:scene3d>
+    <dgm:sp3d/>
+    <dgm:txPr/>
+    <dgm:style>
+      <a:lnRef idx="2">
+        <a:scrgbClr r="0" g="0" b="0"/>
+      </a:lnRef>
+      <a:fillRef idx="1">
+        <a:scrgbClr r="0" g="0" b="0"/>
+      </a:fillRef>
+      <a:effectRef idx="0">
+        <a:scrgbClr r="0" g="0" b="0"/>
+      </a:effectRef>
+      <a:fontRef idx="minor">
+        <a:schemeClr val="tx1"/>
+      </a:fontRef>
+    </dgm:style>
+  </dgm:styleLbl>
+  <dgm:styleLbl name="alignNode1">
+    <dgm:scene3d>
+      <a:camera prst="orthographicFront"/>
+      <a:lightRig rig="threePt" dir="t"/>
+    </dgm:scene3d>
+    <dgm:sp3d/>
+    <dgm:txPr/>
+    <dgm:style>
+      <a:lnRef idx="2">
+        <a:scrgbClr r="0" g="0" b="0"/>
+      </a:lnRef>
+      <a:fillRef idx="1">
+        <a:scrgbClr r="0" g="0" b="0"/>
+      </a:fillRef>
+      <a:effectRef idx="0">
+        <a:scrgbClr r="0" g="0" b="0"/>
+      </a:effectRef>
+      <a:fontRef idx="minor">
+        <a:schemeClr val="lt1"/>
+      </a:fontRef>
+    </dgm:style>
+  </dgm:styleLbl>
+  <dgm:styleLbl name="node1">
+    <dgm:scene3d>
+      <a:camera prst="orthographicFront"/>
+      <a:lightRig rig="threePt" dir="t"/>
+    </dgm:scene3d>
+    <dgm:sp3d/>
+    <dgm:txPr/>
+    <dgm:style>
+      <a:lnRef idx="2">
+        <a:scrgbClr r="0" g="0" b="0"/>
+      </a:lnRef>
+      <a:fillRef idx="1">
+        <a:scrgbClr r="0" g="0" b="0"/>
+      </a:fillRef>
+      <a:effectRef idx="0">
+        <a:scrgbClr r="0" g="0" b="0"/>
+      </a:effectRef>
+      <a:fontRef idx="minor">
+        <a:schemeClr val="lt1"/>
+      </a:fontRef>
+    </dgm:style>
+  </dgm:styleLbl>
+  <dgm:styleLbl name="node2">
+    <dgm:scene3d>
+      <a:camera prst="orthographicFront"/>
+      <a:lightRig rig="threePt" dir="t"/>
+    </dgm:scene3d>
+    <dgm:sp3d/>
+    <dgm:txPr/>
+    <dgm:style>
+      <a:lnRef idx="2">
+        <a:scrgbClr r="0" g="0" b="0"/>
+      </a:lnRef>
+      <a:fillRef idx="1">
+        <a:scrgbClr r="0" g="0" b="0"/>
+      </a:fillRef>
+      <a:effectRef idx="0">
+        <a:scrgbClr r="0" g="0" b="0"/>
+      </a:effectRef>
+      <a:fontRef idx="minor">
+        <a:schemeClr val="lt1"/>
+      </a:fontRef>
+    </dgm:style>
+  </dgm:styleLbl>
+  <dgm:styleLbl name="node3">
+    <dgm:scene3d>
+      <a:camera prst="orthographicFront"/>
+      <a:lightRig rig="threePt" dir="t"/>
+    </dgm:scene3d>
+    <dgm:sp3d/>
+    <dgm:txPr/>
+    <dgm:style>
+      <a:lnRef idx="2">
+        <a:scrgbClr r="0" g="0" b="0"/>
+      </a:lnRef>
+      <a:fillRef idx="1">
+        <a:scrgbClr r="0" g="0" b="0"/>
+      </a:fillRef>
+      <a:effectRef idx="0">
+        <a:scrgbClr r="0" g="0" b="0"/>
+      </a:effectRef>
+      <a:fontRef idx="minor">
+        <a:schemeClr val="lt1"/>
+      </a:fontRef>
+    </dgm:style>
+  </dgm:styleLbl>
+  <dgm:styleLbl name="node4">
+    <dgm:scene3d>
+      <a:camera prst="orthographicFront"/>
+      <a:lightRig rig="threePt" dir="t"/>
+    </dgm:scene3d>
+    <dgm:sp3d/>
+    <dgm:txPr/>
+    <dgm:style>
+      <a:lnRef idx="2">
+        <a:scrgbClr r="0" g="0" b="0"/>
+      </a:lnRef>
+      <a:fillRef idx="1">
+        <a:scrgbClr r="0" g="0" b="0"/>
+      </a:fillRef>
+      <a:effectRef idx="0">
+        <a:scrgbClr r="0" g="0" b="0"/>
+      </a:effectRef>
+      <a:fontRef idx="minor">
+        <a:schemeClr val="lt1"/>
+      </a:fontRef>
+    </dgm:style>
+  </dgm:styleLbl>
+  <dgm:styleLbl name="fgImgPlace1">
+    <dgm:scene3d>
+      <a:camera prst="orthographicFront"/>
+      <a:lightRig rig="threePt" dir="t"/>
+    </dgm:scene3d>
+    <dgm:sp3d/>
+    <dgm:txPr/>
+    <dgm:style>
+      <a:lnRef idx="2">
+        <a:scrgbClr r="0" g="0" b="0"/>
+      </a:lnRef>
+      <a:fillRef idx="1">
+        <a:scrgbClr r="0" g="0" b="0"/>
+      </a:fillRef>
+      <a:effectRef idx="0">
+        <a:scrgbClr r="0" g="0" b="0"/>
+      </a:effectRef>
+      <a:fontRef idx="minor"/>
+    </dgm:style>
+  </dgm:styleLbl>
+  <dgm:styleLbl name="alignImgPlace1">
+    <dgm:scene3d>
+      <a:camera prst="orthographicFront"/>
+      <a:lightRig rig="threePt" dir="t"/>
+    </dgm:scene3d>
+    <dgm:sp3d/>
+    <dgm:txPr/>
+    <dgm:style>
+      <a:lnRef idx="2">
+        <a:scrgbClr r="0" g="0" b="0"/>
+      </a:lnRef>
+      <a:fillRef idx="1">
+        <a:scrgbClr r="0" g="0" b="0"/>
+      </a:fillRef>
+      <a:effectRef idx="0">
+        <a:scrgbClr r="0" g="0" b="0"/>
+      </a:effectRef>
+      <a:fontRef idx="minor"/>
+    </dgm:style>
+  </dgm:styleLbl>
+  <dgm:styleLbl name="bgImgPlace1">
+    <dgm:scene3d>
+      <a:camera prst="orthographicFront"/>
+      <a:lightRig rig="threePt" dir="t"/>
+    </dgm:scene3d>
+    <dgm:sp3d/>
+    <dgm:txPr/>
+    <dgm:style>
+      <a:lnRef idx="2">
+        <a:scrgbClr r="0" g="0" b="0"/>
+      </a:lnRef>
+      <a:fillRef idx="1">
+        <a:scrgbClr r="0" g="0" b="0"/>
+      </a:fillRef>
+      <a:effectRef idx="0">
+        <a:scrgbClr r="0" g="0" b="0"/>
+      </a:effectRef>
+      <a:fontRef idx="minor"/>
+    </dgm:style>
+  </dgm:styleLbl>
+  <dgm:styleLbl name="sibTrans2D1">
+    <dgm:scene3d>
+      <a:camera prst="orthographicFront"/>
+      <a:lightRig rig="threePt" dir="t"/>
+    </dgm:scene3d>
+    <dgm:sp3d/>
+    <dgm:txPr/>
+    <dgm:style>
+      <a:lnRef idx="0">
+        <a:scrgbClr r="0" g="0" b="0"/>
+      </a:lnRef>
+      <a:fillRef idx="1">
+        <a:scrgbClr r="0" g="0" b="0"/>
+      </a:fillRef>
+      <a:effectRef idx="0">
+        <a:scrgbClr r="0" g="0" b="0"/>
+      </a:effectRef>
+      <a:fontRef idx="minor">
+        <a:schemeClr val="lt1"/>
+      </a:fontRef>
+    </dgm:style>
+  </dgm:styleLbl>
+  <dgm:styleLbl name="fgSibTrans2D1">
+    <dgm:scene3d>
+      <a:camera prst="orthographicFront"/>
+      <a:lightRig rig="threePt" dir="t"/>
+    </dgm:scene3d>
+    <dgm:sp3d/>
+    <dgm:txPr/>
+    <dgm:style>
+      <a:lnRef idx="0">
+        <a:scrgbClr r="0" g="0" b="0"/>
+      </a:lnRef>
+      <a:fillRef idx="1">
+        <a:scrgbClr r="0" g="0" b="0"/>
+      </a:fillRef>
+      <a:effectRef idx="0">
+        <a:scrgbClr r="0" g="0" b="0"/>
+      </a:effectRef>
+      <a:fontRef idx="minor">
+        <a:schemeClr val="lt1"/>
+      </a:fontRef>
+    </dgm:style>
+  </dgm:styleLbl>
+  <dgm:styleLbl name="bgSibTrans2D1">
+    <dgm:scene3d>
+      <a:camera prst="orthographicFront"/>
+      <a:lightRig rig="threePt" dir="t"/>
+    </dgm:scene3d>
+    <dgm:sp3d/>
+    <dgm:txPr/>
+    <dgm:style>
+      <a:lnRef idx="0">
+        <a:scrgbClr r="0" g="0" b="0"/>
+      </a:lnRef>
+      <a:fillRef idx="1">
+        <a:scrgbClr r="0" g="0" b="0"/>
+      </a:fillRef>
+      <a:effectRef idx="0">
+        <a:scrgbClr r="0" g="0" b="0"/>
+      </a:effectRef>
+      <a:fontRef idx="minor">
+        <a:schemeClr val="lt1"/>
+      </a:fontRef>
+    </dgm:style>
+  </dgm:styleLbl>
+  <dgm:styleLbl name="sibTrans1D1">
+    <dgm:scene3d>
+      <a:camera prst="orthographicFront"/>
+      <a:lightRig rig="threePt" dir="t"/>
+    </dgm:scene3d>
+    <dgm:sp3d/>
+    <dgm:txPr/>
+    <dgm:style>
+      <a:lnRef idx="1">
+        <a:scrgbClr r="0" g="0" b="0"/>
+      </a:lnRef>
+      <a:fillRef idx="0">
+        <a:scrgbClr r="0" g="0" b="0"/>
+      </a:fillRef>
+      <a:effectRef idx="0">
+        <a:scrgbClr r="0" g="0" b="0"/>
+      </a:effectRef>
+      <a:fontRef idx="minor"/>
+    </dgm:style>
+  </dgm:styleLbl>
+  <dgm:styleLbl name="callout">
+    <dgm:scene3d>
+      <a:camera prst="orthographicFront"/>
+      <a:lightRig rig="threePt" dir="t"/>
+    </dgm:scene3d>
+    <dgm:sp3d/>
+    <dgm:txPr/>
+    <dgm:style>
+      <a:lnRef idx="2">
+        <a:scrgbClr r="0" g="0" b="0"/>
+      </a:lnRef>
+      <a:fillRef idx="1">
+        <a:scrgbClr r="0" g="0" b="0"/>
+      </a:fillRef>
+      <a:effectRef idx="0">
+        <a:scrgbClr r="0" g="0" b="0"/>
+      </a:effectRef>
+      <a:fontRef idx="minor"/>
+    </dgm:style>
+  </dgm:styleLbl>
+  <dgm:styleLbl name="asst0">
+    <dgm:scene3d>
+      <a:camera prst="orthographicFront"/>
+      <a:lightRig rig="threePt" dir="t"/>
+    </dgm:scene3d>
+    <dgm:sp3d/>
+    <dgm:txPr/>
+    <dgm:style>
+      <a:lnRef idx="2">
+        <a:scrgbClr r="0" g="0" b="0"/>
+      </a:lnRef>
+      <a:fillRef idx="1">
+        <a:scrgbClr r="0" g="0" b="0"/>
+      </a:fillRef>
+      <a:effectRef idx="0">
+        <a:scrgbClr r="0" g="0" b="0"/>
+      </a:effectRef>
+      <a:fontRef idx="minor">
+        <a:schemeClr val="lt1"/>
+      </a:fontRef>
+    </dgm:style>
+  </dgm:styleLbl>
+  <dgm:styleLbl name="asst1">
+    <dgm:scene3d>
+      <a:camera prst="orthographicFront"/>
+      <a:lightRig rig="threePt" dir="t"/>
+    </dgm:scene3d>
+    <dgm:sp3d/>
+    <dgm:txPr/>
+    <dgm:style>
+      <a:lnRef idx="2">
+        <a:scrgbClr r="0" g="0" b="0"/>
+      </a:lnRef>
+      <a:fillRef idx="1">
+        <a:scrgbClr r="0" g="0" b="0"/>
+      </a:fillRef>
+      <a:effectRef idx="0">
+        <a:scrgbClr r="0" g="0" b="0"/>
+      </a:effectRef>
+      <a:fontRef idx="minor">
+        <a:schemeClr val="lt1"/>
+      </a:fontRef>
+    </dgm:style>
+  </dgm:styleLbl>
+  <dgm:styleLbl name="asst2">
+    <dgm:scene3d>
+      <a:camera prst="orthographicFront"/>
+      <a:lightRig rig="threePt" dir="t"/>
+    </dgm:scene3d>
+    <dgm:sp3d/>
+    <dgm:txPr/>
+    <dgm:style>
+      <a:lnRef idx="2">
+        <a:scrgbClr r="0" g="0" b="0"/>
+      </a:lnRef>
+      <a:fillRef idx="1">
+        <a:scrgbClr r="0" g="0" b="0"/>
+      </a:fillRef>
+      <a:effectRef idx="0">
+        <a:scrgbClr r="0" g="0" b="0"/>
+      </a:effectRef>
+      <a:fontRef idx="minor">
+        <a:schemeClr val="lt1"/>
+      </a:fontRef>
+    </dgm:style>
+  </dgm:styleLbl>
+  <dgm:styleLbl name="asst3">
+    <dgm:scene3d>
+      <a:camera prst="orthographicFront"/>
+      <a:lightRig rig="threePt" dir="t"/>
+    </dgm:scene3d>
+    <dgm:sp3d/>
+    <dgm:txPr/>
+    <dgm:style>
+      <a:lnRef idx="2">
+        <a:scrgbClr r="0" g="0" b="0"/>
+      </a:lnRef>
+      <a:fillRef idx="1">
+        <a:scrgbClr r="0" g="0" b="0"/>
+      </a:fillRef>
+      <a:effectRef idx="0">
+        <a:scrgbClr r="0" g="0" b="0"/>
+      </a:effectRef>
+      <a:fontRef idx="minor">
+        <a:schemeClr val="lt1"/>
+      </a:fontRef>
+    </dgm:style>
+  </dgm:styleLbl>
+  <dgm:styleLbl name="asst4">
+    <dgm:scene3d>
+      <a:camera prst="orthographicFront"/>
+      <a:lightRig rig="threePt" dir="t"/>
+    </dgm:scene3d>
+    <dgm:sp3d/>
+    <dgm:txPr/>
+    <dgm:style>
+      <a:lnRef idx="2">
+        <a:scrgbClr r="0" g="0" b="0"/>
+      </a:lnRef>
+      <a:fillRef idx="1">
+        <a:scrgbClr r="0" g="0" b="0"/>
+      </a:fillRef>
+      <a:effectRef idx="0">
+        <a:scrgbClr r="0" g="0" b="0"/>
+      </a:effectRef>
+      <a:fontRef idx="minor">
+        <a:schemeClr val="lt1"/>
+      </a:fontRef>
+    </dgm:style>
+  </dgm:styleLbl>
+  <dgm:styleLbl name="parChTrans2D1">
+    <dgm:scene3d>
+      <a:camera prst="orthographicFront"/>
+      <a:lightRig rig="threePt" dir="t"/>
+    </dgm:scene3d>
+    <dgm:sp3d/>
+    <dgm:txPr/>
+    <dgm:style>
+      <a:lnRef idx="2">
+        <a:scrgbClr r="0" g="0" b="0"/>
+      </a:lnRef>
+      <a:fillRef idx="1">
+        <a:scrgbClr r="0" g="0" b="0"/>
+      </a:fillRef>
+      <a:effectRef idx="0">
+        <a:scrgbClr r="0" g="0" b="0"/>
+      </a:effectRef>
+      <a:fontRef idx="minor">
+        <a:schemeClr val="lt1"/>
+      </a:fontRef>
+    </dgm:style>
+  </dgm:styleLbl>
+  <dgm:styleLbl name="parChTrans2D2">
+    <dgm:scene3d>
+      <a:camera prst="orthographicFront"/>
+      <a:lightRig rig="threePt" dir="t"/>
+    </dgm:scene3d>
+    <dgm:sp3d/>
+    <dgm:txPr/>
+    <dgm:style>
+      <a:lnRef idx="2">
+        <a:scrgbClr r="0" g="0" b="0"/>
+      </a:lnRef>
+      <a:fillRef idx="1">
+        <a:scrgbClr r="0" g="0" b="0"/>
+      </a:fillRef>
+      <a:effectRef idx="0">
+        <a:scrgbClr r="0" g="0" b="0"/>
+      </a:effectRef>
+      <a:fontRef idx="minor">
+        <a:schemeClr val="lt1"/>
+      </a:fontRef>
+    </dgm:style>
+  </dgm:styleLbl>
+  <dgm:styleLbl name="parChTrans2D3">
+    <dgm:scene3d>
+      <a:camera prst="orthographicFront"/>
+      <a:lightRig rig="threePt" dir="t"/>
+    </dgm:scene3d>
+    <dgm:sp3d/>
+    <dgm:txPr/>
+    <dgm:style>
+      <a:lnRef idx="2">
+        <a:scrgbClr r="0" g="0" b="0"/>
+      </a:lnRef>
+      <a:fillRef idx="1">
+        <a:scrgbClr r="0" g="0" b="0"/>
+      </a:fillRef>
+      <a:effectRef idx="0">
+        <a:scrgbClr r="0" g="0" b="0"/>
+      </a:effectRef>
+      <a:fontRef idx="minor">
+        <a:schemeClr val="lt1"/>
+      </a:fontRef>
+    </dgm:style>
+  </dgm:styleLbl>
+  <dgm:styleLbl name="parChTrans2D4">
+    <dgm:scene3d>
+      <a:camera prst="orthographicFront"/>
+      <a:lightRig rig="threePt" dir="t"/>
+    </dgm:scene3d>
+    <dgm:sp3d/>
+    <dgm:txPr/>
+    <dgm:style>
+      <a:lnRef idx="2">
+        <a:scrgbClr r="0" g="0" b="0"/>
+      </a:lnRef>
+      <a:fillRef idx="1">
+        <a:scrgbClr r="0" g="0" b="0"/>
+      </a:fillRef>
+      <a:effectRef idx="0">
+        <a:scrgbClr r="0" g="0" b="0"/>
+      </a:effectRef>
+      <a:fontRef idx="minor">
+        <a:schemeClr val="lt1"/>
+      </a:fontRef>
+    </dgm:style>
+  </dgm:styleLbl>
+  <dgm:styleLbl name="parChTrans1D1">
+    <dgm:scene3d>
+      <a:camera prst="orthographicFront"/>
+      <a:lightRig rig="threePt" dir="t"/>
+    </dgm:scene3d>
+    <dgm:sp3d/>
+    <dgm:txPr/>
+    <dgm:style>
+      <a:lnRef idx="2">
+        <a:scrgbClr r="0" g="0" b="0"/>
+      </a:lnRef>
+      <a:fillRef idx="0">
+        <a:scrgbClr r="0" g="0" b="0"/>
+      </a:fillRef>
+      <a:effectRef idx="0">
+        <a:scrgbClr r="0" g="0" b="0"/>
+      </a:effectRef>
+      <a:fontRef idx="minor"/>
+    </dgm:style>
+  </dgm:styleLbl>
+  <dgm:styleLbl name="parChTrans1D2">
+    <dgm:scene3d>
+      <a:camera prst="orthographicFront"/>
+      <a:lightRig rig="threePt" dir="t"/>
+    </dgm:scene3d>
+    <dgm:sp3d/>
+    <dgm:txPr/>
+    <dgm:style>
+      <a:lnRef idx="2">
+        <a:scrgbClr r="0" g="0" b="0"/>
+      </a:lnRef>
+      <a:fillRef idx="0">
+        <a:scrgbClr r="0" g="0" b="0"/>
+      </a:fillRef>
+      <a:effectRef idx="0">
+        <a:scrgbClr r="0" g="0" b="0"/>
+      </a:effectRef>
+      <a:fontRef idx="minor"/>
+    </dgm:style>
+  </dgm:styleLbl>
+  <dgm:styleLbl name="parChTrans1D3">
+    <dgm:scene3d>
+      <a:camera prst="orthographicFront"/>
+      <a:lightRig rig="threePt" dir="t"/>
+    </dgm:scene3d>
+    <dgm:sp3d/>
+    <dgm:txPr/>
+    <dgm:style>
+      <a:lnRef idx="2">
+        <a:scrgbClr r="0" g="0" b="0"/>
+      </a:lnRef>
+      <a:fillRef idx="0">
+        <a:scrgbClr r="0" g="0" b="0"/>
+      </a:fillRef>
+      <a:effectRef idx="0">
+        <a:scrgbClr r="0" g="0" b="0"/>
+      </a:effectRef>
+      <a:fontRef idx="minor"/>
+    </dgm:style>
+  </dgm:styleLbl>
+  <dgm:styleLbl name="parChTrans1D4">
+    <dgm:scene3d>
+      <a:camera prst="orthographicFront"/>
+      <a:lightRig rig="threePt" dir="t"/>
+    </dgm:scene3d>
+    <dgm:sp3d/>
+    <dgm:txPr/>
+    <dgm:style>
+      <a:lnRef idx="2">
+        <a:scrgbClr r="0" g="0" b="0"/>
+      </a:lnRef>
+      <a:fillRef idx="0">
+        <a:scrgbClr r="0" g="0" b="0"/>
+      </a:fillRef>
+      <a:effectRef idx="0">
+        <a:scrgbClr r="0" g="0" b="0"/>
+      </a:effectRef>
+      <a:fontRef idx="minor"/>
+    </dgm:style>
+  </dgm:styleLbl>
+  <dgm:styleLbl name="fgAcc1">
+    <dgm:scene3d>
+      <a:camera prst="orthographicFront"/>
+      <a:lightRig rig="threePt" dir="t"/>
+    </dgm:scene3d>
+    <dgm:sp3d/>
+    <dgm:txPr/>
+    <dgm:style>
+      <a:lnRef idx="2">
+        <a:scrgbClr r="0" g="0" b="0"/>
+      </a:lnRef>
+      <a:fillRef idx="1">
+        <a:scrgbClr r="0" g="0" b="0"/>
+      </a:fillRef>
+      <a:effectRef idx="0">
+        <a:scrgbClr r="0" g="0" b="0"/>
+      </a:effectRef>
+      <a:fontRef idx="minor"/>
+    </dgm:style>
+  </dgm:styleLbl>
+  <dgm:styleLbl name="conFgAcc1">
+    <dgm:scene3d>
+      <a:camera prst="orthographicFront"/>
+      <a:lightRig rig="threePt" dir="t"/>
+    </dgm:scene3d>
+    <dgm:sp3d/>
+    <dgm:txPr/>
+    <dgm:style>
+      <a:lnRef idx="2">
+        <a:scrgbClr r="0" g="0" b="0"/>
+      </a:lnRef>
+      <a:fillRef idx="1">
+        <a:scrgbClr r="0" g="0" b="0"/>
+      </a:fillRef>
+      <a:effectRef idx="0">
+        <a:scrgbClr r="0" g="0" b="0"/>
+      </a:effectRef>
+      <a:fontRef idx="minor"/>
+    </dgm:style>
+  </dgm:styleLbl>
+  <dgm:styleLbl name="alignAcc1">
+    <dgm:scene3d>
+      <a:camera prst="orthographicFront"/>
+      <a:lightRig rig="threePt" dir="t"/>
+    </dgm:scene3d>
+    <dgm:sp3d/>
+    <dgm:txPr/>
+    <dgm:style>
+      <a:lnRef idx="2">
+        <a:scrgbClr r="0" g="0" b="0"/>
+      </a:lnRef>
+      <a:fillRef idx="1">
+        <a:scrgbClr r="0" g="0" b="0"/>
+      </a:fillRef>
+      <a:effectRef idx="0">
+        <a:scrgbClr r="0" g="0" b="0"/>
+      </a:effectRef>
+      <a:fontRef idx="minor"/>
+    </dgm:style>
+  </dgm:styleLbl>
+  <dgm:styleLbl name="trAlignAcc1">
+    <dgm:scene3d>
+      <a:camera prst="orthographicFront"/>
+      <a:lightRig rig="threePt" dir="t"/>
+    </dgm:scene3d>
+    <dgm:sp3d/>
+    <dgm:txPr/>
+    <dgm:style>
+      <a:lnRef idx="1">
+        <a:scrgbClr r="0" g="0" b="0"/>
+      </a:lnRef>
+      <a:fillRef idx="1">
+        <a:scrgbClr r="0" g="0" b="0"/>
+      </a:fillRef>
+      <a:effectRef idx="0">
+        <a:scrgbClr r="0" g="0" b="0"/>
+      </a:effectRef>
+      <a:fontRef idx="minor"/>
+    </dgm:style>
+  </dgm:styleLbl>
+  <dgm:styleLbl name="bgAcc1">
+    <dgm:scene3d>
+      <a:camera prst="orthographicFront"/>
+      <a:lightRig rig="threePt" dir="t"/>
+    </dgm:scene3d>
+    <dgm:sp3d/>
+    <dgm:txPr/>
+    <dgm:style>
+      <a:lnRef idx="2">
+        <a:scrgbClr r="0" g="0" b="0"/>
+      </a:lnRef>
+      <a:fillRef idx="1">
+        <a:scrgbClr r="0" g="0" b="0"/>
+      </a:fillRef>
+      <a:effectRef idx="0">
+        <a:scrgbClr r="0" g="0" b="0"/>
+      </a:effectRef>
+      <a:fontRef idx="minor"/>
+    </dgm:style>
+  </dgm:styleLbl>
+  <dgm:styleLbl name="solidFgAcc1">
+    <dgm:scene3d>
+      <a:camera prst="orthographicFront"/>
+      <a:lightRig rig="threePt" dir="t"/>
+    </dgm:scene3d>
+    <dgm:sp3d/>
+    <dgm:txPr/>
+    <dgm:style>
+      <a:lnRef idx="2">
+        <a:scrgbClr r="0" g="0" b="0"/>
+      </a:lnRef>
+      <a:fillRef idx="1">
+        <a:scrgbClr r="0" g="0" b="0"/>
+      </a:fillRef>
+      <a:effectRef idx="0">
+        <a:scrgbClr r="0" g="0" b="0"/>
+      </a:effectRef>
+      <a:fontRef idx="minor"/>
+    </dgm:style>
+  </dgm:styleLbl>
+  <dgm:styleLbl name="solidAlignAcc1">
+    <dgm:scene3d>
+      <a:camera prst="orthographicFront"/>
+      <a:lightRig rig="threePt" dir="t"/>
+    </dgm:scene3d>
+    <dgm:sp3d/>
+    <dgm:txPr/>
+    <dgm:style>
+      <a:lnRef idx="2">
+        <a:scrgbClr r="0" g="0" b="0"/>
+      </a:lnRef>
+      <a:fillRef idx="1">
+        <a:scrgbClr r="0" g="0" b="0"/>
+      </a:fillRef>
+      <a:effectRef idx="0">
+        <a:scrgbClr r="0" g="0" b="0"/>
+      </a:effectRef>
+      <a:fontRef idx="minor"/>
+    </dgm:style>
+  </dgm:styleLbl>
+  <dgm:styleLbl name="solidBgAcc1">
+    <dgm:scene3d>
+      <a:camera prst="orthographicFront"/>
+      <a:lightRig rig="threePt" dir="t"/>
+    </dgm:scene3d>
+    <dgm:sp3d/>
+    <dgm:txPr/>
+    <dgm:style>
+      <a:lnRef idx="2">
+        <a:scrgbClr r="0" g="0" b="0"/>
+      </a:lnRef>
+      <a:fillRef idx="1">
+        <a:scrgbClr r="0" g="0" b="0"/>
+      </a:fillRef>
+      <a:effectRef idx="0">
+        <a:scrgbClr r="0" g="0" b="0"/>
+      </a:effectRef>
+      <a:fontRef idx="minor"/>
+    </dgm:style>
+  </dgm:styleLbl>
+  <dgm:styleLbl name="fgAccFollowNode1">
+    <dgm:scene3d>
+      <a:camera prst="orthographicFront"/>
+      <a:lightRig rig="threePt" dir="t"/>
+    </dgm:scene3d>
+    <dgm:sp3d/>
+    <dgm:txPr/>
+    <dgm:style>
+      <a:lnRef idx="2">
+        <a:scrgbClr r="0" g="0" b="0"/>
+      </a:lnRef>
+      <a:fillRef idx="1">
+        <a:scrgbClr r="0" g="0" b="0"/>
+      </a:fillRef>
+      <a:effectRef idx="0">
+        <a:scrgbClr r="0" g="0" b="0"/>
+      </a:effectRef>
+      <a:fontRef idx="minor"/>
+    </dgm:style>
+  </dgm:styleLbl>
+  <dgm:styleLbl name="alignAccFollowNode1">
+    <dgm:scene3d>
+      <a:camera prst="orthographicFront"/>
+      <a:lightRig rig="threePt" dir="t"/>
+    </dgm:scene3d>
+    <dgm:sp3d/>
+    <dgm:txPr/>
+    <dgm:style>
+      <a:lnRef idx="2">
+        <a:scrgbClr r="0" g="0" b="0"/>
+      </a:lnRef>
+      <a:fillRef idx="1">
+        <a:scrgbClr r="0" g="0" b="0"/>
+      </a:fillRef>
+      <a:effectRef idx="0">
+        <a:scrgbClr r="0" g="0" b="0"/>
+      </a:effectRef>
+      <a:fontRef idx="minor"/>
+    </dgm:style>
+  </dgm:styleLbl>
+  <dgm:styleLbl name="bgAccFollowNode1">
+    <dgm:scene3d>
+      <a:camera prst="orthographicFront"/>
+      <a:lightRig rig="threePt" dir="t"/>
+    </dgm:scene3d>
+    <dgm:sp3d/>
+    <dgm:txPr/>
+    <dgm:style>
+      <a:lnRef idx="2">
+        <a:scrgbClr r="0" g="0" b="0"/>
+      </a:lnRef>
+      <a:fillRef idx="1">
+        <a:scrgbClr r="0" g="0" b="0"/>
+      </a:fillRef>
+      <a:effectRef idx="0">
+        <a:scrgbClr r="0" g="0" b="0"/>
+      </a:effectRef>
+      <a:fontRef idx="minor"/>
+    </dgm:style>
+  </dgm:styleLbl>
+  <dgm:styleLbl name="fgAcc0">
+    <dgm:scene3d>
+      <a:camera prst="orthographicFront"/>
+      <a:lightRig rig="threePt" dir="t"/>
+    </dgm:scene3d>
+    <dgm:sp3d/>
+    <dgm:txPr/>
+    <dgm:style>
+      <a:lnRef idx="2">
+        <a:scrgbClr r="0" g="0" b="0"/>
+      </a:lnRef>
+      <a:fillRef idx="1">
+        <a:scrgbClr r="0" g="0" b="0"/>
+      </a:fillRef>
+      <a:effectRef idx="0">
+        <a:scrgbClr r="0" g="0" b="0"/>
+      </a:effectRef>
+      <a:fontRef idx="minor"/>
+    </dgm:style>
+  </dgm:styleLbl>
+  <dgm:styleLbl name="fgAcc2">
+    <dgm:scene3d>
+      <a:camera prst="orthographicFront"/>
+      <a:lightRig rig="threePt" dir="t"/>
+    </dgm:scene3d>
+    <dgm:sp3d/>
+    <dgm:txPr/>
+    <dgm:style>
+      <a:lnRef idx="2">
+        <a:scrgbClr r="0" g="0" b="0"/>
+      </a:lnRef>
+      <a:fillRef idx="1">
+        <a:scrgbClr r="0" g="0" b="0"/>
+      </a:fillRef>
+      <a:effectRef idx="0">
+        <a:scrgbClr r="0" g="0" b="0"/>
+      </a:effectRef>
+      <a:fontRef idx="minor"/>
+    </dgm:style>
+  </dgm:styleLbl>
+  <dgm:styleLbl name="fgAcc3">
+    <dgm:scene3d>
+      <a:camera prst="orthographicFront"/>
+      <a:lightRig rig="threePt" dir="t"/>
+    </dgm:scene3d>
+    <dgm:sp3d/>
+    <dgm:txPr/>
+    <dgm:style>
+      <a:lnRef idx="2">
+        <a:scrgbClr r="0" g="0" b="0"/>
+      </a:lnRef>
+      <a:fillRef idx="1">
+        <a:scrgbClr r="0" g="0" b="0"/>
+      </a:fillRef>
+      <a:effectRef idx="0">
+        <a:scrgbClr r="0" g="0" b="0"/>
+      </a:effectRef>
+      <a:fontRef idx="minor"/>
+    </dgm:style>
+  </dgm:styleLbl>
+  <dgm:styleLbl name="fgAcc4">
+    <dgm:scene3d>
+      <a:camera prst="orthographicFront"/>
+      <a:lightRig rig="threePt" dir="t"/>
+    </dgm:scene3d>
+    <dgm:sp3d/>
+    <dgm:txPr/>
+    <dgm:style>
+      <a:lnRef idx="2">
+        <a:scrgbClr r="0" g="0" b="0"/>
+      </a:lnRef>
+      <a:fillRef idx="1">
+        <a:scrgbClr r="0" g="0" b="0"/>
+      </a:fillRef>
+      <a:effectRef idx="0">
+        <a:scrgbClr r="0" g="0" b="0"/>
+      </a:effectRef>
+      <a:fontRef idx="minor"/>
+    </dgm:style>
+  </dgm:styleLbl>
+  <dgm:styleLbl name="bgShp">
+    <dgm:scene3d>
+      <a:camera prst="orthographicFront"/>
+      <a:lightRig rig="threePt" dir="t"/>
+    </dgm:scene3d>
+    <dgm:sp3d/>
+    <dgm:txPr/>
+    <dgm:style>
+      <a:lnRef idx="0">
+        <a:scrgbClr r="0" g="0" b="0"/>
+      </a:lnRef>
+      <a:fillRef idx="1">
+        <a:scrgbClr r="0" g="0" b="0"/>
+      </a:fillRef>
+      <a:effectRef idx="0">
+        <a:scrgbClr r="0" g="0" b="0"/>
+      </a:effectRef>
+      <a:fontRef idx="minor"/>
+    </dgm:style>
+  </dgm:styleLbl>
+  <dgm:styleLbl name="dkBgShp">
+    <dgm:scene3d>
+      <a:camera prst="orthographicFront"/>
+      <a:lightRig rig="threePt" dir="t"/>
+    </dgm:scene3d>
+    <dgm:sp3d/>
+    <dgm:txPr/>
+    <dgm:style>
+      <a:lnRef idx="0">
+        <a:scrgbClr r="0" g="0" b="0"/>
+      </a:lnRef>
+      <a:fillRef idx="1">
+        <a:scrgbClr r="0" g="0" b="0"/>
+      </a:fillRef>
+      <a:effectRef idx="0">
+        <a:scrgbClr r="0" g="0" b="0"/>
+      </a:effectRef>
+      <a:fontRef idx="minor"/>
+    </dgm:style>
+  </dgm:styleLbl>
+  <dgm:styleLbl name="trBgShp">
+    <dgm:scene3d>
+      <a:camera prst="orthographicFront"/>
+      <a:lightRig rig="threePt" dir="t"/>
+    </dgm:scene3d>
+    <dgm:sp3d/>
+    <dgm:txPr/>
+    <dgm:style>
+      <a:lnRef idx="0">
+        <a:scrgbClr r="0" g="0" b="0"/>
+      </a:lnRef>
+      <a:fillRef idx="1">
+        <a:scrgbClr r="0" g="0" b="0"/>
+      </a:fillRef>
+      <a:effectRef idx="0">
+        <a:scrgbClr r="0" g="0" b="0"/>
+      </a:effectRef>
+      <a:fontRef idx="minor"/>
+    </dgm:style>
+  </dgm:styleLbl>
+  <dgm:styleLbl name="fgShp">
+    <dgm:scene3d>
+      <a:camera prst="orthographicFront"/>
+      <a:lightRig rig="threePt" dir="t"/>
+    </dgm:scene3d>
+    <dgm:sp3d/>
+    <dgm:txPr/>
+    <dgm:style>
+      <a:lnRef idx="2">
+        <a:scrgbClr r="0" g="0" b="0"/>
+      </a:lnRef>
+      <a:fillRef idx="1">
+        <a:scrgbClr r="0" g="0" b="0"/>
+      </a:fillRef>
+      <a:effectRef idx="0">
+        <a:scrgbClr r="0" g="0" b="0"/>
+      </a:effectRef>
+      <a:fontRef idx="minor"/>
+    </dgm:style>
+  </dgm:styleLbl>
+  <dgm:styleLbl name="revTx">
+    <dgm:scene3d>
+      <a:camera prst="orthographicFront"/>
+      <a:lightRig rig="threePt" dir="t"/>
+    </dgm:scene3d>
+    <dgm:sp3d/>
+    <dgm:txPr/>
+    <dgm:style>
+      <a:lnRef idx="0">
+        <a:scrgbClr r="0" g="0" b="0"/>
+      </a:lnRef>
+      <a:fillRef idx="0">
+        <a:scrgbClr r="0" g="0" b="0"/>
+      </a:fillRef>
+      <a:effectRef idx="0">
+        <a:scrgbClr r="0" g="0" b="0"/>
+      </a:effectRef>
+      <a:fontRef idx="minor"/>
+    </dgm:style>
+  </dgm:styleLbl>
+</dgm:styleDef>
 </file>
 
 <file path=ppt/slideLayouts/slideLayout1.xml><?xml version="1.0" encoding="utf-8"?>
@@ -3210,16 +6312,25 @@
             <p:ph type="ctrTitle"/>
           </p:nvPr>
         </p:nvSpPr>
-        <p:spPr/>
+        <p:spPr>
+          <a:xfrm>
+            <a:off x="685800" y="1828800"/>
+            <a:ext cx="7543800" cy="2593975"/>
+          </a:xfrm>
+        </p:spPr>
         <p:txBody>
           <a:bodyPr/>
           <a:lstStyle/>
           <a:p>
             <a:r>
-              <a:rPr lang="en-US" dirty="0" smtClean="0"/>
-              <a:t>FSC Model</a:t>
-            </a:r>
-            <a:endParaRPr lang="en-US" dirty="0"/>
+              <a:rPr lang="en-US" sz="5400" dirty="0" smtClean="0"/>
+              <a:t>Fuel Supply Chain </a:t>
+            </a:r>
+            <a:r>
+              <a:rPr lang="en-US" sz="5400" dirty="0" smtClean="0"/>
+              <a:t>Model</a:t>
+            </a:r>
+            <a:endParaRPr lang="en-US" sz="5400" dirty="0"/>
           </a:p>
         </p:txBody>
       </p:sp>
@@ -3291,6 +6402,7 @@
           <a:bodyPr/>
           <a:lstStyle/>
           <a:p>
+            <a:pPr algn="ctr"/>
             <a:r>
               <a:rPr lang="en-US" dirty="0" smtClean="0"/>
               <a:t>Overall Structure</a:t>
@@ -3299,56 +6411,28 @@
           </a:p>
         </p:txBody>
       </p:sp>
-      <p:sp>
-        <p:nvSpPr>
-          <p:cNvPr id="3" name="Content Placeholder 2"/>
-          <p:cNvSpPr>
-            <a:spLocks noGrp="1"/>
-          </p:cNvSpPr>
-          <p:nvPr>
-            <p:ph idx="1"/>
-          </p:nvPr>
-        </p:nvSpPr>
-        <p:spPr/>
-        <p:txBody>
-          <a:bodyPr/>
-          <a:lstStyle/>
-          <a:p>
-            <a:r>
-              <a:rPr lang="en-US" dirty="0" smtClean="0"/>
-              <a:t>Input is read from a 5-sheet input spreadsheet</a:t>
-            </a:r>
-          </a:p>
-          <a:p>
-            <a:r>
-              <a:rPr lang="en-US" dirty="0" smtClean="0"/>
-              <a:t>Modeling is performed in a Python program utilizing </a:t>
-            </a:r>
-            <a:r>
-              <a:rPr lang="en-US" dirty="0" err="1" smtClean="0"/>
-              <a:t>Pyomo</a:t>
-            </a:r>
-            <a:r>
-              <a:rPr lang="en-US" dirty="0" smtClean="0"/>
-              <a:t> for model construction and </a:t>
-            </a:r>
-            <a:r>
-              <a:rPr lang="en-US" dirty="0" err="1" smtClean="0"/>
-              <a:t>Gurobi</a:t>
-            </a:r>
-            <a:r>
-              <a:rPr lang="en-US" dirty="0" smtClean="0"/>
-              <a:t> for model solving</a:t>
-            </a:r>
-          </a:p>
-          <a:p>
-            <a:r>
-              <a:rPr lang="en-US" dirty="0" smtClean="0"/>
-              <a:t>Output is stored in an output spreadsheet</a:t>
-            </a:r>
-          </a:p>
-        </p:txBody>
-      </p:sp>
+      <p:graphicFrame>
+        <p:nvGraphicFramePr>
+          <p:cNvPr id="4" name="Diagram 3"/>
+          <p:cNvGraphicFramePr/>
+          <p:nvPr>
+            <p:extLst>
+              <p:ext uri="{D42A27DB-BD31-4B8C-83A1-F6EECF244321}">
+                <p14:modId xmlns:p14="http://schemas.microsoft.com/office/powerpoint/2010/main" val="3582958760"/>
+              </p:ext>
+            </p:extLst>
+          </p:nvPr>
+        </p:nvGraphicFramePr>
+        <p:xfrm>
+          <a:off x="990600" y="1346200"/>
+          <a:ext cx="6705600" cy="5207000"/>
+        </p:xfrm>
+        <a:graphic>
+          <a:graphicData uri="http://schemas.openxmlformats.org/drawingml/2006/diagram">
+            <dgm:relIds xmlns:dgm="http://schemas.openxmlformats.org/drawingml/2006/diagram" xmlns:r="http://schemas.openxmlformats.org/officeDocument/2006/relationships" r:dm="rId2" r:lo="rId3" r:qs="rId4" r:cs="rId5"/>
+          </a:graphicData>
+        </a:graphic>
+      </p:graphicFrame>
     </p:spTree>
     <p:extLst>
       <p:ext uri="{BB962C8B-B14F-4D97-AF65-F5344CB8AC3E}">
@@ -3740,19 +6824,8 @@
           <a:p>
             <a:r>
               <a:rPr lang="en-US" dirty="0" smtClean="0"/>
-              <a:t>Cost by fuel and CO2 by fuel are not currently implemented, but could be in the </a:t>
-            </a:r>
-            <a:r>
-              <a:rPr lang="en-US" dirty="0" smtClean="0"/>
-              <a:t>future</a:t>
-            </a:r>
-          </a:p>
-          <a:p>
-            <a:r>
-              <a:rPr lang="en-US" dirty="0" smtClean="0"/>
-              <a:t>Google Sheets</a:t>
-            </a:r>
-            <a:endParaRPr lang="en-US" dirty="0" smtClean="0"/>
+              <a:t>Cost by fuel and CO2 by fuel are not currently implemented, but could be in the future</a:t>
+            </a:r>
           </a:p>
           <a:p>
             <a:endParaRPr lang="en-US" dirty="0"/>

--- a/fscmodel presentation 130618.pptx
+++ b/fscmodel presentation 130618.pptx
@@ -1155,6 +1155,13 @@
         </dgm:presLayoutVars>
       </dgm:prSet>
       <dgm:spPr/>
+      <dgm:t>
+        <a:bodyPr/>
+        <a:lstStyle/>
+        <a:p>
+          <a:endParaRPr lang="en-US"/>
+        </a:p>
+      </dgm:t>
     </dgm:pt>
     <dgm:pt modelId="{BAAFC947-1A75-48A6-BDC0-46C3F1514A27}" type="pres">
       <dgm:prSet presAssocID="{647250F8-7F9B-4740-9275-27AB3CC6E499}" presName="boxAndChildren" presStyleCnt="0"/>
@@ -1163,10 +1170,24 @@
     <dgm:pt modelId="{4945D051-362B-494E-874E-841D294FA261}" type="pres">
       <dgm:prSet presAssocID="{647250F8-7F9B-4740-9275-27AB3CC6E499}" presName="parentTextBox" presStyleLbl="node1" presStyleIdx="0" presStyleCnt="3"/>
       <dgm:spPr/>
+      <dgm:t>
+        <a:bodyPr/>
+        <a:lstStyle/>
+        <a:p>
+          <a:endParaRPr lang="en-US"/>
+        </a:p>
+      </dgm:t>
     </dgm:pt>
     <dgm:pt modelId="{73DB2240-4B46-474B-8865-097799547DD1}" type="pres">
       <dgm:prSet presAssocID="{647250F8-7F9B-4740-9275-27AB3CC6E499}" presName="entireBox" presStyleLbl="node1" presStyleIdx="0" presStyleCnt="3"/>
       <dgm:spPr/>
+      <dgm:t>
+        <a:bodyPr/>
+        <a:lstStyle/>
+        <a:p>
+          <a:endParaRPr lang="en-US"/>
+        </a:p>
+      </dgm:t>
     </dgm:pt>
     <dgm:pt modelId="{9E8DD14C-126C-43F1-84F9-F83CEE3CB1E6}" type="pres">
       <dgm:prSet presAssocID="{647250F8-7F9B-4740-9275-27AB3CC6E499}" presName="descendantBox" presStyleCnt="0"/>
@@ -1287,22 +1308,22 @@
     </dgm:pt>
   </dgm:ptLst>
   <dgm:cxnLst>
+    <dgm:cxn modelId="{217F762E-9D96-4403-BB6A-DA9E031AC359}" type="presOf" srcId="{E07438AE-C096-4201-AF72-953A2A9A8421}" destId="{CC1FEBF8-32FA-4E1F-96D3-C79F4E9C112B}" srcOrd="0" destOrd="0" presId="urn:microsoft.com/office/officeart/2005/8/layout/process4"/>
+    <dgm:cxn modelId="{F560CDA1-0B21-41A5-9110-88ABC38C3DBE}" type="presOf" srcId="{9823583F-E0A0-4E88-A13E-0C5982E3D495}" destId="{EDCDDB6E-BDCC-401B-8426-EC30F75D841C}" srcOrd="0" destOrd="0" presId="urn:microsoft.com/office/officeart/2005/8/layout/process4"/>
+    <dgm:cxn modelId="{3E1DBA7B-13EA-4932-B3F1-3E3921BACD08}" type="presOf" srcId="{9823583F-E0A0-4E88-A13E-0C5982E3D495}" destId="{4551906C-F5BC-46EE-8AD4-9C2270498897}" srcOrd="1" destOrd="0" presId="urn:microsoft.com/office/officeart/2005/8/layout/process4"/>
+    <dgm:cxn modelId="{EAF627BC-3AAA-4997-9BE4-F56B1CA54298}" srcId="{D8972D83-7534-487F-90F1-38F4CF38F914}" destId="{9823583F-E0A0-4E88-A13E-0C5982E3D495}" srcOrd="1" destOrd="0" parTransId="{152A7BAD-AFEF-4358-9552-DC8948E53A0B}" sibTransId="{10C62146-6F25-4791-BD69-B8A8CAACA361}"/>
+    <dgm:cxn modelId="{3FFF0501-DD57-41BE-9BBE-8B4A3AE9D7F1}" type="presOf" srcId="{21ECD0AF-7CF9-4D1B-BC49-5EF135039634}" destId="{10C86234-54DD-439E-83C2-B670A086214C}" srcOrd="0" destOrd="0" presId="urn:microsoft.com/office/officeart/2005/8/layout/process4"/>
+    <dgm:cxn modelId="{0CAA70C0-4032-4BF6-A5FB-5C1ACB986EB6}" type="presOf" srcId="{E07438AE-C096-4201-AF72-953A2A9A8421}" destId="{928F6B9F-8134-4240-9783-CF653994FA86}" srcOrd="1" destOrd="0" presId="urn:microsoft.com/office/officeart/2005/8/layout/process4"/>
+    <dgm:cxn modelId="{2EAC3FD2-3374-4789-ADF6-878B7D882AEB}" type="presOf" srcId="{D8972D83-7534-487F-90F1-38F4CF38F914}" destId="{2C954C16-FA7F-42D1-9595-C42350C6846F}" srcOrd="0" destOrd="0" presId="urn:microsoft.com/office/officeart/2005/8/layout/process4"/>
+    <dgm:cxn modelId="{AC0B591D-AE52-457C-8D6B-34D088EBCE47}" type="presOf" srcId="{647250F8-7F9B-4740-9275-27AB3CC6E499}" destId="{4945D051-362B-494E-874E-841D294FA261}" srcOrd="0" destOrd="0" presId="urn:microsoft.com/office/officeart/2005/8/layout/process4"/>
+    <dgm:cxn modelId="{0D2F29ED-538D-40D9-A856-D87413D9ACDF}" srcId="{9823583F-E0A0-4E88-A13E-0C5982E3D495}" destId="{21ECD0AF-7CF9-4D1B-BC49-5EF135039634}" srcOrd="0" destOrd="0" parTransId="{BF574295-2333-4D42-8982-DD44F46D0ED0}" sibTransId="{018392B4-D6A1-4213-AD0D-C6DBAC58F852}"/>
+    <dgm:cxn modelId="{90EA3EE4-2AAD-4B20-A550-97EEDDB1BA42}" type="presOf" srcId="{A80A0390-61C8-42F0-A7CF-2C5E97D4FFC7}" destId="{C876CBB2-E766-4FE3-B12F-49ACCE41D7C6}" srcOrd="0" destOrd="0" presId="urn:microsoft.com/office/officeart/2005/8/layout/process4"/>
+    <dgm:cxn modelId="{B9A145D4-3D2C-4AB0-BA47-8725485A90B0}" srcId="{D8972D83-7534-487F-90F1-38F4CF38F914}" destId="{647250F8-7F9B-4740-9275-27AB3CC6E499}" srcOrd="2" destOrd="0" parTransId="{86AEB9EA-7EC4-4E8D-92B2-1F32DBEB9FF9}" sibTransId="{92790AC8-2917-41E9-A07B-D769665FB81E}"/>
+    <dgm:cxn modelId="{F290C630-7761-4107-A801-7A1DD01965F6}" srcId="{D8972D83-7534-487F-90F1-38F4CF38F914}" destId="{E07438AE-C096-4201-AF72-953A2A9A8421}" srcOrd="0" destOrd="0" parTransId="{1EB9BEDC-CBAE-4DFA-8A9D-B52F726D2478}" sibTransId="{9C6B2A1E-8C15-4849-AB20-65DE419B31BF}"/>
+    <dgm:cxn modelId="{F7F96108-8307-4F6B-9B92-D4A627E58705}" srcId="{647250F8-7F9B-4740-9275-27AB3CC6E499}" destId="{A80A0390-61C8-42F0-A7CF-2C5E97D4FFC7}" srcOrd="0" destOrd="0" parTransId="{C69ABC8C-60B3-44C7-95F2-CBE68FB52F7F}" sibTransId="{8E0F6FE4-7BBC-46EA-95F6-FA21F5B41AB8}"/>
+    <dgm:cxn modelId="{A983D6F1-F992-4433-ACA0-55F04D63120D}" type="presOf" srcId="{F9B90765-ECA5-4C4F-95CC-5591CB553B64}" destId="{B2C51123-E39A-4E63-BF49-195128C17793}" srcOrd="0" destOrd="0" presId="urn:microsoft.com/office/officeart/2005/8/layout/process4"/>
     <dgm:cxn modelId="{E0A27333-660C-446C-BB19-E42095094C1B}" srcId="{E07438AE-C096-4201-AF72-953A2A9A8421}" destId="{F9B90765-ECA5-4C4F-95CC-5591CB553B64}" srcOrd="0" destOrd="0" parTransId="{65F12596-5269-46D9-AC39-9670CB98047C}" sibTransId="{CBEC418A-67DB-4DA3-9900-AF13EBB70DBB}"/>
-    <dgm:cxn modelId="{EAF627BC-3AAA-4997-9BE4-F56B1CA54298}" srcId="{D8972D83-7534-487F-90F1-38F4CF38F914}" destId="{9823583F-E0A0-4E88-A13E-0C5982E3D495}" srcOrd="1" destOrd="0" parTransId="{152A7BAD-AFEF-4358-9552-DC8948E53A0B}" sibTransId="{10C62146-6F25-4791-BD69-B8A8CAACA361}"/>
     <dgm:cxn modelId="{43EDADC4-178B-42DF-BFAD-914BCC588AB2}" type="presOf" srcId="{647250F8-7F9B-4740-9275-27AB3CC6E499}" destId="{73DB2240-4B46-474B-8865-097799547DD1}" srcOrd="1" destOrd="0" presId="urn:microsoft.com/office/officeart/2005/8/layout/process4"/>
-    <dgm:cxn modelId="{0D2F29ED-538D-40D9-A856-D87413D9ACDF}" srcId="{9823583F-E0A0-4E88-A13E-0C5982E3D495}" destId="{21ECD0AF-7CF9-4D1B-BC49-5EF135039634}" srcOrd="0" destOrd="0" parTransId="{BF574295-2333-4D42-8982-DD44F46D0ED0}" sibTransId="{018392B4-D6A1-4213-AD0D-C6DBAC58F852}"/>
-    <dgm:cxn modelId="{3E1DBA7B-13EA-4932-B3F1-3E3921BACD08}" type="presOf" srcId="{9823583F-E0A0-4E88-A13E-0C5982E3D495}" destId="{4551906C-F5BC-46EE-8AD4-9C2270498897}" srcOrd="1" destOrd="0" presId="urn:microsoft.com/office/officeart/2005/8/layout/process4"/>
-    <dgm:cxn modelId="{B9A145D4-3D2C-4AB0-BA47-8725485A90B0}" srcId="{D8972D83-7534-487F-90F1-38F4CF38F914}" destId="{647250F8-7F9B-4740-9275-27AB3CC6E499}" srcOrd="2" destOrd="0" parTransId="{86AEB9EA-7EC4-4E8D-92B2-1F32DBEB9FF9}" sibTransId="{92790AC8-2917-41E9-A07B-D769665FB81E}"/>
-    <dgm:cxn modelId="{F560CDA1-0B21-41A5-9110-88ABC38C3DBE}" type="presOf" srcId="{9823583F-E0A0-4E88-A13E-0C5982E3D495}" destId="{EDCDDB6E-BDCC-401B-8426-EC30F75D841C}" srcOrd="0" destOrd="0" presId="urn:microsoft.com/office/officeart/2005/8/layout/process4"/>
-    <dgm:cxn modelId="{217F762E-9D96-4403-BB6A-DA9E031AC359}" type="presOf" srcId="{E07438AE-C096-4201-AF72-953A2A9A8421}" destId="{CC1FEBF8-32FA-4E1F-96D3-C79F4E9C112B}" srcOrd="0" destOrd="0" presId="urn:microsoft.com/office/officeart/2005/8/layout/process4"/>
-    <dgm:cxn modelId="{3FFF0501-DD57-41BE-9BBE-8B4A3AE9D7F1}" type="presOf" srcId="{21ECD0AF-7CF9-4D1B-BC49-5EF135039634}" destId="{10C86234-54DD-439E-83C2-B670A086214C}" srcOrd="0" destOrd="0" presId="urn:microsoft.com/office/officeart/2005/8/layout/process4"/>
-    <dgm:cxn modelId="{F7F96108-8307-4F6B-9B92-D4A627E58705}" srcId="{647250F8-7F9B-4740-9275-27AB3CC6E499}" destId="{A80A0390-61C8-42F0-A7CF-2C5E97D4FFC7}" srcOrd="0" destOrd="0" parTransId="{C69ABC8C-60B3-44C7-95F2-CBE68FB52F7F}" sibTransId="{8E0F6FE4-7BBC-46EA-95F6-FA21F5B41AB8}"/>
-    <dgm:cxn modelId="{F290C630-7761-4107-A801-7A1DD01965F6}" srcId="{D8972D83-7534-487F-90F1-38F4CF38F914}" destId="{E07438AE-C096-4201-AF72-953A2A9A8421}" srcOrd="0" destOrd="0" parTransId="{1EB9BEDC-CBAE-4DFA-8A9D-B52F726D2478}" sibTransId="{9C6B2A1E-8C15-4849-AB20-65DE419B31BF}"/>
-    <dgm:cxn modelId="{0CAA70C0-4032-4BF6-A5FB-5C1ACB986EB6}" type="presOf" srcId="{E07438AE-C096-4201-AF72-953A2A9A8421}" destId="{928F6B9F-8134-4240-9783-CF653994FA86}" srcOrd="1" destOrd="0" presId="urn:microsoft.com/office/officeart/2005/8/layout/process4"/>
-    <dgm:cxn modelId="{A983D6F1-F992-4433-ACA0-55F04D63120D}" type="presOf" srcId="{F9B90765-ECA5-4C4F-95CC-5591CB553B64}" destId="{B2C51123-E39A-4E63-BF49-195128C17793}" srcOrd="0" destOrd="0" presId="urn:microsoft.com/office/officeart/2005/8/layout/process4"/>
-    <dgm:cxn modelId="{AC0B591D-AE52-457C-8D6B-34D088EBCE47}" type="presOf" srcId="{647250F8-7F9B-4740-9275-27AB3CC6E499}" destId="{4945D051-362B-494E-874E-841D294FA261}" srcOrd="0" destOrd="0" presId="urn:microsoft.com/office/officeart/2005/8/layout/process4"/>
-    <dgm:cxn modelId="{2EAC3FD2-3374-4789-ADF6-878B7D882AEB}" type="presOf" srcId="{D8972D83-7534-487F-90F1-38F4CF38F914}" destId="{2C954C16-FA7F-42D1-9595-C42350C6846F}" srcOrd="0" destOrd="0" presId="urn:microsoft.com/office/officeart/2005/8/layout/process4"/>
-    <dgm:cxn modelId="{90EA3EE4-2AAD-4B20-A550-97EEDDB1BA42}" type="presOf" srcId="{A80A0390-61C8-42F0-A7CF-2C5E97D4FFC7}" destId="{C876CBB2-E766-4FE3-B12F-49ACCE41D7C6}" srcOrd="0" destOrd="0" presId="urn:microsoft.com/office/officeart/2005/8/layout/process4"/>
     <dgm:cxn modelId="{6C9DC4EC-85CF-4087-94B7-8472E9FB024F}" type="presParOf" srcId="{2C954C16-FA7F-42D1-9595-C42350C6846F}" destId="{BAAFC947-1A75-48A6-BDC0-46C3F1514A27}" srcOrd="0" destOrd="0" presId="urn:microsoft.com/office/officeart/2005/8/layout/process4"/>
     <dgm:cxn modelId="{7BF80E65-C125-44E5-B7EF-D0E61270FC02}" type="presParOf" srcId="{BAAFC947-1A75-48A6-BDC0-46C3F1514A27}" destId="{4945D051-362B-494E-874E-841D294FA261}" srcOrd="0" destOrd="0" presId="urn:microsoft.com/office/officeart/2005/8/layout/process4"/>
     <dgm:cxn modelId="{3E448BB4-34D9-46BA-80B0-3C586C9A0F10}" type="presParOf" srcId="{BAAFC947-1A75-48A6-BDC0-46C3F1514A27}" destId="{73DB2240-4B46-474B-8865-097799547DD1}" srcOrd="1" destOrd="0" presId="urn:microsoft.com/office/officeart/2005/8/layout/process4"/>
@@ -6324,11 +6345,7 @@
           <a:p>
             <a:r>
               <a:rPr lang="en-US" sz="5400" dirty="0" smtClean="0"/>
-              <a:t>Fuel Supply Chain </a:t>
-            </a:r>
-            <a:r>
-              <a:rPr lang="en-US" sz="5400" dirty="0" smtClean="0"/>
-              <a:t>Model</a:t>
+              <a:t>Fuel Supply Chain Model</a:t>
             </a:r>
             <a:endParaRPr lang="en-US" sz="5400" dirty="0"/>
           </a:p>
@@ -6523,9 +6540,17 @@
           <a:p>
             <a:pPr lvl="1"/>
             <a:r>
-              <a:rPr lang="en-US" dirty="0"/>
+              <a:rPr lang="en-US" dirty="0" smtClean="0"/>
               <a:t>Transformers</a:t>
             </a:r>
+          </a:p>
+          <a:p>
+            <a:pPr lvl="1"/>
+            <a:r>
+              <a:rPr lang="en-US" dirty="0" smtClean="0"/>
+              <a:t>Hubs</a:t>
+            </a:r>
+            <a:endParaRPr lang="en-US" dirty="0"/>
           </a:p>
           <a:p>
             <a:pPr lvl="1"/>
@@ -6535,18 +6560,29 @@
             </a:r>
           </a:p>
           <a:p>
-            <a:pPr lvl="1"/>
             <a:r>
               <a:rPr lang="en-US" dirty="0" smtClean="0"/>
-              <a:t>Hubs</a:t>
-            </a:r>
-            <a:endParaRPr lang="en-US" dirty="0"/>
-          </a:p>
-          <a:p>
+              <a:t>Each class </a:t>
+            </a:r>
             <a:r>
               <a:rPr lang="en-US" dirty="0" smtClean="0"/>
-              <a:t>Each instance of each class has a flexible number of inputs</a:t>
-            </a:r>
+              <a:t>has a flexible number of </a:t>
+            </a:r>
+            <a:r>
+              <a:rPr lang="en-US" dirty="0" smtClean="0"/>
+              <a:t>inputs</a:t>
+            </a:r>
+          </a:p>
+          <a:p>
+            <a:r>
+              <a:rPr lang="en-US" dirty="0" smtClean="0"/>
+              <a:t>The</a:t>
+            </a:r>
+            <a:r>
+              <a:rPr lang="en-US" dirty="0" smtClean="0"/>
+              <a:t> attributes (name, energy type, etc.) of each instance of each class can be entered in the spreadsheet. </a:t>
+            </a:r>
+            <a:endParaRPr lang="en-US" dirty="0" smtClean="0"/>
           </a:p>
         </p:txBody>
       </p:sp>

--- a/fscmodel presentation 130618.pptx
+++ b/fscmodel presentation 130618.pptx
@@ -954,7 +954,15 @@
         <a:p>
           <a:r>
             <a:rPr lang="en-US" dirty="0" smtClean="0"/>
-            <a:t>Input is read from a 5-sheet Excel workbook</a:t>
+            <a:t>Input is read from a </a:t>
+          </a:r>
+          <a:r>
+            <a:rPr lang="en-US" dirty="0" smtClean="0"/>
+            <a:t>6-sheet </a:t>
+          </a:r>
+          <a:r>
+            <a:rPr lang="en-US" dirty="0" smtClean="0"/>
+            <a:t>Excel workbook</a:t>
           </a:r>
           <a:endParaRPr lang="en-US" dirty="0"/>
         </a:p>
@@ -1308,22 +1316,22 @@
     </dgm:pt>
   </dgm:ptLst>
   <dgm:cxnLst>
+    <dgm:cxn modelId="{43EDADC4-178B-42DF-BFAD-914BCC588AB2}" type="presOf" srcId="{647250F8-7F9B-4740-9275-27AB3CC6E499}" destId="{73DB2240-4B46-474B-8865-097799547DD1}" srcOrd="1" destOrd="0" presId="urn:microsoft.com/office/officeart/2005/8/layout/process4"/>
+    <dgm:cxn modelId="{E0A27333-660C-446C-BB19-E42095094C1B}" srcId="{E07438AE-C096-4201-AF72-953A2A9A8421}" destId="{F9B90765-ECA5-4C4F-95CC-5591CB553B64}" srcOrd="0" destOrd="0" parTransId="{65F12596-5269-46D9-AC39-9670CB98047C}" sibTransId="{CBEC418A-67DB-4DA3-9900-AF13EBB70DBB}"/>
     <dgm:cxn modelId="{217F762E-9D96-4403-BB6A-DA9E031AC359}" type="presOf" srcId="{E07438AE-C096-4201-AF72-953A2A9A8421}" destId="{CC1FEBF8-32FA-4E1F-96D3-C79F4E9C112B}" srcOrd="0" destOrd="0" presId="urn:microsoft.com/office/officeart/2005/8/layout/process4"/>
+    <dgm:cxn modelId="{F290C630-7761-4107-A801-7A1DD01965F6}" srcId="{D8972D83-7534-487F-90F1-38F4CF38F914}" destId="{E07438AE-C096-4201-AF72-953A2A9A8421}" srcOrd="0" destOrd="0" parTransId="{1EB9BEDC-CBAE-4DFA-8A9D-B52F726D2478}" sibTransId="{9C6B2A1E-8C15-4849-AB20-65DE419B31BF}"/>
+    <dgm:cxn modelId="{B9A145D4-3D2C-4AB0-BA47-8725485A90B0}" srcId="{D8972D83-7534-487F-90F1-38F4CF38F914}" destId="{647250F8-7F9B-4740-9275-27AB3CC6E499}" srcOrd="2" destOrd="0" parTransId="{86AEB9EA-7EC4-4E8D-92B2-1F32DBEB9FF9}" sibTransId="{92790AC8-2917-41E9-A07B-D769665FB81E}"/>
+    <dgm:cxn modelId="{3E1DBA7B-13EA-4932-B3F1-3E3921BACD08}" type="presOf" srcId="{9823583F-E0A0-4E88-A13E-0C5982E3D495}" destId="{4551906C-F5BC-46EE-8AD4-9C2270498897}" srcOrd="1" destOrd="0" presId="urn:microsoft.com/office/officeart/2005/8/layout/process4"/>
+    <dgm:cxn modelId="{90EA3EE4-2AAD-4B20-A550-97EEDDB1BA42}" type="presOf" srcId="{A80A0390-61C8-42F0-A7CF-2C5E97D4FFC7}" destId="{C876CBB2-E766-4FE3-B12F-49ACCE41D7C6}" srcOrd="0" destOrd="0" presId="urn:microsoft.com/office/officeart/2005/8/layout/process4"/>
+    <dgm:cxn modelId="{A983D6F1-F992-4433-ACA0-55F04D63120D}" type="presOf" srcId="{F9B90765-ECA5-4C4F-95CC-5591CB553B64}" destId="{B2C51123-E39A-4E63-BF49-195128C17793}" srcOrd="0" destOrd="0" presId="urn:microsoft.com/office/officeart/2005/8/layout/process4"/>
+    <dgm:cxn modelId="{2EAC3FD2-3374-4789-ADF6-878B7D882AEB}" type="presOf" srcId="{D8972D83-7534-487F-90F1-38F4CF38F914}" destId="{2C954C16-FA7F-42D1-9595-C42350C6846F}" srcOrd="0" destOrd="0" presId="urn:microsoft.com/office/officeart/2005/8/layout/process4"/>
+    <dgm:cxn modelId="{0D2F29ED-538D-40D9-A856-D87413D9ACDF}" srcId="{9823583F-E0A0-4E88-A13E-0C5982E3D495}" destId="{21ECD0AF-7CF9-4D1B-BC49-5EF135039634}" srcOrd="0" destOrd="0" parTransId="{BF574295-2333-4D42-8982-DD44F46D0ED0}" sibTransId="{018392B4-D6A1-4213-AD0D-C6DBAC58F852}"/>
     <dgm:cxn modelId="{F560CDA1-0B21-41A5-9110-88ABC38C3DBE}" type="presOf" srcId="{9823583F-E0A0-4E88-A13E-0C5982E3D495}" destId="{EDCDDB6E-BDCC-401B-8426-EC30F75D841C}" srcOrd="0" destOrd="0" presId="urn:microsoft.com/office/officeart/2005/8/layout/process4"/>
-    <dgm:cxn modelId="{3E1DBA7B-13EA-4932-B3F1-3E3921BACD08}" type="presOf" srcId="{9823583F-E0A0-4E88-A13E-0C5982E3D495}" destId="{4551906C-F5BC-46EE-8AD4-9C2270498897}" srcOrd="1" destOrd="0" presId="urn:microsoft.com/office/officeart/2005/8/layout/process4"/>
-    <dgm:cxn modelId="{EAF627BC-3AAA-4997-9BE4-F56B1CA54298}" srcId="{D8972D83-7534-487F-90F1-38F4CF38F914}" destId="{9823583F-E0A0-4E88-A13E-0C5982E3D495}" srcOrd="1" destOrd="0" parTransId="{152A7BAD-AFEF-4358-9552-DC8948E53A0B}" sibTransId="{10C62146-6F25-4791-BD69-B8A8CAACA361}"/>
+    <dgm:cxn modelId="{AC0B591D-AE52-457C-8D6B-34D088EBCE47}" type="presOf" srcId="{647250F8-7F9B-4740-9275-27AB3CC6E499}" destId="{4945D051-362B-494E-874E-841D294FA261}" srcOrd="0" destOrd="0" presId="urn:microsoft.com/office/officeart/2005/8/layout/process4"/>
     <dgm:cxn modelId="{3FFF0501-DD57-41BE-9BBE-8B4A3AE9D7F1}" type="presOf" srcId="{21ECD0AF-7CF9-4D1B-BC49-5EF135039634}" destId="{10C86234-54DD-439E-83C2-B670A086214C}" srcOrd="0" destOrd="0" presId="urn:microsoft.com/office/officeart/2005/8/layout/process4"/>
     <dgm:cxn modelId="{0CAA70C0-4032-4BF6-A5FB-5C1ACB986EB6}" type="presOf" srcId="{E07438AE-C096-4201-AF72-953A2A9A8421}" destId="{928F6B9F-8134-4240-9783-CF653994FA86}" srcOrd="1" destOrd="0" presId="urn:microsoft.com/office/officeart/2005/8/layout/process4"/>
-    <dgm:cxn modelId="{2EAC3FD2-3374-4789-ADF6-878B7D882AEB}" type="presOf" srcId="{D8972D83-7534-487F-90F1-38F4CF38F914}" destId="{2C954C16-FA7F-42D1-9595-C42350C6846F}" srcOrd="0" destOrd="0" presId="urn:microsoft.com/office/officeart/2005/8/layout/process4"/>
-    <dgm:cxn modelId="{AC0B591D-AE52-457C-8D6B-34D088EBCE47}" type="presOf" srcId="{647250F8-7F9B-4740-9275-27AB3CC6E499}" destId="{4945D051-362B-494E-874E-841D294FA261}" srcOrd="0" destOrd="0" presId="urn:microsoft.com/office/officeart/2005/8/layout/process4"/>
-    <dgm:cxn modelId="{0D2F29ED-538D-40D9-A856-D87413D9ACDF}" srcId="{9823583F-E0A0-4E88-A13E-0C5982E3D495}" destId="{21ECD0AF-7CF9-4D1B-BC49-5EF135039634}" srcOrd="0" destOrd="0" parTransId="{BF574295-2333-4D42-8982-DD44F46D0ED0}" sibTransId="{018392B4-D6A1-4213-AD0D-C6DBAC58F852}"/>
-    <dgm:cxn modelId="{90EA3EE4-2AAD-4B20-A550-97EEDDB1BA42}" type="presOf" srcId="{A80A0390-61C8-42F0-A7CF-2C5E97D4FFC7}" destId="{C876CBB2-E766-4FE3-B12F-49ACCE41D7C6}" srcOrd="0" destOrd="0" presId="urn:microsoft.com/office/officeart/2005/8/layout/process4"/>
-    <dgm:cxn modelId="{B9A145D4-3D2C-4AB0-BA47-8725485A90B0}" srcId="{D8972D83-7534-487F-90F1-38F4CF38F914}" destId="{647250F8-7F9B-4740-9275-27AB3CC6E499}" srcOrd="2" destOrd="0" parTransId="{86AEB9EA-7EC4-4E8D-92B2-1F32DBEB9FF9}" sibTransId="{92790AC8-2917-41E9-A07B-D769665FB81E}"/>
-    <dgm:cxn modelId="{F290C630-7761-4107-A801-7A1DD01965F6}" srcId="{D8972D83-7534-487F-90F1-38F4CF38F914}" destId="{E07438AE-C096-4201-AF72-953A2A9A8421}" srcOrd="0" destOrd="0" parTransId="{1EB9BEDC-CBAE-4DFA-8A9D-B52F726D2478}" sibTransId="{9C6B2A1E-8C15-4849-AB20-65DE419B31BF}"/>
     <dgm:cxn modelId="{F7F96108-8307-4F6B-9B92-D4A627E58705}" srcId="{647250F8-7F9B-4740-9275-27AB3CC6E499}" destId="{A80A0390-61C8-42F0-A7CF-2C5E97D4FFC7}" srcOrd="0" destOrd="0" parTransId="{C69ABC8C-60B3-44C7-95F2-CBE68FB52F7F}" sibTransId="{8E0F6FE4-7BBC-46EA-95F6-FA21F5B41AB8}"/>
-    <dgm:cxn modelId="{A983D6F1-F992-4433-ACA0-55F04D63120D}" type="presOf" srcId="{F9B90765-ECA5-4C4F-95CC-5591CB553B64}" destId="{B2C51123-E39A-4E63-BF49-195128C17793}" srcOrd="0" destOrd="0" presId="urn:microsoft.com/office/officeart/2005/8/layout/process4"/>
-    <dgm:cxn modelId="{E0A27333-660C-446C-BB19-E42095094C1B}" srcId="{E07438AE-C096-4201-AF72-953A2A9A8421}" destId="{F9B90765-ECA5-4C4F-95CC-5591CB553B64}" srcOrd="0" destOrd="0" parTransId="{65F12596-5269-46D9-AC39-9670CB98047C}" sibTransId="{CBEC418A-67DB-4DA3-9900-AF13EBB70DBB}"/>
-    <dgm:cxn modelId="{43EDADC4-178B-42DF-BFAD-914BCC588AB2}" type="presOf" srcId="{647250F8-7F9B-4740-9275-27AB3CC6E499}" destId="{73DB2240-4B46-474B-8865-097799547DD1}" srcOrd="1" destOrd="0" presId="urn:microsoft.com/office/officeart/2005/8/layout/process4"/>
+    <dgm:cxn modelId="{EAF627BC-3AAA-4997-9BE4-F56B1CA54298}" srcId="{D8972D83-7534-487F-90F1-38F4CF38F914}" destId="{9823583F-E0A0-4E88-A13E-0C5982E3D495}" srcOrd="1" destOrd="0" parTransId="{152A7BAD-AFEF-4358-9552-DC8948E53A0B}" sibTransId="{10C62146-6F25-4791-BD69-B8A8CAACA361}"/>
     <dgm:cxn modelId="{6C9DC4EC-85CF-4087-94B7-8472E9FB024F}" type="presParOf" srcId="{2C954C16-FA7F-42D1-9595-C42350C6846F}" destId="{BAAFC947-1A75-48A6-BDC0-46C3F1514A27}" srcOrd="0" destOrd="0" presId="urn:microsoft.com/office/officeart/2005/8/layout/process4"/>
     <dgm:cxn modelId="{7BF80E65-C125-44E5-B7EF-D0E61270FC02}" type="presParOf" srcId="{BAAFC947-1A75-48A6-BDC0-46C3F1514A27}" destId="{4945D051-362B-494E-874E-841D294FA261}" srcOrd="0" destOrd="0" presId="urn:microsoft.com/office/officeart/2005/8/layout/process4"/>
     <dgm:cxn modelId="{3E448BB4-34D9-46BA-80B0-3C586C9A0F10}" type="presParOf" srcId="{BAAFC947-1A75-48A6-BDC0-46C3F1514A27}" destId="{73DB2240-4B46-474B-8865-097799547DD1}" srcOrd="1" destOrd="0" presId="urn:microsoft.com/office/officeart/2005/8/layout/process4"/>
@@ -1834,7 +1842,15 @@
           </a:pPr>
           <a:r>
             <a:rPr lang="en-US" sz="1900" kern="1200" dirty="0" smtClean="0"/>
-            <a:t>Input is read from a 5-sheet Excel workbook</a:t>
+            <a:t>Input is read from a </a:t>
+          </a:r>
+          <a:r>
+            <a:rPr lang="en-US" sz="1900" kern="1200" dirty="0" smtClean="0"/>
+            <a:t>6-sheet </a:t>
+          </a:r>
+          <a:r>
+            <a:rPr lang="en-US" sz="1900" kern="1200" dirty="0" smtClean="0"/>
+            <a:t>Excel workbook</a:t>
           </a:r>
           <a:endParaRPr lang="en-US" sz="1900" kern="1200" dirty="0"/>
         </a:p>
@@ -6435,7 +6451,7 @@
           <p:nvPr>
             <p:extLst>
               <p:ext uri="{D42A27DB-BD31-4B8C-83A1-F6EECF244321}">
-                <p14:modId xmlns:p14="http://schemas.microsoft.com/office/powerpoint/2010/main" val="3582958760"/>
+                <p14:modId xmlns:p14="http://schemas.microsoft.com/office/powerpoint/2010/main" val="2849895075"/>
               </p:ext>
             </p:extLst>
           </p:nvPr>
@@ -6562,25 +6578,39 @@
           <a:p>
             <a:r>
               <a:rPr lang="en-US" dirty="0" smtClean="0"/>
-              <a:t>Each class </a:t>
-            </a:r>
+              <a:t>Each class has a flexible number of inputs</a:t>
+            </a:r>
+          </a:p>
+          <a:p>
             <a:r>
               <a:rPr lang="en-US" dirty="0" smtClean="0"/>
-              <a:t>has a flexible number of </a:t>
+              <a:t>The attributes (name, energy type, etc.) of each instance of each class can be entered in the </a:t>
             </a:r>
             <a:r>
               <a:rPr lang="en-US" dirty="0" smtClean="0"/>
-              <a:t>inputs</a:t>
+              <a:t>spreadsheet </a:t>
             </a:r>
           </a:p>
           <a:p>
             <a:r>
               <a:rPr lang="en-US" dirty="0" smtClean="0"/>
-              <a:t>The</a:t>
+              <a:t>The restriction on CO</a:t>
+            </a:r>
+            <a:r>
+              <a:rPr lang="en-US" baseline="-25000" dirty="0" smtClean="0"/>
+              <a:t>2</a:t>
             </a:r>
             <a:r>
               <a:rPr lang="en-US" dirty="0" smtClean="0"/>
-              <a:t> attributes (name, energy type, etc.) of each instance of each class can be entered in the spreadsheet. </a:t>
+              <a:t> is entered into the 6</a:t>
+            </a:r>
+            <a:r>
+              <a:rPr lang="en-US" baseline="30000" dirty="0" smtClean="0"/>
+              <a:t>th</a:t>
+            </a:r>
+            <a:r>
+              <a:rPr lang="en-US" dirty="0" smtClean="0"/>
+              <a:t> sheet</a:t>
             </a:r>
             <a:endParaRPr lang="en-US" dirty="0" smtClean="0"/>
           </a:p>
@@ -6657,28 +6687,32 @@
           <a:lstStyle/>
           <a:p>
             <a:r>
-              <a:rPr lang="en-US" dirty="0" smtClean="0"/>
+              <a:rPr lang="en-US" sz="2400" dirty="0" smtClean="0"/>
               <a:t>Input is read from the spreadsheet using Pandas</a:t>
             </a:r>
           </a:p>
           <a:p>
             <a:r>
-              <a:rPr lang="en-US" dirty="0" smtClean="0"/>
-              <a:t>Lists of each class are constructed, containing all objects of that class</a:t>
-            </a:r>
-          </a:p>
-          <a:p>
-            <a:r>
-              <a:rPr lang="en-US" dirty="0" smtClean="0"/>
-              <a:t>This should be able to handle any number of each kind of component, as long as input format is correct</a:t>
-            </a:r>
-          </a:p>
-          <a:p>
-            <a:r>
-              <a:rPr lang="en-US" dirty="0" smtClean="0"/>
-              <a:t>CO2 restriction must be modified in the source code, not the input file</a:t>
-            </a:r>
-            <a:endParaRPr lang="en-US" dirty="0"/>
+              <a:rPr lang="en-US" sz="2400" dirty="0" smtClean="0"/>
+              <a:t>Lists of each class are constructed, containing all objects of that </a:t>
+            </a:r>
+            <a:r>
+              <a:rPr lang="en-US" sz="2400" dirty="0" smtClean="0"/>
+              <a:t>class</a:t>
+            </a:r>
+          </a:p>
+          <a:p>
+            <a:r>
+              <a:rPr lang="en-US" sz="2400" dirty="0" smtClean="0"/>
+              <a:t>The lists are then used to build the model</a:t>
+            </a:r>
+          </a:p>
+          <a:p>
+            <a:r>
+              <a:rPr lang="en-US" sz="2400" dirty="0" smtClean="0"/>
+              <a:t>The code checks that there are no spelling errors in the types of energy. More checks will be added.</a:t>
+            </a:r>
+            <a:endParaRPr lang="en-US" sz="2400" dirty="0" smtClean="0"/>
           </a:p>
         </p:txBody>
       </p:sp>
@@ -6756,14 +6790,40 @@
             </a:r>
             <a:r>
               <a:rPr lang="en-US" dirty="0" smtClean="0"/>
-              <a:t> uses the component lists to construct a linear or non-linear model</a:t>
-            </a:r>
-          </a:p>
-          <a:p>
+              <a:t> uses the component lists to construct </a:t>
+            </a:r>
             <a:r>
               <a:rPr lang="en-US" dirty="0" smtClean="0"/>
-              <a:t>While flexible, if new types of data are added to an existing component, or if new components are added, some minor changes will need to be made</a:t>
-            </a:r>
+              <a:t>variables and constraints which defines the model</a:t>
+            </a:r>
+            <a:endParaRPr lang="en-US" dirty="0" smtClean="0"/>
+          </a:p>
+          <a:p>
+            <a:r>
+              <a:rPr lang="en-US" dirty="0" smtClean="0"/>
+              <a:t>While flexible, if new </a:t>
+            </a:r>
+            <a:r>
+              <a:rPr lang="en-US" dirty="0" smtClean="0"/>
+              <a:t>types of data are </a:t>
+            </a:r>
+            <a:r>
+              <a:rPr lang="en-US" dirty="0" smtClean="0"/>
+              <a:t>added to an existing component, or if new </a:t>
+            </a:r>
+            <a:r>
+              <a:rPr lang="en-US" dirty="0" smtClean="0"/>
+              <a:t>types of components </a:t>
+            </a:r>
+            <a:r>
+              <a:rPr lang="en-US" dirty="0" smtClean="0"/>
+              <a:t>are added, some minor changes will need to be </a:t>
+            </a:r>
+            <a:r>
+              <a:rPr lang="en-US" dirty="0" smtClean="0"/>
+              <a:t>made</a:t>
+            </a:r>
+            <a:endParaRPr lang="en-US" dirty="0" smtClean="0"/>
           </a:p>
           <a:p>
             <a:r>
@@ -6772,7 +6832,21 @@
             </a:r>
             <a:r>
               <a:rPr lang="en-US" dirty="0" smtClean="0"/>
-              <a:t> is currently used as the model solver, but this is easily changeable</a:t>
+              <a:t> is currently used as the model </a:t>
+            </a:r>
+            <a:r>
+              <a:rPr lang="en-US" dirty="0" smtClean="0"/>
+              <a:t>solver</a:t>
+            </a:r>
+          </a:p>
+          <a:p>
+            <a:r>
+              <a:rPr lang="en-US" dirty="0" smtClean="0"/>
+              <a:t>Most of the model is linear, but some quadratic equations are needed for calculation of </a:t>
+            </a:r>
+            <a:r>
+              <a:rPr lang="en-US" dirty="0" err="1" smtClean="0"/>
+              <a:t>capex</a:t>
             </a:r>
             <a:endParaRPr lang="en-US" dirty="0"/>
           </a:p>
@@ -6860,7 +6934,15 @@
           <a:p>
             <a:r>
               <a:rPr lang="en-US" dirty="0" smtClean="0"/>
-              <a:t>Cost by fuel and CO2 by fuel are not currently implemented, but could be in the future</a:t>
+              <a:t>Cost by fuel and CO2 by fuel are not currently </a:t>
+            </a:r>
+            <a:r>
+              <a:rPr lang="en-US" dirty="0" smtClean="0"/>
+              <a:t>displayed, </a:t>
+            </a:r>
+            <a:r>
+              <a:rPr lang="en-US" dirty="0" smtClean="0"/>
+              <a:t>but could be in the future</a:t>
             </a:r>
           </a:p>
           <a:p>
